--- a/StThomas-PowerPoint-AU.pptx
+++ b/StThomas-PowerPoint-AU.pptx
@@ -1,57 +1,58 @@
 
 <file path=ppt/presentation.xml><?xml version="1.0" encoding="utf-8"?>
-<p:presentation xmlns:p15="http://schemas.microsoft.com/office/powerpoint/2012/main" xmlns:a="http://schemas.openxmlformats.org/drawingml/2006/main" xmlns:r="http://schemas.openxmlformats.org/officeDocument/2006/relationships" xmlns:p="http://schemas.openxmlformats.org/presentationml/2006/main" showSpecialPlsOnTitleSld="0" removePersonalInfoOnSave="1" embedTrueTypeFonts="1">
+<p:presentation xmlns:a="http://schemas.openxmlformats.org/drawingml/2006/main" xmlns:r="http://schemas.openxmlformats.org/officeDocument/2006/relationships" xmlns:p="http://schemas.openxmlformats.org/presentationml/2006/main" showSpecialPlsOnTitleSld="0" removePersonalInfoOnSave="1" embedTrueTypeFonts="1">
   <p:sldMasterIdLst>
     <p:sldMasterId id="2147483648" r:id="rId1"/>
   </p:sldMasterIdLst>
   <p:notesMasterIdLst>
-    <p:notesMasterId r:id="rId7"/>
+    <p:notesMasterId r:id="rId8"/>
   </p:notesMasterIdLst>
   <p:handoutMasterIdLst>
-    <p:handoutMasterId r:id="rId8"/>
+    <p:handoutMasterId r:id="rId9"/>
   </p:handoutMasterIdLst>
   <p:sldIdLst>
     <p:sldId id="261" r:id="rId2"/>
-    <p:sldId id="262" r:id="rId3"/>
-    <p:sldId id="258" r:id="rId4"/>
-    <p:sldId id="264" r:id="rId5"/>
-    <p:sldId id="260" r:id="rId6"/>
+    <p:sldId id="265" r:id="rId3"/>
+    <p:sldId id="262" r:id="rId4"/>
+    <p:sldId id="258" r:id="rId5"/>
+    <p:sldId id="264" r:id="rId6"/>
+    <p:sldId id="260" r:id="rId7"/>
   </p:sldIdLst>
   <p:sldSz cx="12188825" cy="6858000"/>
   <p:notesSz cx="6797675" cy="9926638"/>
   <p:embeddedFontLst>
     <p:embeddedFont>
-      <p:font typeface="Wingdings 3" panose="05040102010807070707" pitchFamily="18" charset="2"/>
-      <p:regular r:id="rId9"/>
-    </p:embeddedFont>
-    <p:embeddedFont>
-      <p:font typeface="AU Peto" panose="040C0B07020602020301" pitchFamily="82" charset="0"/>
+      <p:font typeface="AU Passata" panose="020B0503030502030804" pitchFamily="34" charset="77"/>
       <p:regular r:id="rId10"/>
       <p:bold r:id="rId11"/>
     </p:embeddedFont>
     <p:embeddedFont>
-      <p:font typeface="AU Passata Light" panose="020B0303030902030804" pitchFamily="34" charset="0"/>
+      <p:font typeface="AU Passata Light" panose="020B0303030902030804" pitchFamily="34" charset="77"/>
       <p:regular r:id="rId12"/>
       <p:bold r:id="rId13"/>
     </p:embeddedFont>
     <p:embeddedFont>
-      <p:font typeface="Georgia" panose="02040502050405020303" pitchFamily="18" charset="0"/>
+      <p:font typeface="AU Peto" pitchFamily="82" charset="77"/>
       <p:regular r:id="rId14"/>
       <p:bold r:id="rId15"/>
-      <p:italic r:id="rId16"/>
-      <p:boldItalic r:id="rId17"/>
-    </p:embeddedFont>
-    <p:embeddedFont>
-      <p:font typeface="AU Passata" panose="020B0503030502030804" pitchFamily="34" charset="0"/>
-      <p:regular r:id="rId18"/>
-      <p:bold r:id="rId19"/>
     </p:embeddedFont>
     <p:embeddedFont>
       <p:font typeface="Calibri" panose="020F0502020204030204" pitchFamily="34" charset="0"/>
+      <p:regular r:id="rId16"/>
+      <p:bold r:id="rId17"/>
+      <p:italic r:id="rId18"/>
+      <p:boldItalic r:id="rId19"/>
+    </p:embeddedFont>
+    <p:embeddedFont>
+      <p:font typeface="Georgia" panose="02040502050405020303" pitchFamily="18" charset="0"/>
       <p:regular r:id="rId20"/>
       <p:bold r:id="rId21"/>
       <p:italic r:id="rId22"/>
       <p:boldItalic r:id="rId23"/>
+    </p:embeddedFont>
+    <p:embeddedFont>
+      <p:font typeface="Wingdings 3" pitchFamily="2" charset="2"/>
+      <p:regular r:id="rId24"/>
     </p:embeddedFont>
   </p:embeddedFontLst>
   <p:defaultTextStyle>
@@ -451,7 +452,7 @@
               <a:pPr>
                 <a:defRPr/>
               </a:pPr>
-              <a:t>‹nr.›</a:t>
+              <a:t>‹#›</a:t>
             </a:fld>
             <a:endParaRPr lang="en-GB" dirty="0"/>
           </a:p>
@@ -798,7 +799,7 @@
               <a:pPr>
                 <a:defRPr/>
               </a:pPr>
-              <a:t>‹nr.›</a:t>
+              <a:t>‹#›</a:t>
             </a:fld>
             <a:endParaRPr lang="en-GB" dirty="0"/>
           </a:p>
@@ -1008,7 +1009,7 @@
               <a:pPr>
                 <a:defRPr/>
               </a:pPr>
-              <a:t>3</a:t>
+              <a:t>2</a:t>
             </a:fld>
             <a:endParaRPr lang="en-GB" dirty="0"/>
           </a:p>
@@ -1017,7 +1018,7 @@
     </p:spTree>
     <p:extLst>
       <p:ext uri="{BB962C8B-B14F-4D97-AF65-F5344CB8AC3E}">
-        <p14:creationId xmlns:p14="http://schemas.microsoft.com/office/powerpoint/2010/main" val="2432168804"/>
+        <p14:creationId xmlns:p14="http://schemas.microsoft.com/office/powerpoint/2010/main" val="3028619454"/>
       </p:ext>
     </p:extLst>
   </p:cSld>
@@ -1098,7 +1099,97 @@
               <a:pPr>
                 <a:defRPr/>
               </a:pPr>
-              <a:t>5</a:t>
+              <a:t>4</a:t>
+            </a:fld>
+            <a:endParaRPr lang="en-GB" dirty="0"/>
+          </a:p>
+        </p:txBody>
+      </p:sp>
+    </p:spTree>
+    <p:extLst>
+      <p:ext uri="{BB962C8B-B14F-4D97-AF65-F5344CB8AC3E}">
+        <p14:creationId xmlns:p14="http://schemas.microsoft.com/office/powerpoint/2010/main" val="2432168804"/>
+      </p:ext>
+    </p:extLst>
+  </p:cSld>
+  <p:clrMapOvr>
+    <a:masterClrMapping/>
+  </p:clrMapOvr>
+</p:notes>
+</file>
+
+<file path=ppt/notesSlides/notesSlide3.xml><?xml version="1.0" encoding="utf-8"?>
+<p:notes xmlns:a="http://schemas.openxmlformats.org/drawingml/2006/main" xmlns:r="http://schemas.openxmlformats.org/officeDocument/2006/relationships" xmlns:p="http://schemas.openxmlformats.org/presentationml/2006/main">
+  <p:cSld>
+    <p:spTree>
+      <p:nvGrpSpPr>
+        <p:cNvPr id="1" name=""/>
+        <p:cNvGrpSpPr/>
+        <p:nvPr/>
+      </p:nvGrpSpPr>
+      <p:grpSpPr>
+        <a:xfrm>
+          <a:off x="0" y="0"/>
+          <a:ext cx="0" cy="0"/>
+          <a:chOff x="0" y="0"/>
+          <a:chExt cx="0" cy="0"/>
+        </a:xfrm>
+      </p:grpSpPr>
+      <p:sp>
+        <p:nvSpPr>
+          <p:cNvPr id="2" name="Pladsholder til slidebillede 1"/>
+          <p:cNvSpPr>
+            <a:spLocks noGrp="1" noRot="1" noChangeAspect="1"/>
+          </p:cNvSpPr>
+          <p:nvPr>
+            <p:ph type="sldImg"/>
+          </p:nvPr>
+        </p:nvSpPr>
+        <p:spPr/>
+      </p:sp>
+      <p:sp>
+        <p:nvSpPr>
+          <p:cNvPr id="3" name="Pladsholder til noter 2"/>
+          <p:cNvSpPr>
+            <a:spLocks noGrp="1"/>
+          </p:cNvSpPr>
+          <p:nvPr>
+            <p:ph type="body" idx="1"/>
+          </p:nvPr>
+        </p:nvSpPr>
+        <p:spPr/>
+        <p:txBody>
+          <a:bodyPr/>
+          <a:lstStyle/>
+          <a:p>
+            <a:endParaRPr lang="en-GB"/>
+          </a:p>
+        </p:txBody>
+      </p:sp>
+      <p:sp>
+        <p:nvSpPr>
+          <p:cNvPr id="4" name="Pladsholder til slidenummer 3"/>
+          <p:cNvSpPr>
+            <a:spLocks noGrp="1"/>
+          </p:cNvSpPr>
+          <p:nvPr>
+            <p:ph type="sldNum" sz="quarter" idx="10"/>
+          </p:nvPr>
+        </p:nvSpPr>
+        <p:spPr/>
+        <p:txBody>
+          <a:bodyPr/>
+          <a:lstStyle/>
+          <a:p>
+            <a:pPr>
+              <a:defRPr/>
+            </a:pPr>
+            <a:fld id="{72C160C3-3AB6-49C1-8001-AFDAD271EB5B}" type="slidenum">
+              <a:rPr lang="en-GB"/>
+              <a:pPr>
+                <a:defRPr/>
+              </a:pPr>
+              <a:t>6</a:t>
             </a:fld>
             <a:endParaRPr lang="en-GB" dirty="0"/>
           </a:p>
@@ -1118,7 +1209,7 @@
 </file>
 
 <file path=ppt/slideLayouts/slideLayout1.xml><?xml version="1.0" encoding="utf-8"?>
-<p:sldLayout xmlns:a14="http://schemas.microsoft.com/office/drawing/2010/main" xmlns:a="http://schemas.openxmlformats.org/drawingml/2006/main" xmlns:r="http://schemas.openxmlformats.org/officeDocument/2006/relationships" xmlns:p="http://schemas.openxmlformats.org/presentationml/2006/main" showMasterSp="0" preserve="1" userDrawn="1">
+<p:sldLayout xmlns:a="http://schemas.openxmlformats.org/drawingml/2006/main" xmlns:r="http://schemas.openxmlformats.org/officeDocument/2006/relationships" xmlns:p="http://schemas.openxmlformats.org/presentationml/2006/main" showMasterSp="0" preserve="1" userDrawn="1">
   <p:cSld name="Titeldias">
     <p:spTree>
       <p:nvGrpSpPr>
@@ -1317,12 +1408,6 @@
               <a:t>
 Aarhus Universitet</a:t>
             </a:r>
-            <a:endParaRPr lang="da-DK" sz="600" cap="all" spc="40" baseline="0" dirty="0">
-              <a:solidFill>
-                <a:schemeClr val="bg1"/>
-              </a:solidFill>
-              <a:latin typeface="AU Passata Light" pitchFamily="34" charset="0"/>
-            </a:endParaRPr>
           </a:p>
         </p:txBody>
       </p:sp>
@@ -1372,12 +1457,6 @@
               </a:rPr>
               <a:t>26. april 2021</a:t>
             </a:r>
-            <a:endParaRPr lang="da-DK" sz="700" b="0" cap="all" baseline="0" dirty="0">
-              <a:solidFill>
-                <a:schemeClr val="bg1"/>
-              </a:solidFill>
-              <a:latin typeface="+mn-lt"/>
-            </a:endParaRPr>
           </a:p>
         </p:txBody>
       </p:sp>
@@ -1427,12 +1506,6 @@
               </a:rPr>
               <a:t>Læringsdesigner</a:t>
             </a:r>
-            <a:endParaRPr lang="da-DK" sz="700" b="0" cap="all" baseline="0" dirty="0">
-              <a:solidFill>
-                <a:schemeClr val="bg1"/>
-              </a:solidFill>
-              <a:latin typeface="+mn-lt"/>
-            </a:endParaRPr>
           </a:p>
         </p:txBody>
       </p:sp>
@@ -1482,12 +1555,6 @@
               </a:rPr>
               <a:t>AU-skabelon</a:t>
             </a:r>
-            <a:endParaRPr lang="da-DK" sz="700" b="0" cap="all" baseline="0" dirty="0">
-              <a:solidFill>
-                <a:schemeClr val="bg1"/>
-              </a:solidFill>
-              <a:latin typeface="+mn-lt"/>
-            </a:endParaRPr>
           </a:p>
         </p:txBody>
       </p:sp>
@@ -1537,12 +1604,6 @@
               </a:rPr>
               <a:t>Lisa Victoria Schütten Søndergaard</a:t>
             </a:r>
-            <a:endParaRPr lang="da-DK" sz="700" b="0" cap="all" baseline="0" dirty="0">
-              <a:solidFill>
-                <a:schemeClr val="bg1"/>
-              </a:solidFill>
-              <a:latin typeface="+mn-lt"/>
-            </a:endParaRPr>
           </a:p>
         </p:txBody>
       </p:sp>
@@ -1609,16 +1670,6 @@
               <a:t>
 Institut for Virksomhedsledelse</a:t>
             </a:r>
-            <a:endParaRPr kumimoji="0" lang="da-DK" sz="1000" b="0" i="0" u="none" strike="noStrike" cap="all" normalizeH="0" baseline="0" noProof="1">
-              <a:ln>
-                <a:noFill/>
-              </a:ln>
-              <a:solidFill>
-                <a:schemeClr val="bg1"/>
-              </a:solidFill>
-              <a:effectLst/>
-              <a:latin typeface="AU Passata" pitchFamily="34" charset="0"/>
-            </a:endParaRPr>
           </a:p>
         </p:txBody>
       </p:sp>
@@ -1661,11 +1712,7 @@
           <p:nvPr/>
         </p:nvPicPr>
         <p:blipFill>
-          <a:blip r:embed="R2b2ae9ff1d554a1d" cstate="none">
-            <a:extLst>
-              <a:ext uri="{28A0092B-C50C-407E-A947-70E740481C1C}"/>
-            </a:extLst>
-          </a:blip>
+          <a:blip r:embed="rId4"/>
           <a:stretch>
             <a:fillRect/>
           </a:stretch>
@@ -1689,7 +1736,7 @@
           <p:nvPr userDrawn="1"/>
         </p:nvPicPr>
         <p:blipFill>
-          <a:blip r:embed="rId4" cstate="print">
+          <a:blip r:embed="rId5" cstate="print">
             <a:extLst>
               <a:ext uri="{28A0092B-C50C-407E-A947-70E740481C1C}">
                 <a14:useLocalDpi xmlns:a14="http://schemas.microsoft.com/office/drawing/2010/main" val="0"/>
@@ -1746,7 +1793,7 @@
               <a:pPr>
                 <a:defRPr/>
               </a:pPr>
-              <a:t>‹nr.›</a:t>
+              <a:t>‹#›</a:t>
             </a:fld>
             <a:endParaRPr lang="da-DK" dirty="0"/>
           </a:p>
@@ -1770,13 +1817,12 @@
             <a:fld id="{78417F83-4CBA-48F2-BAD0-783AE3701E32}" type="datetimeFigureOut">
               <a:rPr lang="da-DK" smtClean="0"/>
               <a:pPr/>
-              <a:t>23/06/2017</a:t>
+              <a:t>26.04.2021</a:t>
             </a:fld>
             <a:r>
               <a:rPr lang="da-DK" dirty="0"/>
               <a:t>26-04-2021</a:t>
             </a:r>
-            <a:endParaRPr lang="da-DK" dirty="0"/>
           </a:p>
         </p:txBody>
       </p:sp>
@@ -1808,7 +1854,7 @@
 </file>
 
 <file path=ppt/slideLayouts/slideLayout10.xml><?xml version="1.0" encoding="utf-8"?>
-<p:sldLayout xmlns:p14="http://schemas.microsoft.com/office/powerpoint/2010/main" xmlns:p15="http://schemas.microsoft.com/office/powerpoint/2012/main" xmlns:a="http://schemas.openxmlformats.org/drawingml/2006/main" xmlns:r="http://schemas.openxmlformats.org/officeDocument/2006/relationships" xmlns:p="http://schemas.openxmlformats.org/presentationml/2006/main" preserve="1" userDrawn="1">
+<p:sldLayout xmlns:a="http://schemas.openxmlformats.org/drawingml/2006/main" xmlns:r="http://schemas.openxmlformats.org/officeDocument/2006/relationships" xmlns:p="http://schemas.openxmlformats.org/presentationml/2006/main" preserve="1" userDrawn="1">
   <p:cSld name="Three pictures">
     <p:spTree>
       <p:nvGrpSpPr>
@@ -1957,7 +2003,7 @@
               <a:pPr>
                 <a:defRPr/>
               </a:pPr>
-              <a:t>‹nr.›</a:t>
+              <a:t>‹#›</a:t>
             </a:fld>
             <a:endParaRPr lang="da-DK" dirty="0"/>
           </a:p>
@@ -1981,13 +2027,12 @@
             <a:fld id="{78417F83-4CBA-48F2-BAD0-783AE3701E32}" type="datetimeFigureOut">
               <a:rPr lang="da-DK" smtClean="0"/>
               <a:pPr/>
-              <a:t>23/06/2017</a:t>
+              <a:t>26.04.2021</a:t>
             </a:fld>
             <a:r>
               <a:rPr lang="da-DK" dirty="0"/>
               <a:t>26-04-2021</a:t>
             </a:r>
-            <a:endParaRPr lang="da-DK" dirty="0"/>
           </a:p>
         </p:txBody>
       </p:sp>
@@ -2020,7 +2065,7 @@
   <p:clrMapOvr>
     <a:masterClrMapping/>
   </p:clrMapOvr>
-  <p:extLst mod="1">
+  <p:extLst>
     <p:ext uri="{DCECCB84-F9BA-43D5-87BE-67443E8EF086}">
       <p15:sldGuideLst xmlns:p15="http://schemas.microsoft.com/office/powerpoint/2012/main">
         <p15:guide id="1" pos="3922" userDrawn="1">
@@ -2050,7 +2095,7 @@
 </file>
 
 <file path=ppt/slideLayouts/slideLayout11.xml><?xml version="1.0" encoding="utf-8"?>
-<p:sldLayout xmlns:p14="http://schemas.microsoft.com/office/powerpoint/2010/main" xmlns:p15="http://schemas.microsoft.com/office/powerpoint/2012/main" xmlns:a="http://schemas.openxmlformats.org/drawingml/2006/main" xmlns:r="http://schemas.openxmlformats.org/officeDocument/2006/relationships" xmlns:p="http://schemas.openxmlformats.org/presentationml/2006/main" preserve="1" userDrawn="1">
+<p:sldLayout xmlns:a="http://schemas.openxmlformats.org/drawingml/2006/main" xmlns:r="http://schemas.openxmlformats.org/officeDocument/2006/relationships" xmlns:p="http://schemas.openxmlformats.org/presentationml/2006/main" preserve="1" userDrawn="1">
   <p:cSld name="Three pictures II">
     <p:spTree>
       <p:nvGrpSpPr>
@@ -2199,7 +2244,7 @@
               <a:pPr>
                 <a:defRPr/>
               </a:pPr>
-              <a:t>‹nr.›</a:t>
+              <a:t>‹#›</a:t>
             </a:fld>
             <a:endParaRPr lang="da-DK" dirty="0"/>
           </a:p>
@@ -2223,13 +2268,12 @@
             <a:fld id="{78417F83-4CBA-48F2-BAD0-783AE3701E32}" type="datetimeFigureOut">
               <a:rPr lang="da-DK" smtClean="0"/>
               <a:pPr/>
-              <a:t>23/06/2017</a:t>
+              <a:t>26.04.2021</a:t>
             </a:fld>
             <a:r>
               <a:rPr lang="da-DK" dirty="0"/>
               <a:t>26-04-2021</a:t>
             </a:r>
-            <a:endParaRPr lang="da-DK" dirty="0"/>
           </a:p>
         </p:txBody>
       </p:sp>
@@ -2262,7 +2306,7 @@
   <p:clrMapOvr>
     <a:masterClrMapping/>
   </p:clrMapOvr>
-  <p:extLst mod="1">
+  <p:extLst>
     <p:ext uri="{DCECCB84-F9BA-43D5-87BE-67443E8EF086}">
       <p15:sldGuideLst xmlns:p15="http://schemas.microsoft.com/office/powerpoint/2012/main">
         <p15:guide id="1" pos="3922" userDrawn="1">
@@ -2292,7 +2336,7 @@
 </file>
 
 <file path=ppt/slideLayouts/slideLayout12.xml><?xml version="1.0" encoding="utf-8"?>
-<p:sldLayout xmlns:p14="http://schemas.microsoft.com/office/powerpoint/2010/main" xmlns:a="http://schemas.openxmlformats.org/drawingml/2006/main" xmlns:r="http://schemas.openxmlformats.org/officeDocument/2006/relationships" xmlns:p="http://schemas.openxmlformats.org/presentationml/2006/main" showMasterSp="0" preserve="1" userDrawn="1">
+<p:sldLayout xmlns:a="http://schemas.openxmlformats.org/drawingml/2006/main" xmlns:r="http://schemas.openxmlformats.org/officeDocument/2006/relationships" xmlns:p="http://schemas.openxmlformats.org/presentationml/2006/main" showMasterSp="0" preserve="1" userDrawn="1">
   <p:cSld name="Full slide picture">
     <p:spTree>
       <p:nvGrpSpPr>
@@ -2370,7 +2414,7 @@
               <a:pPr>
                 <a:defRPr/>
               </a:pPr>
-              <a:t>‹nr.›</a:t>
+              <a:t>‹#›</a:t>
             </a:fld>
             <a:endParaRPr lang="da-DK" dirty="0"/>
           </a:p>
@@ -2394,13 +2438,12 @@
             <a:fld id="{78417F83-4CBA-48F2-BAD0-783AE3701E32}" type="datetimeFigureOut">
               <a:rPr lang="da-DK" smtClean="0"/>
               <a:pPr/>
-              <a:t>23/06/2017</a:t>
+              <a:t>26.04.2021</a:t>
             </a:fld>
             <a:r>
               <a:rPr lang="da-DK" dirty="0"/>
               <a:t>26-04-2021</a:t>
             </a:r>
-            <a:endParaRPr lang="da-DK" dirty="0"/>
           </a:p>
         </p:txBody>
       </p:sp>
@@ -2437,7 +2480,7 @@
 </file>
 
 <file path=ppt/slideLayouts/slideLayout13.xml><?xml version="1.0" encoding="utf-8"?>
-<p:sldLayout xmlns:p14="http://schemas.microsoft.com/office/powerpoint/2010/main" xmlns:a="http://schemas.openxmlformats.org/drawingml/2006/main" xmlns:r="http://schemas.openxmlformats.org/officeDocument/2006/relationships" xmlns:p="http://schemas.openxmlformats.org/presentationml/2006/main" preserve="1" userDrawn="1">
+<p:sldLayout xmlns:a="http://schemas.openxmlformats.org/drawingml/2006/main" xmlns:r="http://schemas.openxmlformats.org/officeDocument/2006/relationships" xmlns:p="http://schemas.openxmlformats.org/presentationml/2006/main" preserve="1" userDrawn="1">
   <p:cSld name="Quote slide">
     <p:spTree>
       <p:nvGrpSpPr>
@@ -2545,7 +2588,7 @@
               <a:pPr>
                 <a:defRPr/>
               </a:pPr>
-              <a:t>‹nr.›</a:t>
+              <a:t>‹#›</a:t>
             </a:fld>
             <a:endParaRPr lang="da-DK" dirty="0"/>
           </a:p>
@@ -2569,13 +2612,12 @@
             <a:fld id="{78417F83-4CBA-48F2-BAD0-783AE3701E32}" type="datetimeFigureOut">
               <a:rPr lang="da-DK" smtClean="0"/>
               <a:pPr/>
-              <a:t>23/06/2017</a:t>
+              <a:t>26.04.2021</a:t>
             </a:fld>
             <a:r>
               <a:rPr lang="da-DK" dirty="0"/>
               <a:t>26-04-2021</a:t>
             </a:r>
-            <a:endParaRPr lang="da-DK" dirty="0"/>
           </a:p>
         </p:txBody>
       </p:sp>
@@ -2682,7 +2724,7 @@
 </file>
 
 <file path=ppt/slideLayouts/slideLayout14.xml><?xml version="1.0" encoding="utf-8"?>
-<p:sldLayout xmlns:p14="http://schemas.microsoft.com/office/powerpoint/2010/main" xmlns:a="http://schemas.openxmlformats.org/drawingml/2006/main" xmlns:r="http://schemas.openxmlformats.org/officeDocument/2006/relationships" xmlns:p="http://schemas.openxmlformats.org/presentationml/2006/main" preserve="1" userDrawn="1">
+<p:sldLayout xmlns:a="http://schemas.openxmlformats.org/drawingml/2006/main" xmlns:r="http://schemas.openxmlformats.org/officeDocument/2006/relationships" xmlns:p="http://schemas.openxmlformats.org/presentationml/2006/main" preserve="1" userDrawn="1">
   <p:cSld name="Titel and Quote slide">
     <p:spTree>
       <p:nvGrpSpPr>
@@ -2883,7 +2925,7 @@
               <a:pPr>
                 <a:defRPr/>
               </a:pPr>
-              <a:t>‹nr.›</a:t>
+              <a:t>‹#›</a:t>
             </a:fld>
             <a:endParaRPr lang="da-DK" dirty="0"/>
           </a:p>
@@ -2907,13 +2949,12 @@
             <a:fld id="{78417F83-4CBA-48F2-BAD0-783AE3701E32}" type="datetimeFigureOut">
               <a:rPr lang="da-DK" smtClean="0"/>
               <a:pPr/>
-              <a:t>23/06/2017</a:t>
+              <a:t>26.04.2021</a:t>
             </a:fld>
             <a:r>
               <a:rPr lang="da-DK" dirty="0"/>
               <a:t>26-04-2021</a:t>
             </a:r>
-            <a:endParaRPr lang="da-DK" dirty="0"/>
           </a:p>
         </p:txBody>
       </p:sp>
@@ -2950,7 +2991,7 @@
 </file>
 
 <file path=ppt/slideLayouts/slideLayout15.xml><?xml version="1.0" encoding="utf-8"?>
-<p:sldLayout xmlns:p14="http://schemas.microsoft.com/office/powerpoint/2010/main" xmlns:a="http://schemas.openxmlformats.org/drawingml/2006/main" xmlns:r="http://schemas.openxmlformats.org/officeDocument/2006/relationships" xmlns:p="http://schemas.openxmlformats.org/presentationml/2006/main" showMasterSp="0" preserve="1" userDrawn="1">
+<p:sldLayout xmlns:a="http://schemas.openxmlformats.org/drawingml/2006/main" xmlns:r="http://schemas.openxmlformats.org/officeDocument/2006/relationships" xmlns:p="http://schemas.openxmlformats.org/presentationml/2006/main" showMasterSp="0" preserve="1" userDrawn="1">
   <p:cSld name="Full slide content">
     <p:spTree>
       <p:nvGrpSpPr>
@@ -3055,7 +3096,7 @@
               <a:pPr>
                 <a:defRPr/>
               </a:pPr>
-              <a:t>‹nr.›</a:t>
+              <a:t>‹#›</a:t>
             </a:fld>
             <a:endParaRPr lang="da-DK" dirty="0"/>
           </a:p>
@@ -3079,13 +3120,12 @@
             <a:fld id="{78417F83-4CBA-48F2-BAD0-783AE3701E32}" type="datetimeFigureOut">
               <a:rPr lang="da-DK" smtClean="0"/>
               <a:pPr/>
-              <a:t>23/06/2017</a:t>
+              <a:t>26.04.2021</a:t>
             </a:fld>
             <a:r>
               <a:rPr lang="da-DK" dirty="0"/>
               <a:t>26-04-2021</a:t>
             </a:r>
-            <a:endParaRPr lang="da-DK" dirty="0"/>
           </a:p>
         </p:txBody>
       </p:sp>
@@ -3252,7 +3292,7 @@
               <a:pPr>
                 <a:defRPr/>
               </a:pPr>
-              <a:t>‹nr.›</a:t>
+              <a:t>‹#›</a:t>
             </a:fld>
             <a:endParaRPr lang="da-DK" dirty="0"/>
           </a:p>
@@ -3276,13 +3316,12 @@
             <a:fld id="{78417F83-4CBA-48F2-BAD0-783AE3701E32}" type="datetimeFigureOut">
               <a:rPr lang="da-DK" smtClean="0"/>
               <a:pPr/>
-              <a:t>23/06/2017</a:t>
+              <a:t>26.04.2021</a:t>
             </a:fld>
             <a:r>
               <a:rPr lang="da-DK" dirty="0"/>
               <a:t>26-04-2021</a:t>
             </a:r>
-            <a:endParaRPr lang="da-DK" dirty="0"/>
           </a:p>
         </p:txBody>
       </p:sp>
@@ -3422,7 +3461,7 @@
               <a:pPr>
                 <a:defRPr/>
               </a:pPr>
-              <a:t>‹nr.›</a:t>
+              <a:t>‹#›</a:t>
             </a:fld>
             <a:endParaRPr lang="da-DK" dirty="0"/>
           </a:p>
@@ -3446,13 +3485,12 @@
             <a:fld id="{78417F83-4CBA-48F2-BAD0-783AE3701E32}" type="datetimeFigureOut">
               <a:rPr lang="da-DK" smtClean="0"/>
               <a:pPr/>
-              <a:t>23/06/2017</a:t>
+              <a:t>26.04.2021</a:t>
             </a:fld>
             <a:r>
               <a:rPr lang="da-DK" dirty="0"/>
               <a:t>26-04-2021</a:t>
             </a:r>
-            <a:endParaRPr lang="da-DK" dirty="0"/>
           </a:p>
         </p:txBody>
       </p:sp>
@@ -3484,7 +3522,7 @@
 </file>
 
 <file path=ppt/slideLayouts/slideLayout18.xml><?xml version="1.0" encoding="utf-8"?>
-<p:sldLayout xmlns:a14="http://schemas.microsoft.com/office/drawing/2010/main" xmlns:p14="http://schemas.microsoft.com/office/powerpoint/2010/main" xmlns:a="http://schemas.openxmlformats.org/drawingml/2006/main" xmlns:r="http://schemas.openxmlformats.org/officeDocument/2006/relationships" xmlns:p="http://schemas.openxmlformats.org/presentationml/2006/main" showMasterSp="0" preserve="1" userDrawn="1">
+<p:sldLayout xmlns:a="http://schemas.openxmlformats.org/drawingml/2006/main" xmlns:r="http://schemas.openxmlformats.org/officeDocument/2006/relationships" xmlns:p="http://schemas.openxmlformats.org/presentationml/2006/main" showMasterSp="0" preserve="1" userDrawn="1">
   <p:cSld name="End slide Logo">
     <p:bg>
       <p:bgPr>
@@ -3601,13 +3639,12 @@
             <a:fld id="{78417F83-4CBA-48F2-BAD0-783AE3701E32}" type="datetimeFigureOut">
               <a:rPr lang="da-DK" smtClean="0"/>
               <a:pPr/>
-              <a:t>23/06/2017</a:t>
+              <a:t>26.04.2021</a:t>
             </a:fld>
             <a:r>
               <a:rPr lang="da-DK" dirty="0"/>
               <a:t>26-04-2021</a:t>
             </a:r>
-            <a:endParaRPr lang="da-DK" dirty="0"/>
           </a:p>
         </p:txBody>
       </p:sp>
@@ -3664,7 +3701,7 @@
               <a:pPr>
                 <a:defRPr/>
               </a:pPr>
-              <a:t>‹nr.›</a:t>
+              <a:t>‹#›</a:t>
             </a:fld>
             <a:endParaRPr lang="da-DK" dirty="0"/>
           </a:p>
@@ -3684,7 +3721,7 @@
 </file>
 
 <file path=ppt/slideLayouts/slideLayout19.xml><?xml version="1.0" encoding="utf-8"?>
-<p:sldLayout xmlns:p14="http://schemas.microsoft.com/office/powerpoint/2010/main" xmlns:a="http://schemas.openxmlformats.org/drawingml/2006/main" xmlns:r="http://schemas.openxmlformats.org/officeDocument/2006/relationships" xmlns:p="http://schemas.openxmlformats.org/presentationml/2006/main" showMasterSp="0" preserve="1" userDrawn="1">
+<p:sldLayout xmlns:a="http://schemas.openxmlformats.org/drawingml/2006/main" xmlns:r="http://schemas.openxmlformats.org/officeDocument/2006/relationships" xmlns:p="http://schemas.openxmlformats.org/presentationml/2006/main" showMasterSp="0" preserve="1" userDrawn="1">
   <p:cSld name="End slide">
     <p:bg>
       <p:bgPr>
@@ -4491,13 +4528,12 @@
             <a:fld id="{78417F83-4CBA-48F2-BAD0-783AE3701E32}" type="datetimeFigureOut">
               <a:rPr lang="da-DK" smtClean="0"/>
               <a:pPr/>
-              <a:t>23/06/2017</a:t>
+              <a:t>26.04.2021</a:t>
             </a:fld>
             <a:r>
               <a:rPr lang="da-DK" dirty="0"/>
               <a:t>26-04-2021</a:t>
             </a:r>
-            <a:endParaRPr lang="da-DK" dirty="0"/>
           </a:p>
         </p:txBody>
       </p:sp>
@@ -4559,7 +4595,7 @@
               <a:pPr>
                 <a:defRPr/>
               </a:pPr>
-              <a:t>‹nr.›</a:t>
+              <a:t>‹#›</a:t>
             </a:fld>
             <a:endParaRPr lang="da-DK" dirty="0"/>
           </a:p>
@@ -4579,7 +4615,7 @@
 </file>
 
 <file path=ppt/slideLayouts/slideLayout2.xml><?xml version="1.0" encoding="utf-8"?>
-<p:sldLayout xmlns:a14="http://schemas.microsoft.com/office/drawing/2010/main" xmlns:p14="http://schemas.microsoft.com/office/powerpoint/2010/main" xmlns:a="http://schemas.openxmlformats.org/drawingml/2006/main" xmlns:r="http://schemas.openxmlformats.org/officeDocument/2006/relationships" xmlns:p="http://schemas.openxmlformats.org/presentationml/2006/main" showMasterSp="0" preserve="1" userDrawn="1">
+<p:sldLayout xmlns:a="http://schemas.openxmlformats.org/drawingml/2006/main" xmlns:r="http://schemas.openxmlformats.org/officeDocument/2006/relationships" xmlns:p="http://schemas.openxmlformats.org/presentationml/2006/main" showMasterSp="0" preserve="1" userDrawn="1">
   <p:cSld name="Title slide with text">
     <p:spTree>
       <p:nvGrpSpPr>
@@ -4900,12 +4936,6 @@
               <a:t>
 Aarhus Universitet</a:t>
             </a:r>
-            <a:endParaRPr lang="da-DK" sz="600" cap="all" spc="40" baseline="0" dirty="0">
-              <a:solidFill>
-                <a:schemeClr val="bg1"/>
-              </a:solidFill>
-              <a:latin typeface="AU Passata Light" pitchFamily="34" charset="0"/>
-            </a:endParaRPr>
           </a:p>
         </p:txBody>
       </p:sp>
@@ -4972,16 +5002,6 @@
               <a:t>
 Institut for Virksomhedsledelse</a:t>
             </a:r>
-            <a:endParaRPr kumimoji="0" lang="da-DK" sz="1000" b="0" i="0" u="none" strike="noStrike" cap="all" normalizeH="0" baseline="0" noProof="1">
-              <a:ln>
-                <a:noFill/>
-              </a:ln>
-              <a:solidFill>
-                <a:schemeClr val="bg1"/>
-              </a:solidFill>
-              <a:effectLst/>
-              <a:latin typeface="AU Passata" pitchFamily="34" charset="0"/>
-            </a:endParaRPr>
           </a:p>
         </p:txBody>
       </p:sp>
@@ -5031,12 +5051,6 @@
               </a:rPr>
               <a:t>26. april 2021</a:t>
             </a:r>
-            <a:endParaRPr lang="da-DK" sz="700" b="0" cap="all" baseline="0" dirty="0">
-              <a:solidFill>
-                <a:schemeClr val="bg1"/>
-              </a:solidFill>
-              <a:latin typeface="+mn-lt"/>
-            </a:endParaRPr>
           </a:p>
         </p:txBody>
       </p:sp>
@@ -5086,12 +5100,6 @@
               </a:rPr>
               <a:t>Læringsdesigner</a:t>
             </a:r>
-            <a:endParaRPr lang="da-DK" sz="700" b="0" cap="all" baseline="0" dirty="0">
-              <a:solidFill>
-                <a:schemeClr val="bg1"/>
-              </a:solidFill>
-              <a:latin typeface="+mn-lt"/>
-            </a:endParaRPr>
           </a:p>
         </p:txBody>
       </p:sp>
@@ -5141,12 +5149,6 @@
               </a:rPr>
               <a:t>AU-skabelon</a:t>
             </a:r>
-            <a:endParaRPr lang="da-DK" sz="700" b="0" cap="all" baseline="0" dirty="0">
-              <a:solidFill>
-                <a:schemeClr val="bg1"/>
-              </a:solidFill>
-              <a:latin typeface="+mn-lt"/>
-            </a:endParaRPr>
           </a:p>
         </p:txBody>
       </p:sp>
@@ -5196,12 +5198,6 @@
               </a:rPr>
               <a:t>Lisa Victoria Schütten Søndergaard</a:t>
             </a:r>
-            <a:endParaRPr lang="da-DK" sz="700" b="0" cap="all" baseline="0" dirty="0">
-              <a:solidFill>
-                <a:schemeClr val="bg1"/>
-              </a:solidFill>
-              <a:latin typeface="+mn-lt"/>
-            </a:endParaRPr>
           </a:p>
         </p:txBody>
       </p:sp>
@@ -5274,11 +5270,7 @@
           <p:nvPr/>
         </p:nvPicPr>
         <p:blipFill>
-          <a:blip r:embed="R091e0171f3234557" cstate="none">
-            <a:extLst>
-              <a:ext uri="{28A0092B-C50C-407E-A947-70E740481C1C}"/>
-            </a:extLst>
-          </a:blip>
+          <a:blip r:embed="rId4"/>
           <a:stretch>
             <a:fillRect/>
           </a:stretch>
@@ -5329,7 +5321,7 @@
               <a:pPr>
                 <a:defRPr/>
               </a:pPr>
-              <a:t>‹nr.›</a:t>
+              <a:t>‹#›</a:t>
             </a:fld>
             <a:endParaRPr lang="da-DK" dirty="0"/>
           </a:p>
@@ -5353,13 +5345,12 @@
             <a:fld id="{78417F83-4CBA-48F2-BAD0-783AE3701E32}" type="datetimeFigureOut">
               <a:rPr lang="da-DK" smtClean="0"/>
               <a:pPr/>
-              <a:t>23/06/2017</a:t>
+              <a:t>26.04.2021</a:t>
             </a:fld>
             <a:r>
               <a:rPr lang="da-DK" dirty="0"/>
               <a:t>26-04-2021</a:t>
             </a:r>
-            <a:endParaRPr lang="da-DK" dirty="0"/>
           </a:p>
         </p:txBody>
       </p:sp>
@@ -5396,7 +5387,7 @@
 </file>
 
 <file path=ppt/slideLayouts/slideLayout20.xml><?xml version="1.0" encoding="utf-8"?>
-<p:sldLayout xmlns:a14="http://schemas.microsoft.com/office/drawing/2010/main" xmlns:p14="http://schemas.microsoft.com/office/powerpoint/2010/main" xmlns:a="http://schemas.openxmlformats.org/drawingml/2006/main" xmlns:r="http://schemas.openxmlformats.org/officeDocument/2006/relationships" xmlns:p="http://schemas.openxmlformats.org/presentationml/2006/main" showMasterSp="0" preserve="1" userDrawn="1">
+<p:sldLayout xmlns:a="http://schemas.openxmlformats.org/drawingml/2006/main" xmlns:r="http://schemas.openxmlformats.org/officeDocument/2006/relationships" xmlns:p="http://schemas.openxmlformats.org/presentationml/2006/main" showMasterSp="0" preserve="1" userDrawn="1">
   <p:cSld name="End slide Aarhus Universitet">
     <p:bg>
       <p:bgPr>
@@ -5528,16 +5519,6 @@
               <a:t>Aarhus 
 Universitet</a:t>
             </a:r>
-            <a:endParaRPr kumimoji="0" lang="da-DK" sz="4000" b="0" i="0" u="none" strike="noStrike" cap="all" normalizeH="0" baseline="0" noProof="1">
-              <a:ln>
-                <a:noFill/>
-              </a:ln>
-              <a:solidFill>
-                <a:schemeClr val="bg1"/>
-              </a:solidFill>
-              <a:effectLst/>
-              <a:latin typeface="AU Passata" pitchFamily="34" charset="0"/>
-            </a:endParaRPr>
           </a:p>
         </p:txBody>
       </p:sp>
@@ -5594,13 +5575,12 @@
             <a:fld id="{78417F83-4CBA-48F2-BAD0-783AE3701E32}" type="datetimeFigureOut">
               <a:rPr lang="da-DK" smtClean="0"/>
               <a:pPr/>
-              <a:t>23/06/2017</a:t>
+              <a:t>26.04.2021</a:t>
             </a:fld>
             <a:r>
               <a:rPr lang="da-DK" dirty="0"/>
               <a:t>26-04-2021</a:t>
             </a:r>
-            <a:endParaRPr lang="da-DK" dirty="0"/>
           </a:p>
         </p:txBody>
       </p:sp>
@@ -5662,7 +5642,7 @@
               <a:pPr>
                 <a:defRPr/>
               </a:pPr>
-              <a:t>‹nr.›</a:t>
+              <a:t>‹#›</a:t>
             </a:fld>
             <a:endParaRPr lang="da-DK" dirty="0"/>
           </a:p>
@@ -5682,7 +5662,7 @@
 </file>
 
 <file path=ppt/slideLayouts/slideLayout3.xml><?xml version="1.0" encoding="utf-8"?>
-<p:sldLayout xmlns:a14="http://schemas.microsoft.com/office/drawing/2010/main" xmlns:p14="http://schemas.microsoft.com/office/powerpoint/2010/main" xmlns:a="http://schemas.openxmlformats.org/drawingml/2006/main" xmlns:r="http://schemas.openxmlformats.org/officeDocument/2006/relationships" xmlns:p="http://schemas.openxmlformats.org/presentationml/2006/main" showMasterSp="0" preserve="1" userDrawn="1">
+<p:sldLayout xmlns:a="http://schemas.openxmlformats.org/drawingml/2006/main" xmlns:r="http://schemas.openxmlformats.org/officeDocument/2006/relationships" xmlns:p="http://schemas.openxmlformats.org/presentationml/2006/main" showMasterSp="0" preserve="1" userDrawn="1">
   <p:cSld name="Title slide no picture">
     <p:spTree>
       <p:nvGrpSpPr>
@@ -5893,12 +5873,6 @@
               <a:t>
 Aarhus Universitet</a:t>
             </a:r>
-            <a:endParaRPr lang="da-DK" sz="600" cap="all" spc="40" baseline="0" dirty="0">
-              <a:solidFill>
-                <a:schemeClr val="bg1"/>
-              </a:solidFill>
-              <a:latin typeface="AU Passata Light" pitchFamily="34" charset="0"/>
-            </a:endParaRPr>
           </a:p>
         </p:txBody>
       </p:sp>
@@ -5965,16 +5939,6 @@
               <a:t>
 Institut for Virksomhedsledelse</a:t>
             </a:r>
-            <a:endParaRPr kumimoji="0" lang="da-DK" sz="1000" b="0" i="0" u="none" strike="noStrike" cap="all" normalizeH="0" baseline="0" noProof="1">
-              <a:ln>
-                <a:noFill/>
-              </a:ln>
-              <a:solidFill>
-                <a:schemeClr val="bg1"/>
-              </a:solidFill>
-              <a:effectLst/>
-              <a:latin typeface="AU Passata" pitchFamily="34" charset="0"/>
-            </a:endParaRPr>
           </a:p>
         </p:txBody>
       </p:sp>
@@ -6024,12 +5988,6 @@
               </a:rPr>
               <a:t>26. april 2021</a:t>
             </a:r>
-            <a:endParaRPr lang="da-DK" sz="700" b="0" cap="all" baseline="0" dirty="0">
-              <a:solidFill>
-                <a:schemeClr val="bg1"/>
-              </a:solidFill>
-              <a:latin typeface="+mn-lt"/>
-            </a:endParaRPr>
           </a:p>
         </p:txBody>
       </p:sp>
@@ -6079,12 +6037,6 @@
               </a:rPr>
               <a:t>Læringsdesigner</a:t>
             </a:r>
-            <a:endParaRPr lang="da-DK" sz="700" b="0" cap="all" baseline="0" dirty="0">
-              <a:solidFill>
-                <a:schemeClr val="bg1"/>
-              </a:solidFill>
-              <a:latin typeface="+mn-lt"/>
-            </a:endParaRPr>
           </a:p>
         </p:txBody>
       </p:sp>
@@ -6134,12 +6086,6 @@
               </a:rPr>
               <a:t>AU-skabelon</a:t>
             </a:r>
-            <a:endParaRPr lang="da-DK" sz="700" b="0" cap="all" baseline="0" dirty="0">
-              <a:solidFill>
-                <a:schemeClr val="bg1"/>
-              </a:solidFill>
-              <a:latin typeface="+mn-lt"/>
-            </a:endParaRPr>
           </a:p>
         </p:txBody>
       </p:sp>
@@ -6189,12 +6135,6 @@
               </a:rPr>
               <a:t>Lisa Victoria Schütten Søndergaard</a:t>
             </a:r>
-            <a:endParaRPr lang="da-DK" sz="700" b="0" cap="all" baseline="0" dirty="0">
-              <a:solidFill>
-                <a:schemeClr val="bg1"/>
-              </a:solidFill>
-              <a:latin typeface="+mn-lt"/>
-            </a:endParaRPr>
           </a:p>
         </p:txBody>
       </p:sp>
@@ -6267,11 +6207,7 @@
           <p:nvPr/>
         </p:nvPicPr>
         <p:blipFill>
-          <a:blip r:embed="R7832d4c084a34e06" cstate="none">
-            <a:extLst>
-              <a:ext uri="{28A0092B-C50C-407E-A947-70E740481C1C}"/>
-            </a:extLst>
-          </a:blip>
+          <a:blip r:embed="rId4"/>
           <a:stretch>
             <a:fillRect/>
           </a:stretch>
@@ -6322,7 +6258,7 @@
               <a:pPr>
                 <a:defRPr/>
               </a:pPr>
-              <a:t>‹nr.›</a:t>
+              <a:t>‹#›</a:t>
             </a:fld>
             <a:endParaRPr lang="da-DK" dirty="0"/>
           </a:p>
@@ -6346,13 +6282,12 @@
             <a:fld id="{78417F83-4CBA-48F2-BAD0-783AE3701E32}" type="datetimeFigureOut">
               <a:rPr lang="da-DK" smtClean="0"/>
               <a:pPr/>
-              <a:t>23/06/2017</a:t>
+              <a:t>26.04.2021</a:t>
             </a:fld>
             <a:r>
               <a:rPr lang="da-DK" dirty="0"/>
               <a:t>26-04-2021</a:t>
             </a:r>
-            <a:endParaRPr lang="da-DK" dirty="0"/>
           </a:p>
         </p:txBody>
       </p:sp>
@@ -6614,7 +6549,7 @@
               <a:pPr>
                 <a:defRPr/>
               </a:pPr>
-              <a:t>‹nr.›</a:t>
+              <a:t>‹#›</a:t>
             </a:fld>
             <a:endParaRPr lang="da-DK" dirty="0"/>
           </a:p>
@@ -6638,13 +6573,12 @@
             <a:fld id="{78417F83-4CBA-48F2-BAD0-783AE3701E32}" type="datetimeFigureOut">
               <a:rPr lang="da-DK" smtClean="0"/>
               <a:pPr/>
-              <a:t>23/06/2017</a:t>
+              <a:t>26.04.2021</a:t>
             </a:fld>
             <a:r>
               <a:rPr lang="da-DK" dirty="0"/>
               <a:t>26-04-2021</a:t>
             </a:r>
-            <a:endParaRPr lang="da-DK" dirty="0"/>
           </a:p>
         </p:txBody>
       </p:sp>
@@ -6676,7 +6610,7 @@
 </file>
 
 <file path=ppt/slideLayouts/slideLayout5.xml><?xml version="1.0" encoding="utf-8"?>
-<p:sldLayout xmlns:p14="http://schemas.microsoft.com/office/powerpoint/2010/main" xmlns:p15="http://schemas.microsoft.com/office/powerpoint/2012/main" xmlns:a="http://schemas.openxmlformats.org/drawingml/2006/main" xmlns:r="http://schemas.openxmlformats.org/officeDocument/2006/relationships" xmlns:p="http://schemas.openxmlformats.org/presentationml/2006/main" preserve="1" userDrawn="1">
+<p:sldLayout xmlns:a="http://schemas.openxmlformats.org/drawingml/2006/main" xmlns:r="http://schemas.openxmlformats.org/officeDocument/2006/relationships" xmlns:p="http://schemas.openxmlformats.org/presentationml/2006/main" preserve="1" userDrawn="1">
   <p:cSld name="One line title and bullet text">
     <p:spTree>
       <p:nvGrpSpPr>
@@ -6989,7 +6923,7 @@
               <a:pPr>
                 <a:defRPr/>
               </a:pPr>
-              <a:t>‹nr.›</a:t>
+              <a:t>‹#›</a:t>
             </a:fld>
             <a:endParaRPr lang="da-DK" dirty="0"/>
           </a:p>
@@ -7013,13 +6947,12 @@
             <a:fld id="{78417F83-4CBA-48F2-BAD0-783AE3701E32}" type="datetimeFigureOut">
               <a:rPr lang="da-DK" smtClean="0"/>
               <a:pPr/>
-              <a:t>23/06/2017</a:t>
+              <a:t>26.04.2021</a:t>
             </a:fld>
             <a:r>
               <a:rPr lang="da-DK" dirty="0"/>
               <a:t>26-04-2021</a:t>
             </a:r>
-            <a:endParaRPr lang="da-DK" dirty="0"/>
           </a:p>
         </p:txBody>
       </p:sp>
@@ -7052,7 +6985,7 @@
   <p:clrMapOvr>
     <a:masterClrMapping/>
   </p:clrMapOvr>
-  <p:extLst mod="1">
+  <p:extLst>
     <p:ext uri="{DCECCB84-F9BA-43D5-87BE-67443E8EF086}">
       <p15:sldGuideLst xmlns:p15="http://schemas.microsoft.com/office/powerpoint/2012/main">
         <p15:guide id="1" orient="horz" pos="865" userDrawn="1">
@@ -7067,7 +7000,7 @@
 </file>
 
 <file path=ppt/slideLayouts/slideLayout6.xml><?xml version="1.0" encoding="utf-8"?>
-<p:sldLayout xmlns:p14="http://schemas.microsoft.com/office/powerpoint/2010/main" xmlns:p15="http://schemas.microsoft.com/office/powerpoint/2012/main" xmlns:a="http://schemas.openxmlformats.org/drawingml/2006/main" xmlns:r="http://schemas.openxmlformats.org/officeDocument/2006/relationships" xmlns:p="http://schemas.openxmlformats.org/presentationml/2006/main" preserve="1" userDrawn="1">
+<p:sldLayout xmlns:a="http://schemas.openxmlformats.org/drawingml/2006/main" xmlns:r="http://schemas.openxmlformats.org/officeDocument/2006/relationships" xmlns:p="http://schemas.openxmlformats.org/presentationml/2006/main" preserve="1" userDrawn="1">
   <p:cSld name="Text and picture">
     <p:spTree>
       <p:nvGrpSpPr>
@@ -7417,7 +7350,7 @@
               <a:pPr>
                 <a:defRPr/>
               </a:pPr>
-              <a:t>‹nr.›</a:t>
+              <a:t>‹#›</a:t>
             </a:fld>
             <a:endParaRPr lang="da-DK" dirty="0"/>
           </a:p>
@@ -7441,13 +7374,12 @@
             <a:fld id="{78417F83-4CBA-48F2-BAD0-783AE3701E32}" type="datetimeFigureOut">
               <a:rPr lang="da-DK" smtClean="0"/>
               <a:pPr/>
-              <a:t>23/06/2017</a:t>
+              <a:t>26.04.2021</a:t>
             </a:fld>
             <a:r>
               <a:rPr lang="da-DK" dirty="0"/>
               <a:t>26-04-2021</a:t>
             </a:r>
-            <a:endParaRPr lang="da-DK" dirty="0"/>
           </a:p>
         </p:txBody>
       </p:sp>
@@ -7480,7 +7412,7 @@
   <p:clrMapOvr>
     <a:masterClrMapping/>
   </p:clrMapOvr>
-  <p:extLst mod="1">
+  <p:extLst>
     <p:ext uri="{DCECCB84-F9BA-43D5-87BE-67443E8EF086}">
       <p15:sldGuideLst xmlns:p15="http://schemas.microsoft.com/office/powerpoint/2012/main">
         <p15:guide id="1" pos="3924" userDrawn="1">
@@ -7500,7 +7432,7 @@
 </file>
 
 <file path=ppt/slideLayouts/slideLayout7.xml><?xml version="1.0" encoding="utf-8"?>
-<p:sldLayout xmlns:p14="http://schemas.microsoft.com/office/powerpoint/2010/main" xmlns:p15="http://schemas.microsoft.com/office/powerpoint/2012/main" xmlns:a="http://schemas.openxmlformats.org/drawingml/2006/main" xmlns:r="http://schemas.openxmlformats.org/officeDocument/2006/relationships" xmlns:p="http://schemas.openxmlformats.org/presentationml/2006/main" preserve="1" userDrawn="1">
+<p:sldLayout xmlns:a="http://schemas.openxmlformats.org/drawingml/2006/main" xmlns:r="http://schemas.openxmlformats.org/officeDocument/2006/relationships" xmlns:p="http://schemas.openxmlformats.org/presentationml/2006/main" preserve="1" userDrawn="1">
   <p:cSld name="Personal information">
     <p:spTree>
       <p:nvGrpSpPr>
@@ -7858,7 +7790,7 @@
               <a:pPr>
                 <a:defRPr/>
               </a:pPr>
-              <a:t>‹nr.›</a:t>
+              <a:t>‹#›</a:t>
             </a:fld>
             <a:endParaRPr lang="da-DK" dirty="0"/>
           </a:p>
@@ -7882,13 +7814,12 @@
             <a:fld id="{78417F83-4CBA-48F2-BAD0-783AE3701E32}" type="datetimeFigureOut">
               <a:rPr lang="da-DK" smtClean="0"/>
               <a:pPr/>
-              <a:t>23/06/2017</a:t>
+              <a:t>26.04.2021</a:t>
             </a:fld>
             <a:r>
               <a:rPr lang="da-DK" dirty="0"/>
               <a:t>26-04-2021</a:t>
             </a:r>
-            <a:endParaRPr lang="da-DK" dirty="0"/>
           </a:p>
         </p:txBody>
       </p:sp>
@@ -7921,7 +7852,7 @@
   <p:clrMapOvr>
     <a:masterClrMapping/>
   </p:clrMapOvr>
-  <p:extLst mod="1">
+  <p:extLst>
     <p:ext uri="{DCECCB84-F9BA-43D5-87BE-67443E8EF086}">
       <p15:sldGuideLst xmlns:p15="http://schemas.microsoft.com/office/powerpoint/2012/main">
         <p15:guide id="1" pos="3930" userDrawn="1">
@@ -7946,7 +7877,7 @@
 </file>
 
 <file path=ppt/slideLayouts/slideLayout8.xml><?xml version="1.0" encoding="utf-8"?>
-<p:sldLayout xmlns:p14="http://schemas.microsoft.com/office/powerpoint/2010/main" xmlns:a="http://schemas.openxmlformats.org/drawingml/2006/main" xmlns:r="http://schemas.openxmlformats.org/officeDocument/2006/relationships" xmlns:p="http://schemas.openxmlformats.org/presentationml/2006/main" preserve="1" userDrawn="1">
+<p:sldLayout xmlns:a="http://schemas.openxmlformats.org/drawingml/2006/main" xmlns:r="http://schemas.openxmlformats.org/officeDocument/2006/relationships" xmlns:p="http://schemas.openxmlformats.org/presentationml/2006/main" preserve="1" userDrawn="1">
   <p:cSld name="Picture slide">
     <p:spTree>
       <p:nvGrpSpPr>
@@ -8027,7 +7958,7 @@
               <a:pPr>
                 <a:defRPr/>
               </a:pPr>
-              <a:t>‹nr.›</a:t>
+              <a:t>‹#›</a:t>
             </a:fld>
             <a:endParaRPr lang="da-DK" dirty="0"/>
           </a:p>
@@ -8051,13 +7982,12 @@
             <a:fld id="{78417F83-4CBA-48F2-BAD0-783AE3701E32}" type="datetimeFigureOut">
               <a:rPr lang="da-DK" smtClean="0"/>
               <a:pPr/>
-              <a:t>23/06/2017</a:t>
+              <a:t>26.04.2021</a:t>
             </a:fld>
             <a:r>
               <a:rPr lang="da-DK" dirty="0"/>
               <a:t>26-04-2021</a:t>
             </a:r>
-            <a:endParaRPr lang="da-DK" dirty="0"/>
           </a:p>
         </p:txBody>
       </p:sp>
@@ -8094,7 +8024,7 @@
 </file>
 
 <file path=ppt/slideLayouts/slideLayout9.xml><?xml version="1.0" encoding="utf-8"?>
-<p:sldLayout xmlns:p14="http://schemas.microsoft.com/office/powerpoint/2010/main" xmlns:p15="http://schemas.microsoft.com/office/powerpoint/2012/main" xmlns:a="http://schemas.openxmlformats.org/drawingml/2006/main" xmlns:r="http://schemas.openxmlformats.org/officeDocument/2006/relationships" xmlns:p="http://schemas.openxmlformats.org/presentationml/2006/main" preserve="1" userDrawn="1">
+<p:sldLayout xmlns:a="http://schemas.openxmlformats.org/drawingml/2006/main" xmlns:r="http://schemas.openxmlformats.org/officeDocument/2006/relationships" xmlns:p="http://schemas.openxmlformats.org/presentationml/2006/main" preserve="1" userDrawn="1">
   <p:cSld name="Two pictures">
     <p:spTree>
       <p:nvGrpSpPr>
@@ -8209,7 +8139,7 @@
               <a:pPr>
                 <a:defRPr/>
               </a:pPr>
-              <a:t>‹nr.›</a:t>
+              <a:t>‹#›</a:t>
             </a:fld>
             <a:endParaRPr lang="da-DK" dirty="0"/>
           </a:p>
@@ -8233,13 +8163,12 @@
             <a:fld id="{78417F83-4CBA-48F2-BAD0-783AE3701E32}" type="datetimeFigureOut">
               <a:rPr lang="da-DK" smtClean="0"/>
               <a:pPr/>
-              <a:t>23/06/2017</a:t>
+              <a:t>26.04.2021</a:t>
             </a:fld>
             <a:r>
               <a:rPr lang="da-DK" dirty="0"/>
               <a:t>26-04-2021</a:t>
             </a:r>
-            <a:endParaRPr lang="da-DK" dirty="0"/>
           </a:p>
         </p:txBody>
       </p:sp>
@@ -8272,7 +8201,7 @@
   <p:clrMapOvr>
     <a:masterClrMapping/>
   </p:clrMapOvr>
-  <p:extLst mod="1">
+  <p:extLst>
     <p:ext uri="{DCECCB84-F9BA-43D5-87BE-67443E8EF086}">
       <p15:sldGuideLst xmlns:p15="http://schemas.microsoft.com/office/powerpoint/2012/main">
         <p15:guide id="1" pos="3924" userDrawn="1">
@@ -8292,7 +8221,7 @@
 </file>
 
 <file path=ppt/slideMasters/slideMaster1.xml><?xml version="1.0" encoding="utf-8"?>
-<p:sldMaster xmlns:a14="http://schemas.microsoft.com/office/drawing/2010/main" xmlns:p15="http://schemas.microsoft.com/office/powerpoint/2012/main" xmlns:a="http://schemas.openxmlformats.org/drawingml/2006/main" xmlns:r="http://schemas.openxmlformats.org/officeDocument/2006/relationships" xmlns:p="http://schemas.openxmlformats.org/presentationml/2006/main" preserve="1">
+<p:sldMaster xmlns:a="http://schemas.openxmlformats.org/drawingml/2006/main" xmlns:r="http://schemas.openxmlformats.org/officeDocument/2006/relationships" xmlns:p="http://schemas.openxmlformats.org/presentationml/2006/main" preserve="1">
   <p:cSld>
     <p:bg>
       <p:bgPr>
@@ -8475,11 +8404,7 @@
           <p:nvPr/>
         </p:nvPicPr>
         <p:blipFill>
-          <a:blip r:embed="Re8ce7099046e47cc" cstate="none">
-            <a:extLst>
-              <a:ext uri="{28A0092B-C50C-407E-A947-70E740481C1C}"/>
-            </a:extLst>
-          </a:blip>
+          <a:blip r:embed="rId22"/>
           <a:stretch>
             <a:fillRect/>
           </a:stretch>
@@ -8589,12 +8514,6 @@
               </a:rPr>
               <a:t>AU-skabelon</a:t>
             </a:r>
-            <a:endParaRPr lang="da-DK" sz="700" b="0" cap="all" baseline="0" dirty="0">
-              <a:solidFill>
-                <a:schemeClr val="tx1"/>
-              </a:solidFill>
-              <a:latin typeface="+mn-lt"/>
-            </a:endParaRPr>
           </a:p>
         </p:txBody>
       </p:sp>
@@ -8644,12 +8563,6 @@
               </a:rPr>
               <a:t>Lisa Victoria Schütten Søndergaard</a:t>
             </a:r>
-            <a:endParaRPr lang="da-DK" sz="700" b="0" cap="all" baseline="0" dirty="0">
-              <a:solidFill>
-                <a:schemeClr val="tx1"/>
-              </a:solidFill>
-              <a:latin typeface="+mn-lt"/>
-            </a:endParaRPr>
           </a:p>
         </p:txBody>
       </p:sp>
@@ -8699,12 +8612,6 @@
               </a:rPr>
               <a:t>26. april 2021</a:t>
             </a:r>
-            <a:endParaRPr lang="da-DK" sz="700" b="0" cap="all" baseline="0" dirty="0">
-              <a:solidFill>
-                <a:schemeClr val="tx1"/>
-              </a:solidFill>
-              <a:latin typeface="+mn-lt"/>
-            </a:endParaRPr>
           </a:p>
         </p:txBody>
       </p:sp>
@@ -8754,48 +8661,12 @@
               </a:rPr>
               <a:t>Læringsdesigner</a:t>
             </a:r>
-            <a:endParaRPr lang="da-DK" sz="700" b="0" cap="all" baseline="0" dirty="0">
-              <a:solidFill>
-                <a:schemeClr val="tx1"/>
-              </a:solidFill>
-              <a:latin typeface="+mn-lt"/>
-            </a:endParaRPr>
           </a:p>
         </p:txBody>
       </p:sp>
       <p:pic>
         <p:nvPicPr>
           <p:cNvPr id="7" name="Au logo"/>
-          <p:cNvPicPr>
-            <a:picLocks noChangeAspect="1"/>
-          </p:cNvPicPr>
-          <p:nvPr userDrawn="1"/>
-        </p:nvPicPr>
-        <p:blipFill>
-          <a:blip r:embed="rId22" cstate="print">
-            <a:extLst>
-              <a:ext uri="{28A0092B-C50C-407E-A947-70E740481C1C}">
-                <a14:useLocalDpi xmlns:a14="http://schemas.microsoft.com/office/drawing/2010/main" val="0"/>
-              </a:ext>
-            </a:extLst>
-          </a:blip>
-          <a:stretch>
-            <a:fillRect/>
-          </a:stretch>
-        </p:blipFill>
-        <p:spPr>
-          <a:xfrm>
-            <a:off x="302400" y="5999002"/>
-            <a:ext cx="557570" cy="558000"/>
-          </a:xfrm>
-          <a:prstGeom prst="rect">
-            <a:avLst/>
-          </a:prstGeom>
-        </p:spPr>
-      </p:pic>
-      <p:pic>
-        <p:nvPicPr>
-          <p:cNvPr id="10" name="Billede streg"/>
           <p:cNvPicPr>
             <a:picLocks noChangeAspect="1"/>
           </p:cNvPicPr>
@@ -8815,6 +8686,36 @@
         </p:blipFill>
         <p:spPr>
           <a:xfrm>
+            <a:off x="302400" y="5999002"/>
+            <a:ext cx="557570" cy="558000"/>
+          </a:xfrm>
+          <a:prstGeom prst="rect">
+            <a:avLst/>
+          </a:prstGeom>
+        </p:spPr>
+      </p:pic>
+      <p:pic>
+        <p:nvPicPr>
+          <p:cNvPr id="10" name="Billede streg"/>
+          <p:cNvPicPr>
+            <a:picLocks noChangeAspect="1"/>
+          </p:cNvPicPr>
+          <p:nvPr userDrawn="1"/>
+        </p:nvPicPr>
+        <p:blipFill>
+          <a:blip r:embed="rId24" cstate="print">
+            <a:extLst>
+              <a:ext uri="{28A0092B-C50C-407E-A947-70E740481C1C}">
+                <a14:useLocalDpi xmlns:a14="http://schemas.microsoft.com/office/drawing/2010/main" val="0"/>
+              </a:ext>
+            </a:extLst>
+          </a:blip>
+          <a:stretch>
+            <a:fillRect/>
+          </a:stretch>
+        </p:blipFill>
+        <p:spPr>
+          <a:xfrm>
             <a:off x="6073200" y="5997600"/>
             <a:ext cx="71734" cy="558000"/>
           </a:xfrm>
@@ -8870,12 +8771,6 @@
               <a:t>
 Aarhus Universitet</a:t>
             </a:r>
-            <a:endParaRPr lang="da-DK" sz="600" cap="all" spc="40" baseline="0" dirty="0">
-              <a:solidFill>
-                <a:schemeClr val="tx1"/>
-              </a:solidFill>
-              <a:latin typeface="AU Passata Light" pitchFamily="34" charset="0"/>
-            </a:endParaRPr>
           </a:p>
         </p:txBody>
       </p:sp>
@@ -8942,16 +8837,6 @@
               <a:t>
 Institut for Virksomhedsledelse</a:t>
             </a:r>
-            <a:endParaRPr kumimoji="0" lang="da-DK" sz="1000" b="0" i="0" u="none" strike="noStrike" cap="all" normalizeH="0" baseline="0" noProof="1">
-              <a:ln>
-                <a:noFill/>
-              </a:ln>
-              <a:solidFill>
-                <a:schemeClr val="tx1"/>
-              </a:solidFill>
-              <a:effectLst/>
-              <a:latin typeface="AU Passata" pitchFamily="34" charset="0"/>
-            </a:endParaRPr>
           </a:p>
         </p:txBody>
       </p:sp>
@@ -9013,7 +8898,7 @@
               <a:pPr>
                 <a:defRPr/>
               </a:pPr>
-              <a:t>‹nr.›</a:t>
+              <a:t>‹#›</a:t>
             </a:fld>
             <a:endParaRPr lang="da-DK" dirty="0"/>
           </a:p>
@@ -9051,13 +8936,12 @@
             <a:fld id="{78417F83-4CBA-48F2-BAD0-783AE3701E32}" type="datetimeFigureOut">
               <a:rPr lang="da-DK" smtClean="0"/>
               <a:pPr/>
-              <a:t>23-06-2017</a:t>
+              <a:t>26.04.2021</a:t>
             </a:fld>
             <a:r>
               <a:rPr lang="da-DK"/>
               <a:t>26-04-2021</a:t>
             </a:r>
-            <a:endParaRPr lang="da-DK"/>
           </a:p>
         </p:txBody>
       </p:sp>
@@ -9581,7 +9465,7 @@
       </a:lvl9pPr>
     </p:otherStyle>
   </p:txStyles>
-  <p:extLst mod="1">
+  <p:extLst>
     <p:ext uri="{27BBF7A9-308A-43DC-89C8-2F10F3537804}">
       <p15:sldGuideLst xmlns:p15="http://schemas.microsoft.com/office/powerpoint/2012/main">
         <p15:guide id="4" orient="horz" pos="3715" userDrawn="1">
@@ -9631,7 +9515,7 @@
 </file>
 
 <file path=ppt/slides/slide1.xml><?xml version="1.0" encoding="utf-8"?>
-<p:sld xmlns:p14="http://schemas.microsoft.com/office/powerpoint/2010/main" xmlns:a="http://schemas.openxmlformats.org/drawingml/2006/main" xmlns:r="http://schemas.openxmlformats.org/officeDocument/2006/relationships" xmlns:p="http://schemas.openxmlformats.org/presentationml/2006/main">
+<p:sld xmlns:a="http://schemas.openxmlformats.org/drawingml/2006/main" xmlns:r="http://schemas.openxmlformats.org/officeDocument/2006/relationships" xmlns:p="http://schemas.openxmlformats.org/presentationml/2006/main">
   <p:cSld>
     <p:spTree>
       <p:nvGrpSpPr>
@@ -9688,7 +9572,285 @@
 </file>
 
 <file path=ppt/slides/slide2.xml><?xml version="1.0" encoding="utf-8"?>
-<p:sld xmlns:p14="http://schemas.microsoft.com/office/powerpoint/2010/main" xmlns:a="http://schemas.openxmlformats.org/drawingml/2006/main" xmlns:r="http://schemas.openxmlformats.org/officeDocument/2006/relationships" xmlns:p="http://schemas.openxmlformats.org/presentationml/2006/main">
+<p:sld xmlns:a="http://schemas.openxmlformats.org/drawingml/2006/main" xmlns:r="http://schemas.openxmlformats.org/officeDocument/2006/relationships" xmlns:p="http://schemas.openxmlformats.org/presentationml/2006/main">
+  <p:cSld>
+    <p:spTree>
+      <p:nvGrpSpPr>
+        <p:cNvPr id="1" name=""/>
+        <p:cNvGrpSpPr/>
+        <p:nvPr/>
+      </p:nvGrpSpPr>
+      <p:grpSpPr>
+        <a:xfrm>
+          <a:off x="0" y="0"/>
+          <a:ext cx="0" cy="0"/>
+          <a:chOff x="0" y="0"/>
+          <a:chExt cx="0" cy="0"/>
+        </a:xfrm>
+      </p:grpSpPr>
+      <p:sp>
+        <p:nvSpPr>
+          <p:cNvPr id="4" name="Title 3"/>
+          <p:cNvSpPr>
+            <a:spLocks noGrp="1"/>
+          </p:cNvSpPr>
+          <p:nvPr>
+            <p:ph type="title"/>
+          </p:nvPr>
+        </p:nvSpPr>
+        <p:spPr/>
+        <p:txBody>
+          <a:bodyPr/>
+          <a:lstStyle/>
+          <a:p>
+            <a:r>
+              <a:rPr lang="da-DK" dirty="0"/>
+              <a:t>Overordnet indhold (note-slide)</a:t>
+            </a:r>
+          </a:p>
+        </p:txBody>
+      </p:sp>
+      <p:sp>
+        <p:nvSpPr>
+          <p:cNvPr id="5" name="Content Placeholder 4"/>
+          <p:cNvSpPr>
+            <a:spLocks noGrp="1"/>
+          </p:cNvSpPr>
+          <p:nvPr>
+            <p:ph idx="1"/>
+          </p:nvPr>
+        </p:nvSpPr>
+        <p:spPr/>
+        <p:txBody>
+          <a:bodyPr/>
+          <a:lstStyle/>
+          <a:p>
+            <a:r>
+              <a:rPr lang="en-GB" dirty="0" err="1"/>
+              <a:t>Overordnet</a:t>
+            </a:r>
+            <a:r>
+              <a:rPr lang="en-GB" dirty="0"/>
+              <a:t> </a:t>
+            </a:r>
+            <a:r>
+              <a:rPr lang="en-GB" dirty="0" err="1"/>
+              <a:t>indhold</a:t>
+            </a:r>
+            <a:r>
+              <a:rPr lang="en-GB"/>
+              <a:t>:</a:t>
+            </a:r>
+            <a:br>
+              <a:rPr lang="en-GB"/>
+            </a:br>
+            <a:endParaRPr lang="en-GB" dirty="0"/>
+          </a:p>
+          <a:p>
+            <a:pPr marL="457200" indent="-457200">
+              <a:buFont typeface="+mj-lt"/>
+              <a:buAutoNum type="arabicPeriod"/>
+            </a:pPr>
+            <a:r>
+              <a:rPr lang="en-GB" dirty="0" err="1"/>
+              <a:t>Agentadfærd</a:t>
+            </a:r>
+            <a:endParaRPr lang="en-GB" dirty="0"/>
+          </a:p>
+          <a:p>
+            <a:pPr marL="457200" indent="-457200">
+              <a:buFont typeface="+mj-lt"/>
+              <a:buAutoNum type="arabicPeriod"/>
+            </a:pPr>
+            <a:r>
+              <a:rPr lang="en-GB" dirty="0" err="1"/>
+              <a:t>Undervisningskontekst</a:t>
+            </a:r>
+            <a:endParaRPr lang="en-GB" dirty="0"/>
+          </a:p>
+          <a:p>
+            <a:pPr marL="457200" indent="-457200">
+              <a:buFont typeface="+mj-lt"/>
+              <a:buAutoNum type="arabicPeriod"/>
+            </a:pPr>
+            <a:r>
+              <a:rPr lang="en-GB" dirty="0"/>
+              <a:t>Widgets &amp; interface</a:t>
+            </a:r>
+          </a:p>
+          <a:p>
+            <a:pPr marL="457200" indent="-457200">
+              <a:buFont typeface="+mj-lt"/>
+              <a:buAutoNum type="arabicPeriod"/>
+            </a:pPr>
+            <a:r>
+              <a:rPr lang="en-GB" dirty="0"/>
+              <a:t>Det store </a:t>
+            </a:r>
+            <a:r>
+              <a:rPr lang="en-GB" dirty="0" err="1"/>
+              <a:t>spørgsmål</a:t>
+            </a:r>
+            <a:r>
+              <a:rPr lang="en-GB" dirty="0"/>
+              <a:t>, </a:t>
+            </a:r>
+            <a:r>
+              <a:rPr lang="en-GB" dirty="0" err="1"/>
+              <a:t>modellen</a:t>
+            </a:r>
+            <a:r>
+              <a:rPr lang="en-GB" dirty="0"/>
+              <a:t> </a:t>
+            </a:r>
+            <a:r>
+              <a:rPr lang="en-GB" dirty="0" err="1"/>
+              <a:t>besvarer</a:t>
+            </a:r>
+            <a:endParaRPr lang="en-GB" dirty="0"/>
+          </a:p>
+          <a:p>
+            <a:pPr marL="457200" indent="-457200">
+              <a:buFont typeface="+mj-lt"/>
+              <a:buAutoNum type="arabicPeriod"/>
+            </a:pPr>
+            <a:r>
+              <a:rPr lang="en-GB" dirty="0"/>
+              <a:t>Mere </a:t>
+            </a:r>
+            <a:r>
+              <a:rPr lang="en-GB" dirty="0" err="1"/>
+              <a:t>specifikke</a:t>
+            </a:r>
+            <a:r>
+              <a:rPr lang="en-GB" dirty="0"/>
+              <a:t> </a:t>
+            </a:r>
+            <a:r>
+              <a:rPr lang="en-GB" dirty="0" err="1"/>
+              <a:t>eksempler</a:t>
+            </a:r>
+            <a:r>
+              <a:rPr lang="en-GB" dirty="0"/>
+              <a:t> </a:t>
+            </a:r>
+            <a:r>
+              <a:rPr lang="en-GB" dirty="0" err="1"/>
+              <a:t>og</a:t>
+            </a:r>
+            <a:r>
+              <a:rPr lang="en-GB" dirty="0"/>
+              <a:t> </a:t>
+            </a:r>
+            <a:r>
+              <a:rPr lang="en-GB" dirty="0" err="1"/>
+              <a:t>sammenligning</a:t>
+            </a:r>
+            <a:r>
+              <a:rPr lang="en-GB" dirty="0"/>
+              <a:t>. </a:t>
+            </a:r>
+            <a:r>
+              <a:rPr lang="en-GB" dirty="0" err="1"/>
+              <a:t>F.eks</a:t>
+            </a:r>
+            <a:r>
+              <a:rPr lang="en-GB" dirty="0"/>
+              <a:t>. </a:t>
+            </a:r>
+            <a:r>
+              <a:rPr lang="en-GB" dirty="0" err="1"/>
+              <a:t>økonomi</a:t>
+            </a:r>
+            <a:r>
+              <a:rPr lang="en-GB" dirty="0"/>
+              <a:t> &gt;&lt; </a:t>
+            </a:r>
+            <a:r>
+              <a:rPr lang="en-GB" dirty="0" err="1"/>
+              <a:t>sundhed</a:t>
+            </a:r>
+            <a:r>
+              <a:rPr lang="en-GB" dirty="0"/>
+              <a:t>. </a:t>
+            </a:r>
+            <a:r>
+              <a:rPr lang="en-GB" dirty="0" err="1"/>
+              <a:t>Forklar</a:t>
+            </a:r>
+            <a:r>
+              <a:rPr lang="en-GB" dirty="0"/>
+              <a:t>: </a:t>
+            </a:r>
+            <a:r>
+              <a:rPr lang="en-GB" dirty="0" err="1"/>
+              <a:t>hvorfor</a:t>
+            </a:r>
+            <a:r>
+              <a:rPr lang="en-GB" dirty="0"/>
+              <a:t> er det </a:t>
+            </a:r>
+            <a:r>
+              <a:rPr lang="en-GB" dirty="0" err="1"/>
+              <a:t>en</a:t>
+            </a:r>
+            <a:r>
+              <a:rPr lang="en-GB" dirty="0"/>
+              <a:t> </a:t>
+            </a:r>
+            <a:r>
+              <a:rPr lang="en-GB" dirty="0" err="1"/>
+              <a:t>spændende</a:t>
+            </a:r>
+            <a:r>
+              <a:rPr lang="en-GB" dirty="0"/>
+              <a:t> </a:t>
+            </a:r>
+            <a:r>
+              <a:rPr lang="en-GB" dirty="0" err="1"/>
+              <a:t>kontrast</a:t>
+            </a:r>
+            <a:r>
+              <a:rPr lang="en-GB" dirty="0"/>
+              <a:t>?</a:t>
+            </a:r>
+          </a:p>
+          <a:p>
+            <a:pPr marL="457200" indent="-457200">
+              <a:buFont typeface="+mj-lt"/>
+              <a:buAutoNum type="arabicPeriod"/>
+            </a:pPr>
+            <a:r>
+              <a:rPr lang="en-GB" dirty="0"/>
+              <a:t>"Download to try it out for yourself!"</a:t>
+            </a:r>
+          </a:p>
+          <a:p>
+            <a:pPr>
+              <a:buNone/>
+            </a:pPr>
+            <a:endParaRPr lang="da-DK" dirty="0"/>
+          </a:p>
+        </p:txBody>
+      </p:sp>
+    </p:spTree>
+    <p:custDataLst>
+      <p:tags r:id="rId1"/>
+    </p:custDataLst>
+    <p:extLst>
+      <p:ext uri="{BB962C8B-B14F-4D97-AF65-F5344CB8AC3E}">
+        <p14:creationId xmlns:p14="http://schemas.microsoft.com/office/powerpoint/2010/main" val="409741556"/>
+      </p:ext>
+    </p:extLst>
+  </p:cSld>
+  <p:clrMapOvr>
+    <a:masterClrMapping/>
+  </p:clrMapOvr>
+</p:sld>
+</file>
+
+<file path=ppt/slides/slide3.xml><?xml version="1.0" encoding="utf-8"?>
+<p:sld xmlns:a="http://schemas.openxmlformats.org/drawingml/2006/main" xmlns:r="http://schemas.openxmlformats.org/officeDocument/2006/relationships" xmlns:p="http://schemas.openxmlformats.org/presentationml/2006/main">
   <p:cSld>
     <p:spTree>
       <p:nvGrpSpPr>
@@ -9758,8 +9920,8 @@
 </p:sld>
 </file>
 
-<file path=ppt/slides/slide3.xml><?xml version="1.0" encoding="utf-8"?>
-<p:sld xmlns:p14="http://schemas.microsoft.com/office/powerpoint/2010/main" xmlns:a="http://schemas.openxmlformats.org/drawingml/2006/main" xmlns:r="http://schemas.openxmlformats.org/officeDocument/2006/relationships" xmlns:p="http://schemas.openxmlformats.org/presentationml/2006/main">
+<file path=ppt/slides/slide4.xml><?xml version="1.0" encoding="utf-8"?>
+<p:sld xmlns:a="http://schemas.openxmlformats.org/drawingml/2006/main" xmlns:r="http://schemas.openxmlformats.org/officeDocument/2006/relationships" xmlns:p="http://schemas.openxmlformats.org/presentationml/2006/main">
   <p:cSld>
     <p:spTree>
       <p:nvGrpSpPr>
@@ -9829,8 +9991,8 @@
 </p:sld>
 </file>
 
-<file path=ppt/slides/slide4.xml><?xml version="1.0" encoding="utf-8"?>
-<p:sld xmlns:p14="http://schemas.microsoft.com/office/powerpoint/2010/main" xmlns:a="http://schemas.openxmlformats.org/drawingml/2006/main" xmlns:r="http://schemas.openxmlformats.org/officeDocument/2006/relationships" xmlns:p="http://schemas.openxmlformats.org/presentationml/2006/main">
+<file path=ppt/slides/slide5.xml><?xml version="1.0" encoding="utf-8"?>
+<p:sld xmlns:a="http://schemas.openxmlformats.org/drawingml/2006/main" xmlns:r="http://schemas.openxmlformats.org/officeDocument/2006/relationships" xmlns:p="http://schemas.openxmlformats.org/presentationml/2006/main">
   <p:cSld>
     <p:spTree>
       <p:nvGrpSpPr>
@@ -9863,13 +10025,12 @@
           <a:p>
             <a:fld id="{EBD85B7D-E9A5-49E0-8ACF-AF93CE3E556F}" type="datetime1">
               <a:rPr lang="da-DK" smtClean="0"/>
-              <a:t>23/06/2017</a:t>
+              <a:t>26.04.2021</a:t>
             </a:fld>
             <a:r>
               <a:rPr lang="da-DK" dirty="0"/>
               <a:t>26-04-2021</a:t>
             </a:r>
-            <a:endParaRPr lang="da-DK" dirty="0"/>
           </a:p>
         </p:txBody>
       </p:sp>
@@ -9918,8 +10079,8 @@
 </p:sld>
 </file>
 
-<file path=ppt/slides/slide5.xml><?xml version="1.0" encoding="utf-8"?>
-<p:sld xmlns:p14="http://schemas.microsoft.com/office/powerpoint/2010/main" xmlns:a="http://schemas.openxmlformats.org/drawingml/2006/main" xmlns:r="http://schemas.openxmlformats.org/officeDocument/2006/relationships" xmlns:p="http://schemas.openxmlformats.org/presentationml/2006/main">
+<file path=ppt/slides/slide6.xml><?xml version="1.0" encoding="utf-8"?>
+<p:sld xmlns:a="http://schemas.openxmlformats.org/drawingml/2006/main" xmlns:r="http://schemas.openxmlformats.org/officeDocument/2006/relationships" xmlns:p="http://schemas.openxmlformats.org/presentationml/2006/main">
   <p:cSld>
     <p:spTree>
       <p:nvGrpSpPr>
@@ -9959,26 +10120,32 @@
 
 <file path=ppt/tags/tag2.xml><?xml version="1.0" encoding="utf-8"?>
 <p:tagLst xmlns:a="http://schemas.openxmlformats.org/drawingml/2006/main" xmlns:r="http://schemas.openxmlformats.org/officeDocument/2006/relationships" xmlns:p="http://schemas.openxmlformats.org/presentationml/2006/main">
-  <p:tag name="TEMPLAFYSLIDEID" val="636235437374902238"/>
+  <p:tag name="TEMPLAFYSLIDEID" val="636235437375089291"/>
 </p:tagLst>
 </file>
 
 <file path=ppt/tags/tag3.xml><?xml version="1.0" encoding="utf-8"?>
 <p:tagLst xmlns:a="http://schemas.openxmlformats.org/drawingml/2006/main" xmlns:r="http://schemas.openxmlformats.org/officeDocument/2006/relationships" xmlns:p="http://schemas.openxmlformats.org/presentationml/2006/main">
+  <p:tag name="TEMPLAFYSLIDEID" val="636235437374902238"/>
+</p:tagLst>
+</file>
+
+<file path=ppt/tags/tag4.xml><?xml version="1.0" encoding="utf-8"?>
+<p:tagLst xmlns:a="http://schemas.openxmlformats.org/drawingml/2006/main" xmlns:r="http://schemas.openxmlformats.org/officeDocument/2006/relationships" xmlns:p="http://schemas.openxmlformats.org/presentationml/2006/main">
   <p:tag name="TEMPLAFYSLIDEID" val="636235437375089291"/>
 </p:tagLst>
 </file>
 
-<file path=ppt/tags/tag4.xml><?xml version="1.0" encoding="utf-8"?>
+<file path=ppt/tags/tag5.xml><?xml version="1.0" encoding="utf-8"?>
 <p:tagLst xmlns:a="http://schemas.openxmlformats.org/drawingml/2006/main" xmlns:r="http://schemas.openxmlformats.org/officeDocument/2006/relationships" xmlns:p="http://schemas.openxmlformats.org/presentationml/2006/main">
   <p:tag name="TEMPLAFYSLIDEID" val="636235437375566864"/>
 </p:tagLst>
 </file>
 
 <file path=ppt/theme/theme1.xml><?xml version="1.0" encoding="utf-8"?>
-<a:theme xmlns:thm15="http://schemas.microsoft.com/office/thememl/2012/main" xmlns:a="http://schemas.openxmlformats.org/drawingml/2006/main" name="AU 16:9">
+<a:theme xmlns:a="http://schemas.openxmlformats.org/drawingml/2006/main" name="AU 16:9">
   <a:themeElements>
-    <a:clrScheme xmlns:a="http://schemas.openxmlformats.org/drawingml/2006/main" name="AU_Blue">
+    <a:clrScheme name="AU_Blue">
       <a:dk1>
         <a:srgbClr val="000000"/>
       </a:dk1>

--- a/StThomas-PowerPoint-AU.pptx
+++ b/StThomas-PowerPoint-AU.pptx
@@ -12,8 +12,8 @@
   </p:handoutMasterIdLst>
   <p:sldIdLst>
     <p:sldId id="261" r:id="rId2"/>
-    <p:sldId id="265" r:id="rId3"/>
-    <p:sldId id="262" r:id="rId4"/>
+    <p:sldId id="262" r:id="rId3"/>
+    <p:sldId id="265" r:id="rId4"/>
     <p:sldId id="258" r:id="rId5"/>
     <p:sldId id="264" r:id="rId6"/>
     <p:sldId id="260" r:id="rId7"/>
@@ -22,17 +22,17 @@
   <p:notesSz cx="6797675" cy="9926638"/>
   <p:embeddedFontLst>
     <p:embeddedFont>
-      <p:font typeface="AU Passata" panose="020B0503030502030804" pitchFamily="34" charset="77"/>
+      <p:font typeface="AU Passata" panose="020B0604020202020204" charset="0"/>
       <p:regular r:id="rId10"/>
       <p:bold r:id="rId11"/>
     </p:embeddedFont>
     <p:embeddedFont>
-      <p:font typeface="AU Passata Light" panose="020B0303030902030804" pitchFamily="34" charset="77"/>
+      <p:font typeface="AU Passata Light" panose="020B0604020202020204" charset="0"/>
       <p:regular r:id="rId12"/>
       <p:bold r:id="rId13"/>
     </p:embeddedFont>
     <p:embeddedFont>
-      <p:font typeface="AU Peto" pitchFamily="82" charset="77"/>
+      <p:font typeface="AU Peto" panose="020B0604020202020204" charset="0"/>
       <p:regular r:id="rId14"/>
       <p:bold r:id="rId15"/>
     </p:embeddedFont>
@@ -51,7 +51,7 @@
       <p:boldItalic r:id="rId23"/>
     </p:embeddedFont>
     <p:embeddedFont>
-      <p:font typeface="Wingdings 3" pitchFamily="2" charset="2"/>
+      <p:font typeface="Wingdings 3" panose="05040102010807070707" pitchFamily="18" charset="2"/>
       <p:regular r:id="rId24"/>
     </p:embeddedFont>
   </p:embeddedFontLst>
@@ -1009,7 +1009,7 @@
               <a:pPr>
                 <a:defRPr/>
               </a:pPr>
-              <a:t>2</a:t>
+              <a:t>3</a:t>
             </a:fld>
             <a:endParaRPr lang="en-GB" dirty="0"/>
           </a:p>
@@ -1817,7 +1817,7 @@
             <a:fld id="{78417F83-4CBA-48F2-BAD0-783AE3701E32}" type="datetimeFigureOut">
               <a:rPr lang="da-DK" smtClean="0"/>
               <a:pPr/>
-              <a:t>26.04.2021</a:t>
+              <a:t>26-04-2021</a:t>
             </a:fld>
             <a:r>
               <a:rPr lang="da-DK" dirty="0"/>
@@ -2027,7 +2027,7 @@
             <a:fld id="{78417F83-4CBA-48F2-BAD0-783AE3701E32}" type="datetimeFigureOut">
               <a:rPr lang="da-DK" smtClean="0"/>
               <a:pPr/>
-              <a:t>26.04.2021</a:t>
+              <a:t>26-04-2021</a:t>
             </a:fld>
             <a:r>
               <a:rPr lang="da-DK" dirty="0"/>
@@ -2268,7 +2268,7 @@
             <a:fld id="{78417F83-4CBA-48F2-BAD0-783AE3701E32}" type="datetimeFigureOut">
               <a:rPr lang="da-DK" smtClean="0"/>
               <a:pPr/>
-              <a:t>26.04.2021</a:t>
+              <a:t>26-04-2021</a:t>
             </a:fld>
             <a:r>
               <a:rPr lang="da-DK" dirty="0"/>
@@ -2438,7 +2438,7 @@
             <a:fld id="{78417F83-4CBA-48F2-BAD0-783AE3701E32}" type="datetimeFigureOut">
               <a:rPr lang="da-DK" smtClean="0"/>
               <a:pPr/>
-              <a:t>26.04.2021</a:t>
+              <a:t>26-04-2021</a:t>
             </a:fld>
             <a:r>
               <a:rPr lang="da-DK" dirty="0"/>
@@ -2612,7 +2612,7 @@
             <a:fld id="{78417F83-4CBA-48F2-BAD0-783AE3701E32}" type="datetimeFigureOut">
               <a:rPr lang="da-DK" smtClean="0"/>
               <a:pPr/>
-              <a:t>26.04.2021</a:t>
+              <a:t>26-04-2021</a:t>
             </a:fld>
             <a:r>
               <a:rPr lang="da-DK" dirty="0"/>
@@ -2949,7 +2949,7 @@
             <a:fld id="{78417F83-4CBA-48F2-BAD0-783AE3701E32}" type="datetimeFigureOut">
               <a:rPr lang="da-DK" smtClean="0"/>
               <a:pPr/>
-              <a:t>26.04.2021</a:t>
+              <a:t>26-04-2021</a:t>
             </a:fld>
             <a:r>
               <a:rPr lang="da-DK" dirty="0"/>
@@ -3120,7 +3120,7 @@
             <a:fld id="{78417F83-4CBA-48F2-BAD0-783AE3701E32}" type="datetimeFigureOut">
               <a:rPr lang="da-DK" smtClean="0"/>
               <a:pPr/>
-              <a:t>26.04.2021</a:t>
+              <a:t>26-04-2021</a:t>
             </a:fld>
             <a:r>
               <a:rPr lang="da-DK" dirty="0"/>
@@ -3316,7 +3316,7 @@
             <a:fld id="{78417F83-4CBA-48F2-BAD0-783AE3701E32}" type="datetimeFigureOut">
               <a:rPr lang="da-DK" smtClean="0"/>
               <a:pPr/>
-              <a:t>26.04.2021</a:t>
+              <a:t>26-04-2021</a:t>
             </a:fld>
             <a:r>
               <a:rPr lang="da-DK" dirty="0"/>
@@ -3485,7 +3485,7 @@
             <a:fld id="{78417F83-4CBA-48F2-BAD0-783AE3701E32}" type="datetimeFigureOut">
               <a:rPr lang="da-DK" smtClean="0"/>
               <a:pPr/>
-              <a:t>26.04.2021</a:t>
+              <a:t>26-04-2021</a:t>
             </a:fld>
             <a:r>
               <a:rPr lang="da-DK" dirty="0"/>
@@ -3639,7 +3639,7 @@
             <a:fld id="{78417F83-4CBA-48F2-BAD0-783AE3701E32}" type="datetimeFigureOut">
               <a:rPr lang="da-DK" smtClean="0"/>
               <a:pPr/>
-              <a:t>26.04.2021</a:t>
+              <a:t>26-04-2021</a:t>
             </a:fld>
             <a:r>
               <a:rPr lang="da-DK" dirty="0"/>
@@ -4528,7 +4528,7 @@
             <a:fld id="{78417F83-4CBA-48F2-BAD0-783AE3701E32}" type="datetimeFigureOut">
               <a:rPr lang="da-DK" smtClean="0"/>
               <a:pPr/>
-              <a:t>26.04.2021</a:t>
+              <a:t>26-04-2021</a:t>
             </a:fld>
             <a:r>
               <a:rPr lang="da-DK" dirty="0"/>
@@ -5345,7 +5345,7 @@
             <a:fld id="{78417F83-4CBA-48F2-BAD0-783AE3701E32}" type="datetimeFigureOut">
               <a:rPr lang="da-DK" smtClean="0"/>
               <a:pPr/>
-              <a:t>26.04.2021</a:t>
+              <a:t>26-04-2021</a:t>
             </a:fld>
             <a:r>
               <a:rPr lang="da-DK" dirty="0"/>
@@ -5575,7 +5575,7 @@
             <a:fld id="{78417F83-4CBA-48F2-BAD0-783AE3701E32}" type="datetimeFigureOut">
               <a:rPr lang="da-DK" smtClean="0"/>
               <a:pPr/>
-              <a:t>26.04.2021</a:t>
+              <a:t>26-04-2021</a:t>
             </a:fld>
             <a:r>
               <a:rPr lang="da-DK" dirty="0"/>
@@ -6282,7 +6282,7 @@
             <a:fld id="{78417F83-4CBA-48F2-BAD0-783AE3701E32}" type="datetimeFigureOut">
               <a:rPr lang="da-DK" smtClean="0"/>
               <a:pPr/>
-              <a:t>26.04.2021</a:t>
+              <a:t>26-04-2021</a:t>
             </a:fld>
             <a:r>
               <a:rPr lang="da-DK" dirty="0"/>
@@ -6573,7 +6573,7 @@
             <a:fld id="{78417F83-4CBA-48F2-BAD0-783AE3701E32}" type="datetimeFigureOut">
               <a:rPr lang="da-DK" smtClean="0"/>
               <a:pPr/>
-              <a:t>26.04.2021</a:t>
+              <a:t>26-04-2021</a:t>
             </a:fld>
             <a:r>
               <a:rPr lang="da-DK" dirty="0"/>
@@ -6947,7 +6947,7 @@
             <a:fld id="{78417F83-4CBA-48F2-BAD0-783AE3701E32}" type="datetimeFigureOut">
               <a:rPr lang="da-DK" smtClean="0"/>
               <a:pPr/>
-              <a:t>26.04.2021</a:t>
+              <a:t>26-04-2021</a:t>
             </a:fld>
             <a:r>
               <a:rPr lang="da-DK" dirty="0"/>
@@ -7374,7 +7374,7 @@
             <a:fld id="{78417F83-4CBA-48F2-BAD0-783AE3701E32}" type="datetimeFigureOut">
               <a:rPr lang="da-DK" smtClean="0"/>
               <a:pPr/>
-              <a:t>26.04.2021</a:t>
+              <a:t>26-04-2021</a:t>
             </a:fld>
             <a:r>
               <a:rPr lang="da-DK" dirty="0"/>
@@ -7814,7 +7814,7 @@
             <a:fld id="{78417F83-4CBA-48F2-BAD0-783AE3701E32}" type="datetimeFigureOut">
               <a:rPr lang="da-DK" smtClean="0"/>
               <a:pPr/>
-              <a:t>26.04.2021</a:t>
+              <a:t>26-04-2021</a:t>
             </a:fld>
             <a:r>
               <a:rPr lang="da-DK" dirty="0"/>
@@ -7982,7 +7982,7 @@
             <a:fld id="{78417F83-4CBA-48F2-BAD0-783AE3701E32}" type="datetimeFigureOut">
               <a:rPr lang="da-DK" smtClean="0"/>
               <a:pPr/>
-              <a:t>26.04.2021</a:t>
+              <a:t>26-04-2021</a:t>
             </a:fld>
             <a:r>
               <a:rPr lang="da-DK" dirty="0"/>
@@ -8163,7 +8163,7 @@
             <a:fld id="{78417F83-4CBA-48F2-BAD0-783AE3701E32}" type="datetimeFigureOut">
               <a:rPr lang="da-DK" smtClean="0"/>
               <a:pPr/>
-              <a:t>26.04.2021</a:t>
+              <a:t>26-04-2021</a:t>
             </a:fld>
             <a:r>
               <a:rPr lang="da-DK" dirty="0"/>
@@ -8936,7 +8936,7 @@
             <a:fld id="{78417F83-4CBA-48F2-BAD0-783AE3701E32}" type="datetimeFigureOut">
               <a:rPr lang="da-DK" smtClean="0"/>
               <a:pPr/>
-              <a:t>26.04.2021</a:t>
+              <a:t>26-04-2021</a:t>
             </a:fld>
             <a:r>
               <a:rPr lang="da-DK"/>
@@ -9590,7 +9590,7 @@
       </p:grpSpPr>
       <p:sp>
         <p:nvSpPr>
-          <p:cNvPr id="4" name="Title 3"/>
+          <p:cNvPr id="3" name="Title 2"/>
           <p:cNvSpPr>
             <a:spLocks noGrp="1"/>
           </p:cNvSpPr>
@@ -9603,10 +9603,7 @@
           <a:bodyPr/>
           <a:lstStyle/>
           <a:p>
-            <a:r>
-              <a:rPr lang="da-DK" dirty="0"/>
-              <a:t>Overordnet indhold (note-slide)</a:t>
-            </a:r>
+            <a:endParaRPr lang="da-DK" dirty="0"/>
           </a:p>
         </p:txBody>
       </p:sp>
@@ -9625,210 +9622,6 @@
           <a:bodyPr/>
           <a:lstStyle/>
           <a:p>
-            <a:r>
-              <a:rPr lang="en-GB" dirty="0" err="1"/>
-              <a:t>Overordnet</a:t>
-            </a:r>
-            <a:r>
-              <a:rPr lang="en-GB" dirty="0"/>
-              <a:t> </a:t>
-            </a:r>
-            <a:r>
-              <a:rPr lang="en-GB" dirty="0" err="1"/>
-              <a:t>indhold</a:t>
-            </a:r>
-            <a:r>
-              <a:rPr lang="en-GB"/>
-              <a:t>:</a:t>
-            </a:r>
-            <a:br>
-              <a:rPr lang="en-GB"/>
-            </a:br>
-            <a:endParaRPr lang="en-GB" dirty="0"/>
-          </a:p>
-          <a:p>
-            <a:pPr marL="457200" indent="-457200">
-              <a:buFont typeface="+mj-lt"/>
-              <a:buAutoNum type="arabicPeriod"/>
-            </a:pPr>
-            <a:r>
-              <a:rPr lang="en-GB" dirty="0" err="1"/>
-              <a:t>Agentadfærd</a:t>
-            </a:r>
-            <a:endParaRPr lang="en-GB" dirty="0"/>
-          </a:p>
-          <a:p>
-            <a:pPr marL="457200" indent="-457200">
-              <a:buFont typeface="+mj-lt"/>
-              <a:buAutoNum type="arabicPeriod"/>
-            </a:pPr>
-            <a:r>
-              <a:rPr lang="en-GB" dirty="0" err="1"/>
-              <a:t>Undervisningskontekst</a:t>
-            </a:r>
-            <a:endParaRPr lang="en-GB" dirty="0"/>
-          </a:p>
-          <a:p>
-            <a:pPr marL="457200" indent="-457200">
-              <a:buFont typeface="+mj-lt"/>
-              <a:buAutoNum type="arabicPeriod"/>
-            </a:pPr>
-            <a:r>
-              <a:rPr lang="en-GB" dirty="0"/>
-              <a:t>Widgets &amp; interface</a:t>
-            </a:r>
-          </a:p>
-          <a:p>
-            <a:pPr marL="457200" indent="-457200">
-              <a:buFont typeface="+mj-lt"/>
-              <a:buAutoNum type="arabicPeriod"/>
-            </a:pPr>
-            <a:r>
-              <a:rPr lang="en-GB" dirty="0"/>
-              <a:t>Det store </a:t>
-            </a:r>
-            <a:r>
-              <a:rPr lang="en-GB" dirty="0" err="1"/>
-              <a:t>spørgsmål</a:t>
-            </a:r>
-            <a:r>
-              <a:rPr lang="en-GB" dirty="0"/>
-              <a:t>, </a:t>
-            </a:r>
-            <a:r>
-              <a:rPr lang="en-GB" dirty="0" err="1"/>
-              <a:t>modellen</a:t>
-            </a:r>
-            <a:r>
-              <a:rPr lang="en-GB" dirty="0"/>
-              <a:t> </a:t>
-            </a:r>
-            <a:r>
-              <a:rPr lang="en-GB" dirty="0" err="1"/>
-              <a:t>besvarer</a:t>
-            </a:r>
-            <a:endParaRPr lang="en-GB" dirty="0"/>
-          </a:p>
-          <a:p>
-            <a:pPr marL="457200" indent="-457200">
-              <a:buFont typeface="+mj-lt"/>
-              <a:buAutoNum type="arabicPeriod"/>
-            </a:pPr>
-            <a:r>
-              <a:rPr lang="en-GB" dirty="0"/>
-              <a:t>Mere </a:t>
-            </a:r>
-            <a:r>
-              <a:rPr lang="en-GB" dirty="0" err="1"/>
-              <a:t>specifikke</a:t>
-            </a:r>
-            <a:r>
-              <a:rPr lang="en-GB" dirty="0"/>
-              <a:t> </a:t>
-            </a:r>
-            <a:r>
-              <a:rPr lang="en-GB" dirty="0" err="1"/>
-              <a:t>eksempler</a:t>
-            </a:r>
-            <a:r>
-              <a:rPr lang="en-GB" dirty="0"/>
-              <a:t> </a:t>
-            </a:r>
-            <a:r>
-              <a:rPr lang="en-GB" dirty="0" err="1"/>
-              <a:t>og</a:t>
-            </a:r>
-            <a:r>
-              <a:rPr lang="en-GB" dirty="0"/>
-              <a:t> </a:t>
-            </a:r>
-            <a:r>
-              <a:rPr lang="en-GB" dirty="0" err="1"/>
-              <a:t>sammenligning</a:t>
-            </a:r>
-            <a:r>
-              <a:rPr lang="en-GB" dirty="0"/>
-              <a:t>. </a:t>
-            </a:r>
-            <a:r>
-              <a:rPr lang="en-GB" dirty="0" err="1"/>
-              <a:t>F.eks</a:t>
-            </a:r>
-            <a:r>
-              <a:rPr lang="en-GB" dirty="0"/>
-              <a:t>. </a:t>
-            </a:r>
-            <a:r>
-              <a:rPr lang="en-GB" dirty="0" err="1"/>
-              <a:t>økonomi</a:t>
-            </a:r>
-            <a:r>
-              <a:rPr lang="en-GB" dirty="0"/>
-              <a:t> &gt;&lt; </a:t>
-            </a:r>
-            <a:r>
-              <a:rPr lang="en-GB" dirty="0" err="1"/>
-              <a:t>sundhed</a:t>
-            </a:r>
-            <a:r>
-              <a:rPr lang="en-GB" dirty="0"/>
-              <a:t>. </a:t>
-            </a:r>
-            <a:r>
-              <a:rPr lang="en-GB" dirty="0" err="1"/>
-              <a:t>Forklar</a:t>
-            </a:r>
-            <a:r>
-              <a:rPr lang="en-GB" dirty="0"/>
-              <a:t>: </a:t>
-            </a:r>
-            <a:r>
-              <a:rPr lang="en-GB" dirty="0" err="1"/>
-              <a:t>hvorfor</a:t>
-            </a:r>
-            <a:r>
-              <a:rPr lang="en-GB" dirty="0"/>
-              <a:t> er det </a:t>
-            </a:r>
-            <a:r>
-              <a:rPr lang="en-GB" dirty="0" err="1"/>
-              <a:t>en</a:t>
-            </a:r>
-            <a:r>
-              <a:rPr lang="en-GB" dirty="0"/>
-              <a:t> </a:t>
-            </a:r>
-            <a:r>
-              <a:rPr lang="en-GB" dirty="0" err="1"/>
-              <a:t>spændende</a:t>
-            </a:r>
-            <a:r>
-              <a:rPr lang="en-GB" dirty="0"/>
-              <a:t> </a:t>
-            </a:r>
-            <a:r>
-              <a:rPr lang="en-GB" dirty="0" err="1"/>
-              <a:t>kontrast</a:t>
-            </a:r>
-            <a:r>
-              <a:rPr lang="en-GB" dirty="0"/>
-              <a:t>?</a:t>
-            </a:r>
-          </a:p>
-          <a:p>
-            <a:pPr marL="457200" indent="-457200">
-              <a:buFont typeface="+mj-lt"/>
-              <a:buAutoNum type="arabicPeriod"/>
-            </a:pPr>
-            <a:r>
-              <a:rPr lang="en-GB" dirty="0"/>
-              <a:t>"Download to try it out for yourself!"</a:t>
-            </a:r>
-          </a:p>
-          <a:p>
-            <a:pPr>
-              <a:buNone/>
-            </a:pPr>
             <a:endParaRPr lang="da-DK" dirty="0"/>
           </a:p>
         </p:txBody>
@@ -9839,7 +9632,7 @@
     </p:custDataLst>
     <p:extLst>
       <p:ext uri="{BB962C8B-B14F-4D97-AF65-F5344CB8AC3E}">
-        <p14:creationId xmlns:p14="http://schemas.microsoft.com/office/powerpoint/2010/main" val="409741556"/>
+        <p14:creationId xmlns:p14="http://schemas.microsoft.com/office/powerpoint/2010/main" val="2813365767"/>
       </p:ext>
     </p:extLst>
   </p:cSld>
@@ -9868,7 +9661,7 @@
       </p:grpSpPr>
       <p:sp>
         <p:nvSpPr>
-          <p:cNvPr id="3" name="Title 2"/>
+          <p:cNvPr id="4" name="Title 3"/>
           <p:cNvSpPr>
             <a:spLocks noGrp="1"/>
           </p:cNvSpPr>
@@ -9881,7 +9674,10 @@
           <a:bodyPr/>
           <a:lstStyle/>
           <a:p>
-            <a:endParaRPr lang="da-DK" dirty="0"/>
+            <a:r>
+              <a:rPr lang="da-DK" dirty="0"/>
+              <a:t>Overordnet indhold (note-slide)</a:t>
+            </a:r>
           </a:p>
         </p:txBody>
       </p:sp>
@@ -9900,6 +9696,210 @@
           <a:bodyPr/>
           <a:lstStyle/>
           <a:p>
+            <a:r>
+              <a:rPr lang="en-GB" dirty="0" err="1"/>
+              <a:t>Overordnet</a:t>
+            </a:r>
+            <a:r>
+              <a:rPr lang="en-GB" dirty="0"/>
+              <a:t> </a:t>
+            </a:r>
+            <a:r>
+              <a:rPr lang="en-GB" dirty="0" err="1"/>
+              <a:t>indhold</a:t>
+            </a:r>
+            <a:r>
+              <a:rPr lang="en-GB"/>
+              <a:t>:</a:t>
+            </a:r>
+            <a:br>
+              <a:rPr lang="en-GB"/>
+            </a:br>
+            <a:endParaRPr lang="en-GB" dirty="0"/>
+          </a:p>
+          <a:p>
+            <a:pPr marL="457200" indent="-457200">
+              <a:buFont typeface="+mj-lt"/>
+              <a:buAutoNum type="arabicPeriod"/>
+            </a:pPr>
+            <a:r>
+              <a:rPr lang="en-GB" dirty="0" err="1"/>
+              <a:t>Agentadfærd</a:t>
+            </a:r>
+            <a:endParaRPr lang="en-GB" dirty="0"/>
+          </a:p>
+          <a:p>
+            <a:pPr marL="457200" indent="-457200">
+              <a:buFont typeface="+mj-lt"/>
+              <a:buAutoNum type="arabicPeriod"/>
+            </a:pPr>
+            <a:r>
+              <a:rPr lang="en-GB" dirty="0" err="1"/>
+              <a:t>Undervisningskontekst</a:t>
+            </a:r>
+            <a:endParaRPr lang="en-GB" dirty="0"/>
+          </a:p>
+          <a:p>
+            <a:pPr marL="457200" indent="-457200">
+              <a:buFont typeface="+mj-lt"/>
+              <a:buAutoNum type="arabicPeriod"/>
+            </a:pPr>
+            <a:r>
+              <a:rPr lang="en-GB" dirty="0"/>
+              <a:t>Widgets &amp; interface</a:t>
+            </a:r>
+          </a:p>
+          <a:p>
+            <a:pPr marL="457200" indent="-457200">
+              <a:buFont typeface="+mj-lt"/>
+              <a:buAutoNum type="arabicPeriod"/>
+            </a:pPr>
+            <a:r>
+              <a:rPr lang="en-GB" dirty="0"/>
+              <a:t>Det store </a:t>
+            </a:r>
+            <a:r>
+              <a:rPr lang="en-GB" dirty="0" err="1"/>
+              <a:t>spørgsmål</a:t>
+            </a:r>
+            <a:r>
+              <a:rPr lang="en-GB" dirty="0"/>
+              <a:t>, </a:t>
+            </a:r>
+            <a:r>
+              <a:rPr lang="en-GB" dirty="0" err="1"/>
+              <a:t>modellen</a:t>
+            </a:r>
+            <a:r>
+              <a:rPr lang="en-GB" dirty="0"/>
+              <a:t> </a:t>
+            </a:r>
+            <a:r>
+              <a:rPr lang="en-GB" dirty="0" err="1"/>
+              <a:t>besvarer</a:t>
+            </a:r>
+            <a:endParaRPr lang="en-GB" dirty="0"/>
+          </a:p>
+          <a:p>
+            <a:pPr marL="457200" indent="-457200">
+              <a:buFont typeface="+mj-lt"/>
+              <a:buAutoNum type="arabicPeriod"/>
+            </a:pPr>
+            <a:r>
+              <a:rPr lang="en-GB" dirty="0"/>
+              <a:t>Mere </a:t>
+            </a:r>
+            <a:r>
+              <a:rPr lang="en-GB" dirty="0" err="1"/>
+              <a:t>specifikke</a:t>
+            </a:r>
+            <a:r>
+              <a:rPr lang="en-GB" dirty="0"/>
+              <a:t> </a:t>
+            </a:r>
+            <a:r>
+              <a:rPr lang="en-GB" dirty="0" err="1"/>
+              <a:t>eksempler</a:t>
+            </a:r>
+            <a:r>
+              <a:rPr lang="en-GB" dirty="0"/>
+              <a:t> </a:t>
+            </a:r>
+            <a:r>
+              <a:rPr lang="en-GB" dirty="0" err="1"/>
+              <a:t>og</a:t>
+            </a:r>
+            <a:r>
+              <a:rPr lang="en-GB" dirty="0"/>
+              <a:t> </a:t>
+            </a:r>
+            <a:r>
+              <a:rPr lang="en-GB" dirty="0" err="1"/>
+              <a:t>sammenligning</a:t>
+            </a:r>
+            <a:r>
+              <a:rPr lang="en-GB" dirty="0"/>
+              <a:t>. </a:t>
+            </a:r>
+            <a:r>
+              <a:rPr lang="en-GB" dirty="0" err="1"/>
+              <a:t>F.eks</a:t>
+            </a:r>
+            <a:r>
+              <a:rPr lang="en-GB" dirty="0"/>
+              <a:t>. </a:t>
+            </a:r>
+            <a:r>
+              <a:rPr lang="en-GB" dirty="0" err="1"/>
+              <a:t>økonomi</a:t>
+            </a:r>
+            <a:r>
+              <a:rPr lang="en-GB" dirty="0"/>
+              <a:t> &gt;&lt; </a:t>
+            </a:r>
+            <a:r>
+              <a:rPr lang="en-GB" dirty="0" err="1"/>
+              <a:t>sundhed</a:t>
+            </a:r>
+            <a:r>
+              <a:rPr lang="en-GB" dirty="0"/>
+              <a:t>. </a:t>
+            </a:r>
+            <a:r>
+              <a:rPr lang="en-GB" dirty="0" err="1"/>
+              <a:t>Forklar</a:t>
+            </a:r>
+            <a:r>
+              <a:rPr lang="en-GB" dirty="0"/>
+              <a:t>: </a:t>
+            </a:r>
+            <a:r>
+              <a:rPr lang="en-GB" dirty="0" err="1"/>
+              <a:t>hvorfor</a:t>
+            </a:r>
+            <a:r>
+              <a:rPr lang="en-GB" dirty="0"/>
+              <a:t> er det </a:t>
+            </a:r>
+            <a:r>
+              <a:rPr lang="en-GB" dirty="0" err="1"/>
+              <a:t>en</a:t>
+            </a:r>
+            <a:r>
+              <a:rPr lang="en-GB" dirty="0"/>
+              <a:t> </a:t>
+            </a:r>
+            <a:r>
+              <a:rPr lang="en-GB" dirty="0" err="1"/>
+              <a:t>spændende</a:t>
+            </a:r>
+            <a:r>
+              <a:rPr lang="en-GB" dirty="0"/>
+              <a:t> </a:t>
+            </a:r>
+            <a:r>
+              <a:rPr lang="en-GB" dirty="0" err="1"/>
+              <a:t>kontrast</a:t>
+            </a:r>
+            <a:r>
+              <a:rPr lang="en-GB" dirty="0"/>
+              <a:t>?</a:t>
+            </a:r>
+          </a:p>
+          <a:p>
+            <a:pPr marL="457200" indent="-457200">
+              <a:buFont typeface="+mj-lt"/>
+              <a:buAutoNum type="arabicPeriod"/>
+            </a:pPr>
+            <a:r>
+              <a:rPr lang="en-GB" dirty="0"/>
+              <a:t>"Download to try it out for yourself!"</a:t>
+            </a:r>
+          </a:p>
+          <a:p>
+            <a:pPr>
+              <a:buNone/>
+            </a:pPr>
             <a:endParaRPr lang="da-DK" dirty="0"/>
           </a:p>
         </p:txBody>
@@ -9910,7 +9910,7 @@
     </p:custDataLst>
     <p:extLst>
       <p:ext uri="{BB962C8B-B14F-4D97-AF65-F5344CB8AC3E}">
-        <p14:creationId xmlns:p14="http://schemas.microsoft.com/office/powerpoint/2010/main" val="2813365767"/>
+        <p14:creationId xmlns:p14="http://schemas.microsoft.com/office/powerpoint/2010/main" val="409741556"/>
       </p:ext>
     </p:extLst>
   </p:cSld>
@@ -10025,7 +10025,7 @@
           <a:p>
             <a:fld id="{EBD85B7D-E9A5-49E0-8ACF-AF93CE3E556F}" type="datetime1">
               <a:rPr lang="da-DK" smtClean="0"/>
-              <a:t>26.04.2021</a:t>
+              <a:t>26-04-2021</a:t>
             </a:fld>
             <a:r>
               <a:rPr lang="da-DK" dirty="0"/>
@@ -10120,13 +10120,13 @@
 
 <file path=ppt/tags/tag2.xml><?xml version="1.0" encoding="utf-8"?>
 <p:tagLst xmlns:a="http://schemas.openxmlformats.org/drawingml/2006/main" xmlns:r="http://schemas.openxmlformats.org/officeDocument/2006/relationships" xmlns:p="http://schemas.openxmlformats.org/presentationml/2006/main">
-  <p:tag name="TEMPLAFYSLIDEID" val="636235437375089291"/>
+  <p:tag name="TEMPLAFYSLIDEID" val="636235437374902238"/>
 </p:tagLst>
 </file>
 
 <file path=ppt/tags/tag3.xml><?xml version="1.0" encoding="utf-8"?>
 <p:tagLst xmlns:a="http://schemas.openxmlformats.org/drawingml/2006/main" xmlns:r="http://schemas.openxmlformats.org/officeDocument/2006/relationships" xmlns:p="http://schemas.openxmlformats.org/presentationml/2006/main">
-  <p:tag name="TEMPLAFYSLIDEID" val="636235437374902238"/>
+  <p:tag name="TEMPLAFYSLIDEID" val="636235437375089291"/>
 </p:tagLst>
 </file>
 

--- a/StThomas-PowerPoint-AU.pptx
+++ b/StThomas-PowerPoint-AU.pptx
@@ -5,54 +5,56 @@
     <p:sldMasterId id="2147483648" r:id="rId1"/>
   </p:sldMasterIdLst>
   <p:notesMasterIdLst>
-    <p:notesMasterId r:id="rId8"/>
+    <p:notesMasterId r:id="rId10"/>
   </p:notesMasterIdLst>
   <p:handoutMasterIdLst>
-    <p:handoutMasterId r:id="rId9"/>
+    <p:handoutMasterId r:id="rId11"/>
   </p:handoutMasterIdLst>
   <p:sldIdLst>
     <p:sldId id="261" r:id="rId2"/>
-    <p:sldId id="262" r:id="rId3"/>
-    <p:sldId id="265" r:id="rId4"/>
-    <p:sldId id="258" r:id="rId5"/>
-    <p:sldId id="264" r:id="rId6"/>
-    <p:sldId id="260" r:id="rId7"/>
+    <p:sldId id="266" r:id="rId3"/>
+    <p:sldId id="267" r:id="rId4"/>
+    <p:sldId id="268" r:id="rId5"/>
+    <p:sldId id="265" r:id="rId6"/>
+    <p:sldId id="258" r:id="rId7"/>
+    <p:sldId id="264" r:id="rId8"/>
+    <p:sldId id="260" r:id="rId9"/>
   </p:sldIdLst>
   <p:sldSz cx="12188825" cy="6858000"/>
   <p:notesSz cx="6797675" cy="9926638"/>
   <p:embeddedFontLst>
     <p:embeddedFont>
       <p:font typeface="AU Passata" panose="020B0604020202020204" charset="0"/>
-      <p:regular r:id="rId10"/>
-      <p:bold r:id="rId11"/>
-    </p:embeddedFont>
-    <p:embeddedFont>
-      <p:font typeface="AU Passata Light" panose="020B0604020202020204" charset="0"/>
       <p:regular r:id="rId12"/>
       <p:bold r:id="rId13"/>
     </p:embeddedFont>
     <p:embeddedFont>
-      <p:font typeface="AU Peto" panose="020B0604020202020204" charset="0"/>
+      <p:font typeface="AU Passata Light" panose="020B0604020202020204" charset="0"/>
       <p:regular r:id="rId14"/>
       <p:bold r:id="rId15"/>
     </p:embeddedFont>
     <p:embeddedFont>
-      <p:font typeface="Calibri" panose="020F0502020204030204" pitchFamily="34" charset="0"/>
+      <p:font typeface="AU Peto" panose="020B0604020202020204" charset="0"/>
       <p:regular r:id="rId16"/>
       <p:bold r:id="rId17"/>
-      <p:italic r:id="rId18"/>
-      <p:boldItalic r:id="rId19"/>
+    </p:embeddedFont>
+    <p:embeddedFont>
+      <p:font typeface="Calibri" panose="020F0502020204030204" pitchFamily="34" charset="0"/>
+      <p:regular r:id="rId18"/>
+      <p:bold r:id="rId19"/>
+      <p:italic r:id="rId20"/>
+      <p:boldItalic r:id="rId21"/>
     </p:embeddedFont>
     <p:embeddedFont>
       <p:font typeface="Georgia" panose="02040502050405020303" pitchFamily="18" charset="0"/>
-      <p:regular r:id="rId20"/>
-      <p:bold r:id="rId21"/>
-      <p:italic r:id="rId22"/>
-      <p:boldItalic r:id="rId23"/>
+      <p:regular r:id="rId22"/>
+      <p:bold r:id="rId23"/>
+      <p:italic r:id="rId24"/>
+      <p:boldItalic r:id="rId25"/>
     </p:embeddedFont>
     <p:embeddedFont>
       <p:font typeface="Wingdings 3" panose="05040102010807070707" pitchFamily="18" charset="2"/>
-      <p:regular r:id="rId24"/>
+      <p:regular r:id="rId26"/>
     </p:embeddedFont>
   </p:embeddedFontLst>
   <p:defaultTextStyle>
@@ -1009,7 +1011,7 @@
               <a:pPr>
                 <a:defRPr/>
               </a:pPr>
-              <a:t>3</a:t>
+              <a:t>5</a:t>
             </a:fld>
             <a:endParaRPr lang="en-GB" dirty="0"/>
           </a:p>
@@ -1099,7 +1101,7 @@
               <a:pPr>
                 <a:defRPr/>
               </a:pPr>
-              <a:t>4</a:t>
+              <a:t>6</a:t>
             </a:fld>
             <a:endParaRPr lang="en-GB" dirty="0"/>
           </a:p>
@@ -1189,7 +1191,7 @@
               <a:pPr>
                 <a:defRPr/>
               </a:pPr>
-              <a:t>6</a:t>
+              <a:t>8</a:t>
             </a:fld>
             <a:endParaRPr lang="en-GB" dirty="0"/>
           </a:p>
@@ -9543,14 +9545,31 @@
         </p:nvSpPr>
         <p:spPr>
           <a:xfrm>
-            <a:off x="985838" y="2897841"/>
-            <a:ext cx="10220325" cy="830997"/>
+            <a:off x="985838" y="2482343"/>
+            <a:ext cx="10220325" cy="1661993"/>
           </a:xfrm>
         </p:spPr>
         <p:txBody>
           <a:bodyPr/>
           <a:lstStyle/>
           <a:p>
+            <a:pPr algn="ctr"/>
+            <a:r>
+              <a:rPr lang="da-DK" dirty="0"/>
+              <a:t>Language </a:t>
+            </a:r>
+            <a:r>
+              <a:rPr lang="da-DK" dirty="0" err="1"/>
+              <a:t>development</a:t>
+            </a:r>
+            <a:r>
+              <a:rPr lang="da-DK" dirty="0"/>
+              <a:t> on </a:t>
+            </a:r>
+            <a:r>
+              <a:rPr lang="da-DK" dirty="0" err="1"/>
+              <a:t>SktThomas</a:t>
+            </a:r>
             <a:endParaRPr lang="da-DK" dirty="0"/>
           </a:p>
         </p:txBody>
@@ -9590,7 +9609,13 @@
       </p:grpSpPr>
       <p:sp>
         <p:nvSpPr>
-          <p:cNvPr id="3" name="Title 2"/>
+          <p:cNvPr id="2" name="Title 1">
+            <a:extLst>
+              <a:ext uri="{FF2B5EF4-FFF2-40B4-BE49-F238E27FC236}">
+                <a16:creationId xmlns:a16="http://schemas.microsoft.com/office/drawing/2014/main" id="{B0B05D0D-054D-437D-A29A-B9A30FA10FDB}"/>
+              </a:ext>
+            </a:extLst>
+          </p:cNvPr>
           <p:cNvSpPr>
             <a:spLocks noGrp="1"/>
           </p:cNvSpPr>
@@ -9603,18 +9628,160 @@
           <a:bodyPr/>
           <a:lstStyle/>
           <a:p>
+            <a:pPr algn="ctr"/>
+            <a:r>
+              <a:rPr lang="en-GB" dirty="0"/>
+              <a:t>Outcome of the class</a:t>
+            </a:r>
+            <a:endParaRPr lang="en-DK" dirty="0"/>
+          </a:p>
+        </p:txBody>
+      </p:sp>
+      <p:sp>
+        <p:nvSpPr>
+          <p:cNvPr id="3" name="Content Placeholder 2">
+            <a:extLst>
+              <a:ext uri="{FF2B5EF4-FFF2-40B4-BE49-F238E27FC236}">
+                <a16:creationId xmlns:a16="http://schemas.microsoft.com/office/drawing/2014/main" id="{F01897E7-99BE-42EE-ABAA-95D55AD9B027}"/>
+              </a:ext>
+            </a:extLst>
+          </p:cNvPr>
+          <p:cNvSpPr>
+            <a:spLocks noGrp="1"/>
+          </p:cNvSpPr>
+          <p:nvPr>
+            <p:ph idx="1"/>
+          </p:nvPr>
+        </p:nvSpPr>
+        <p:spPr/>
+        <p:txBody>
+          <a:bodyPr/>
+          <a:lstStyle/>
+          <a:p>
+            <a:endParaRPr lang="en-GB" dirty="0"/>
+          </a:p>
+          <a:p>
+            <a:pPr>
+              <a:buNone/>
+            </a:pPr>
+            <a:endParaRPr lang="en-GB" dirty="0"/>
+          </a:p>
+          <a:p>
+            <a:r>
+              <a:rPr lang="en-GB" dirty="0"/>
+              <a:t>- Get acquainted with the use of computational models in research</a:t>
+            </a:r>
+          </a:p>
+          <a:p>
+            <a:endParaRPr lang="en-GB" dirty="0"/>
+          </a:p>
+          <a:p>
+            <a:endParaRPr lang="en-GB" dirty="0"/>
+          </a:p>
+          <a:p>
+            <a:r>
+              <a:rPr lang="en-GB" dirty="0"/>
+              <a:t>- </a:t>
+            </a:r>
+            <a:r>
+              <a:rPr lang="da-DK" dirty="0"/>
+              <a:t>Agent </a:t>
+            </a:r>
+            <a:r>
+              <a:rPr lang="da-DK" dirty="0" err="1"/>
+              <a:t>Based</a:t>
+            </a:r>
+            <a:r>
+              <a:rPr lang="da-DK" dirty="0"/>
+              <a:t> Models as a </a:t>
+            </a:r>
+            <a:r>
+              <a:rPr lang="da-DK" dirty="0" err="1"/>
+              <a:t>tool</a:t>
+            </a:r>
+            <a:r>
+              <a:rPr lang="da-DK" dirty="0"/>
+              <a:t> to understand the </a:t>
+            </a:r>
+            <a:r>
+              <a:rPr lang="da-DK" dirty="0" err="1"/>
+              <a:t>dynamics</a:t>
+            </a:r>
+            <a:r>
+              <a:rPr lang="da-DK" dirty="0"/>
+              <a:t> of </a:t>
+            </a:r>
+            <a:r>
+              <a:rPr lang="da-DK" dirty="0" err="1"/>
+              <a:t>complex</a:t>
+            </a:r>
+            <a:r>
+              <a:rPr lang="da-DK" dirty="0"/>
+              <a:t> systems (</a:t>
+            </a:r>
+            <a:r>
+              <a:rPr lang="da-DK" dirty="0" err="1"/>
+              <a:t>language</a:t>
+            </a:r>
+            <a:r>
+              <a:rPr lang="da-DK" dirty="0"/>
+              <a:t> </a:t>
+            </a:r>
+            <a:r>
+              <a:rPr lang="da-DK" dirty="0" err="1"/>
+              <a:t>development</a:t>
+            </a:r>
+            <a:r>
+              <a:rPr lang="da-DK" dirty="0"/>
+              <a:t> on </a:t>
+            </a:r>
+            <a:r>
+              <a:rPr lang="da-DK" dirty="0" err="1"/>
+              <a:t>SktThomas</a:t>
+            </a:r>
+            <a:r>
+              <a:rPr lang="da-DK" dirty="0"/>
+              <a:t> in </a:t>
+            </a:r>
+            <a:r>
+              <a:rPr lang="da-DK" dirty="0" err="1"/>
+              <a:t>this</a:t>
+            </a:r>
+            <a:r>
+              <a:rPr lang="da-DK" dirty="0"/>
+              <a:t> </a:t>
+            </a:r>
+            <a:r>
+              <a:rPr lang="da-DK" dirty="0" err="1"/>
+              <a:t>instance</a:t>
+            </a:r>
+            <a:r>
+              <a:rPr lang="da-DK" dirty="0"/>
+              <a:t>)</a:t>
+            </a:r>
+          </a:p>
+          <a:p>
             <a:endParaRPr lang="da-DK" dirty="0"/>
           </a:p>
-        </p:txBody>
-      </p:sp>
-      <p:sp>
-        <p:nvSpPr>
-          <p:cNvPr id="5" name="Content Placeholder 4"/>
+          <a:p>
+            <a:endParaRPr lang="en-DK" dirty="0"/>
+          </a:p>
+        </p:txBody>
+      </p:sp>
+      <p:sp>
+        <p:nvSpPr>
+          <p:cNvPr id="4" name="Date Placeholder 3">
+            <a:extLst>
+              <a:ext uri="{FF2B5EF4-FFF2-40B4-BE49-F238E27FC236}">
+                <a16:creationId xmlns:a16="http://schemas.microsoft.com/office/drawing/2014/main" id="{E3387D70-7B00-44DD-A139-298D76293441}"/>
+              </a:ext>
+            </a:extLst>
+          </p:cNvPr>
           <p:cNvSpPr>
             <a:spLocks noGrp="1"/>
           </p:cNvSpPr>
           <p:nvPr>
-            <p:ph idx="1"/>
+            <p:ph type="dt" sz="half" idx="10"/>
           </p:nvPr>
         </p:nvSpPr>
         <p:spPr/>
@@ -9622,17 +9789,22 @@
           <a:bodyPr/>
           <a:lstStyle/>
           <a:p>
+            <a:fld id="{08FC4984-4D2F-4D18-8CCC-C258B92EB11B}" type="datetime1">
+              <a:rPr lang="da-DK" smtClean="0"/>
+              <a:t>26-04-2021</a:t>
+            </a:fld>
+            <a:r>
+              <a:rPr lang="da-DK"/>
+              <a:t>26-04-2021</a:t>
+            </a:r>
             <a:endParaRPr lang="da-DK" dirty="0"/>
           </a:p>
         </p:txBody>
       </p:sp>
     </p:spTree>
-    <p:custDataLst>
-      <p:tags r:id="rId1"/>
-    </p:custDataLst>
     <p:extLst>
       <p:ext uri="{BB962C8B-B14F-4D97-AF65-F5344CB8AC3E}">
-        <p14:creationId xmlns:p14="http://schemas.microsoft.com/office/powerpoint/2010/main" val="2813365767"/>
+        <p14:creationId xmlns:p14="http://schemas.microsoft.com/office/powerpoint/2010/main" val="3857496078"/>
       </p:ext>
     </p:extLst>
   </p:cSld>
@@ -9661,7 +9833,13 @@
       </p:grpSpPr>
       <p:sp>
         <p:nvSpPr>
-          <p:cNvPr id="4" name="Title 3"/>
+          <p:cNvPr id="2" name="Title 1">
+            <a:extLst>
+              <a:ext uri="{FF2B5EF4-FFF2-40B4-BE49-F238E27FC236}">
+                <a16:creationId xmlns:a16="http://schemas.microsoft.com/office/drawing/2014/main" id="{7C54031D-B90E-4538-9217-358114AB1F30}"/>
+              </a:ext>
+            </a:extLst>
+          </p:cNvPr>
           <p:cNvSpPr>
             <a:spLocks noGrp="1"/>
           </p:cNvSpPr>
@@ -9674,16 +9852,20 @@
           <a:bodyPr/>
           <a:lstStyle/>
           <a:p>
-            <a:r>
-              <a:rPr lang="da-DK" dirty="0"/>
-              <a:t>Overordnet indhold (note-slide)</a:t>
-            </a:r>
-          </a:p>
-        </p:txBody>
-      </p:sp>
-      <p:sp>
-        <p:nvSpPr>
-          <p:cNvPr id="5" name="Content Placeholder 4"/>
+            <a:pPr algn="ctr"/>
+            <a:endParaRPr lang="en-DK" dirty="0"/>
+          </a:p>
+        </p:txBody>
+      </p:sp>
+      <p:sp>
+        <p:nvSpPr>
+          <p:cNvPr id="3" name="Content Placeholder 2">
+            <a:extLst>
+              <a:ext uri="{FF2B5EF4-FFF2-40B4-BE49-F238E27FC236}">
+                <a16:creationId xmlns:a16="http://schemas.microsoft.com/office/drawing/2014/main" id="{4989B015-9128-402D-A158-350F5B3B4A9E}"/>
+              </a:ext>
+            </a:extLst>
+          </p:cNvPr>
           <p:cNvSpPr>
             <a:spLocks noGrp="1"/>
           </p:cNvSpPr>
@@ -9696,221 +9878,47 @@
           <a:bodyPr/>
           <a:lstStyle/>
           <a:p>
-            <a:r>
-              <a:rPr lang="en-GB" dirty="0" err="1"/>
-              <a:t>Overordnet</a:t>
-            </a:r>
-            <a:r>
-              <a:rPr lang="en-GB" dirty="0"/>
-              <a:t> </a:t>
-            </a:r>
-            <a:r>
-              <a:rPr lang="en-GB" dirty="0" err="1"/>
-              <a:t>indhold</a:t>
-            </a:r>
-            <a:r>
-              <a:rPr lang="en-GB"/>
-              <a:t>:</a:t>
-            </a:r>
-            <a:br>
-              <a:rPr lang="en-GB"/>
-            </a:br>
-            <a:endParaRPr lang="en-GB" dirty="0"/>
-          </a:p>
-          <a:p>
-            <a:pPr marL="457200" indent="-457200">
-              <a:buFont typeface="+mj-lt"/>
-              <a:buAutoNum type="arabicPeriod"/>
-            </a:pPr>
-            <a:r>
-              <a:rPr lang="en-GB" dirty="0" err="1"/>
-              <a:t>Agentadfærd</a:t>
-            </a:r>
-            <a:endParaRPr lang="en-GB" dirty="0"/>
-          </a:p>
-          <a:p>
-            <a:pPr marL="457200" indent="-457200">
-              <a:buFont typeface="+mj-lt"/>
-              <a:buAutoNum type="arabicPeriod"/>
-            </a:pPr>
-            <a:r>
-              <a:rPr lang="en-GB" dirty="0" err="1"/>
-              <a:t>Undervisningskontekst</a:t>
-            </a:r>
-            <a:endParaRPr lang="en-GB" dirty="0"/>
-          </a:p>
-          <a:p>
-            <a:pPr marL="457200" indent="-457200">
-              <a:buFont typeface="+mj-lt"/>
-              <a:buAutoNum type="arabicPeriod"/>
-            </a:pPr>
-            <a:r>
-              <a:rPr lang="en-GB" dirty="0"/>
-              <a:t>Widgets &amp; interface</a:t>
-            </a:r>
-          </a:p>
-          <a:p>
-            <a:pPr marL="457200" indent="-457200">
-              <a:buFont typeface="+mj-lt"/>
-              <a:buAutoNum type="arabicPeriod"/>
-            </a:pPr>
-            <a:r>
-              <a:rPr lang="en-GB" dirty="0"/>
-              <a:t>Det store </a:t>
-            </a:r>
-            <a:r>
-              <a:rPr lang="en-GB" dirty="0" err="1"/>
-              <a:t>spørgsmål</a:t>
-            </a:r>
-            <a:r>
-              <a:rPr lang="en-GB" dirty="0"/>
-              <a:t>, </a:t>
-            </a:r>
-            <a:r>
-              <a:rPr lang="en-GB" dirty="0" err="1"/>
-              <a:t>modellen</a:t>
-            </a:r>
-            <a:r>
-              <a:rPr lang="en-GB" dirty="0"/>
-              <a:t> </a:t>
-            </a:r>
-            <a:r>
-              <a:rPr lang="en-GB" dirty="0" err="1"/>
-              <a:t>besvarer</a:t>
-            </a:r>
-            <a:endParaRPr lang="en-GB" dirty="0"/>
-          </a:p>
-          <a:p>
-            <a:pPr marL="457200" indent="-457200">
-              <a:buFont typeface="+mj-lt"/>
-              <a:buAutoNum type="arabicPeriod"/>
-            </a:pPr>
-            <a:r>
-              <a:rPr lang="en-GB" dirty="0"/>
-              <a:t>Mere </a:t>
-            </a:r>
-            <a:r>
-              <a:rPr lang="en-GB" dirty="0" err="1"/>
-              <a:t>specifikke</a:t>
-            </a:r>
-            <a:r>
-              <a:rPr lang="en-GB" dirty="0"/>
-              <a:t> </a:t>
-            </a:r>
-            <a:r>
-              <a:rPr lang="en-GB" dirty="0" err="1"/>
-              <a:t>eksempler</a:t>
-            </a:r>
-            <a:r>
-              <a:rPr lang="en-GB" dirty="0"/>
-              <a:t> </a:t>
-            </a:r>
-            <a:r>
-              <a:rPr lang="en-GB" dirty="0" err="1"/>
-              <a:t>og</a:t>
-            </a:r>
-            <a:r>
-              <a:rPr lang="en-GB" dirty="0"/>
-              <a:t> </a:t>
-            </a:r>
-            <a:r>
-              <a:rPr lang="en-GB" dirty="0" err="1"/>
-              <a:t>sammenligning</a:t>
-            </a:r>
-            <a:r>
-              <a:rPr lang="en-GB" dirty="0"/>
-              <a:t>. </a:t>
-            </a:r>
-            <a:r>
-              <a:rPr lang="en-GB" dirty="0" err="1"/>
-              <a:t>F.eks</a:t>
-            </a:r>
-            <a:r>
-              <a:rPr lang="en-GB" dirty="0"/>
-              <a:t>. </a:t>
-            </a:r>
-            <a:r>
-              <a:rPr lang="en-GB" dirty="0" err="1"/>
-              <a:t>økonomi</a:t>
-            </a:r>
-            <a:r>
-              <a:rPr lang="en-GB" dirty="0"/>
-              <a:t> &gt;&lt; </a:t>
-            </a:r>
-            <a:r>
-              <a:rPr lang="en-GB" dirty="0" err="1"/>
-              <a:t>sundhed</a:t>
-            </a:r>
-            <a:r>
-              <a:rPr lang="en-GB" dirty="0"/>
-              <a:t>. </a:t>
-            </a:r>
-            <a:r>
-              <a:rPr lang="en-GB" dirty="0" err="1"/>
-              <a:t>Forklar</a:t>
-            </a:r>
-            <a:r>
-              <a:rPr lang="en-GB" dirty="0"/>
-              <a:t>: </a:t>
-            </a:r>
-            <a:r>
-              <a:rPr lang="en-GB" dirty="0" err="1"/>
-              <a:t>hvorfor</a:t>
-            </a:r>
-            <a:r>
-              <a:rPr lang="en-GB" dirty="0"/>
-              <a:t> er det </a:t>
-            </a:r>
-            <a:r>
-              <a:rPr lang="en-GB" dirty="0" err="1"/>
-              <a:t>en</a:t>
-            </a:r>
-            <a:r>
-              <a:rPr lang="en-GB" dirty="0"/>
-              <a:t> </a:t>
-            </a:r>
-            <a:r>
-              <a:rPr lang="en-GB" dirty="0" err="1"/>
-              <a:t>spændende</a:t>
-            </a:r>
-            <a:r>
-              <a:rPr lang="en-GB" dirty="0"/>
-              <a:t> </a:t>
-            </a:r>
-            <a:r>
-              <a:rPr lang="en-GB" dirty="0" err="1"/>
-              <a:t>kontrast</a:t>
-            </a:r>
-            <a:r>
-              <a:rPr lang="en-GB" dirty="0"/>
-              <a:t>?</a:t>
-            </a:r>
-          </a:p>
-          <a:p>
-            <a:pPr marL="457200" indent="-457200">
-              <a:buFont typeface="+mj-lt"/>
-              <a:buAutoNum type="arabicPeriod"/>
-            </a:pPr>
-            <a:r>
-              <a:rPr lang="en-GB" dirty="0"/>
-              <a:t>"Download to try it out for yourself!"</a:t>
-            </a:r>
-          </a:p>
-          <a:p>
-            <a:pPr>
-              <a:buNone/>
-            </a:pPr>
+            <a:endParaRPr lang="en-DK"/>
+          </a:p>
+        </p:txBody>
+      </p:sp>
+      <p:sp>
+        <p:nvSpPr>
+          <p:cNvPr id="4" name="Date Placeholder 3">
+            <a:extLst>
+              <a:ext uri="{FF2B5EF4-FFF2-40B4-BE49-F238E27FC236}">
+                <a16:creationId xmlns:a16="http://schemas.microsoft.com/office/drawing/2014/main" id="{D8E35336-EB6F-4D24-806E-DD471296C113}"/>
+              </a:ext>
+            </a:extLst>
+          </p:cNvPr>
+          <p:cNvSpPr>
+            <a:spLocks noGrp="1"/>
+          </p:cNvSpPr>
+          <p:nvPr>
+            <p:ph type="dt" sz="half" idx="10"/>
+          </p:nvPr>
+        </p:nvSpPr>
+        <p:spPr/>
+        <p:txBody>
+          <a:bodyPr/>
+          <a:lstStyle/>
+          <a:p>
+            <a:fld id="{6A738EED-D014-4517-9F81-EEA0CA3BE1DD}" type="datetime1">
+              <a:rPr lang="da-DK" smtClean="0"/>
+              <a:t>26-04-2021</a:t>
+            </a:fld>
+            <a:r>
+              <a:rPr lang="da-DK"/>
+              <a:t>26-04-2021</a:t>
+            </a:r>
             <a:endParaRPr lang="da-DK" dirty="0"/>
           </a:p>
         </p:txBody>
       </p:sp>
     </p:spTree>
-    <p:custDataLst>
-      <p:tags r:id="rId1"/>
-    </p:custDataLst>
     <p:extLst>
       <p:ext uri="{BB962C8B-B14F-4D97-AF65-F5344CB8AC3E}">
-        <p14:creationId xmlns:p14="http://schemas.microsoft.com/office/powerpoint/2010/main" val="409741556"/>
+        <p14:creationId xmlns:p14="http://schemas.microsoft.com/office/powerpoint/2010/main" val="2514723404"/>
       </p:ext>
     </p:extLst>
   </p:cSld>
@@ -9939,7 +9947,13 @@
       </p:grpSpPr>
       <p:sp>
         <p:nvSpPr>
-          <p:cNvPr id="4" name="Title 3"/>
+          <p:cNvPr id="2" name="Title 1">
+            <a:extLst>
+              <a:ext uri="{FF2B5EF4-FFF2-40B4-BE49-F238E27FC236}">
+                <a16:creationId xmlns:a16="http://schemas.microsoft.com/office/drawing/2014/main" id="{80B52791-91D2-4A40-A255-9DE3C3775730}"/>
+              </a:ext>
+            </a:extLst>
+          </p:cNvPr>
           <p:cNvSpPr>
             <a:spLocks noGrp="1"/>
           </p:cNvSpPr>
@@ -9952,36 +9966,72 @@
           <a:bodyPr/>
           <a:lstStyle/>
           <a:p>
+            <a:endParaRPr lang="en-DK"/>
+          </a:p>
+        </p:txBody>
+      </p:sp>
+      <p:sp>
+        <p:nvSpPr>
+          <p:cNvPr id="3" name="Content Placeholder 2">
+            <a:extLst>
+              <a:ext uri="{FF2B5EF4-FFF2-40B4-BE49-F238E27FC236}">
+                <a16:creationId xmlns:a16="http://schemas.microsoft.com/office/drawing/2014/main" id="{7500B101-62D7-4D25-AE2A-6B99F00B0A9D}"/>
+              </a:ext>
+            </a:extLst>
+          </p:cNvPr>
+          <p:cNvSpPr>
+            <a:spLocks noGrp="1"/>
+          </p:cNvSpPr>
+          <p:nvPr>
+            <p:ph idx="1"/>
+          </p:nvPr>
+        </p:nvSpPr>
+        <p:spPr/>
+        <p:txBody>
+          <a:bodyPr/>
+          <a:lstStyle/>
+          <a:p>
+            <a:endParaRPr lang="en-DK"/>
+          </a:p>
+        </p:txBody>
+      </p:sp>
+      <p:sp>
+        <p:nvSpPr>
+          <p:cNvPr id="4" name="Date Placeholder 3">
+            <a:extLst>
+              <a:ext uri="{FF2B5EF4-FFF2-40B4-BE49-F238E27FC236}">
+                <a16:creationId xmlns:a16="http://schemas.microsoft.com/office/drawing/2014/main" id="{696BCBD1-E5ED-4B98-B472-4981EDA29936}"/>
+              </a:ext>
+            </a:extLst>
+          </p:cNvPr>
+          <p:cNvSpPr>
+            <a:spLocks noGrp="1"/>
+          </p:cNvSpPr>
+          <p:nvPr>
+            <p:ph type="dt" sz="half" idx="10"/>
+          </p:nvPr>
+        </p:nvSpPr>
+        <p:spPr/>
+        <p:txBody>
+          <a:bodyPr/>
+          <a:lstStyle/>
+          <a:p>
+            <a:fld id="{8187665F-DB8B-4FE9-A720-86C04E6E45E4}" type="datetime1">
+              <a:rPr lang="da-DK" smtClean="0"/>
+              <a:t>26-04-2021</a:t>
+            </a:fld>
+            <a:r>
+              <a:rPr lang="da-DK"/>
+              <a:t>26-04-2021</a:t>
+            </a:r>
             <a:endParaRPr lang="da-DK" dirty="0"/>
           </a:p>
         </p:txBody>
       </p:sp>
-      <p:sp>
-        <p:nvSpPr>
-          <p:cNvPr id="5" name="Content Placeholder 4"/>
-          <p:cNvSpPr>
-            <a:spLocks noGrp="1"/>
-          </p:cNvSpPr>
-          <p:nvPr>
-            <p:ph idx="1"/>
-          </p:nvPr>
-        </p:nvSpPr>
-        <p:spPr/>
-        <p:txBody>
-          <a:bodyPr/>
-          <a:lstStyle/>
-          <a:p>
-            <a:endParaRPr lang="da-DK" dirty="0"/>
-          </a:p>
-        </p:txBody>
-      </p:sp>
     </p:spTree>
-    <p:custDataLst>
-      <p:tags r:id="rId1"/>
-    </p:custDataLst>
     <p:extLst>
       <p:ext uri="{BB962C8B-B14F-4D97-AF65-F5344CB8AC3E}">
-        <p14:creationId xmlns:p14="http://schemas.microsoft.com/office/powerpoint/2010/main" val="3535925220"/>
+        <p14:creationId xmlns:p14="http://schemas.microsoft.com/office/powerpoint/2010/main" val="2664871700"/>
       </p:ext>
     </p:extLst>
   </p:cSld>
@@ -10010,6 +10060,355 @@
       </p:grpSpPr>
       <p:sp>
         <p:nvSpPr>
+          <p:cNvPr id="4" name="Title 3"/>
+          <p:cNvSpPr>
+            <a:spLocks noGrp="1"/>
+          </p:cNvSpPr>
+          <p:nvPr>
+            <p:ph type="title"/>
+          </p:nvPr>
+        </p:nvSpPr>
+        <p:spPr/>
+        <p:txBody>
+          <a:bodyPr/>
+          <a:lstStyle/>
+          <a:p>
+            <a:r>
+              <a:rPr lang="da-DK" dirty="0"/>
+              <a:t>Overordnet indhold (note-slide)</a:t>
+            </a:r>
+          </a:p>
+        </p:txBody>
+      </p:sp>
+      <p:sp>
+        <p:nvSpPr>
+          <p:cNvPr id="5" name="Content Placeholder 4"/>
+          <p:cNvSpPr>
+            <a:spLocks noGrp="1"/>
+          </p:cNvSpPr>
+          <p:nvPr>
+            <p:ph idx="1"/>
+          </p:nvPr>
+        </p:nvSpPr>
+        <p:spPr/>
+        <p:txBody>
+          <a:bodyPr/>
+          <a:lstStyle/>
+          <a:p>
+            <a:r>
+              <a:rPr lang="en-GB" dirty="0" err="1"/>
+              <a:t>Overordnet</a:t>
+            </a:r>
+            <a:r>
+              <a:rPr lang="en-GB" dirty="0"/>
+              <a:t> </a:t>
+            </a:r>
+            <a:r>
+              <a:rPr lang="en-GB" dirty="0" err="1"/>
+              <a:t>indhold</a:t>
+            </a:r>
+            <a:r>
+              <a:rPr lang="en-GB" dirty="0"/>
+              <a:t>:</a:t>
+            </a:r>
+            <a:br>
+              <a:rPr lang="en-GB" dirty="0"/>
+            </a:br>
+            <a:endParaRPr lang="en-GB" dirty="0"/>
+          </a:p>
+          <a:p>
+            <a:pPr marL="457200" indent="-457200">
+              <a:buFont typeface="+mj-lt"/>
+              <a:buAutoNum type="arabicPeriod"/>
+            </a:pPr>
+            <a:r>
+              <a:rPr lang="en-GB" dirty="0" err="1"/>
+              <a:t>Undervisningskontekst</a:t>
+            </a:r>
+            <a:endParaRPr lang="en-GB" dirty="0"/>
+          </a:p>
+          <a:p>
+            <a:pPr marL="457200" indent="-457200">
+              <a:buFont typeface="+mj-lt"/>
+              <a:buAutoNum type="arabicPeriod"/>
+            </a:pPr>
+            <a:r>
+              <a:rPr lang="en-GB" dirty="0" err="1"/>
+              <a:t>Agentadfærd</a:t>
+            </a:r>
+            <a:endParaRPr lang="en-GB" dirty="0"/>
+          </a:p>
+          <a:p>
+            <a:pPr marL="457200" indent="-457200">
+              <a:buFont typeface="+mj-lt"/>
+              <a:buAutoNum type="arabicPeriod"/>
+            </a:pPr>
+            <a:r>
+              <a:rPr lang="en-GB" dirty="0"/>
+              <a:t>Widgets &amp; interface</a:t>
+            </a:r>
+          </a:p>
+          <a:p>
+            <a:pPr marL="457200" indent="-457200">
+              <a:buFont typeface="+mj-lt"/>
+              <a:buAutoNum type="arabicPeriod"/>
+            </a:pPr>
+            <a:r>
+              <a:rPr lang="en-GB" dirty="0"/>
+              <a:t>Det store </a:t>
+            </a:r>
+            <a:r>
+              <a:rPr lang="en-GB" dirty="0" err="1"/>
+              <a:t>spørgsmål</a:t>
+            </a:r>
+            <a:r>
+              <a:rPr lang="en-GB" dirty="0"/>
+              <a:t>, </a:t>
+            </a:r>
+            <a:r>
+              <a:rPr lang="en-GB" dirty="0" err="1"/>
+              <a:t>modellen</a:t>
+            </a:r>
+            <a:r>
+              <a:rPr lang="en-GB" dirty="0"/>
+              <a:t> </a:t>
+            </a:r>
+            <a:r>
+              <a:rPr lang="en-GB" dirty="0" err="1"/>
+              <a:t>besvarer</a:t>
+            </a:r>
+            <a:endParaRPr lang="en-GB" dirty="0"/>
+          </a:p>
+          <a:p>
+            <a:pPr marL="457200" indent="-457200">
+              <a:buFont typeface="+mj-lt"/>
+              <a:buAutoNum type="arabicPeriod"/>
+            </a:pPr>
+            <a:r>
+              <a:rPr lang="en-GB" dirty="0"/>
+              <a:t>Mere </a:t>
+            </a:r>
+            <a:r>
+              <a:rPr lang="en-GB" dirty="0" err="1"/>
+              <a:t>specifikke</a:t>
+            </a:r>
+            <a:r>
+              <a:rPr lang="en-GB" dirty="0"/>
+              <a:t> </a:t>
+            </a:r>
+            <a:r>
+              <a:rPr lang="en-GB" dirty="0" err="1"/>
+              <a:t>eksempler</a:t>
+            </a:r>
+            <a:r>
+              <a:rPr lang="en-GB" dirty="0"/>
+              <a:t> </a:t>
+            </a:r>
+            <a:r>
+              <a:rPr lang="en-GB" dirty="0" err="1"/>
+              <a:t>og</a:t>
+            </a:r>
+            <a:r>
+              <a:rPr lang="en-GB" dirty="0"/>
+              <a:t> </a:t>
+            </a:r>
+            <a:r>
+              <a:rPr lang="en-GB" dirty="0" err="1"/>
+              <a:t>sammenligning</a:t>
+            </a:r>
+            <a:r>
+              <a:rPr lang="en-GB" dirty="0"/>
+              <a:t>. </a:t>
+            </a:r>
+            <a:r>
+              <a:rPr lang="en-GB" dirty="0" err="1"/>
+              <a:t>F.eks</a:t>
+            </a:r>
+            <a:r>
+              <a:rPr lang="en-GB" dirty="0"/>
+              <a:t>. </a:t>
+            </a:r>
+            <a:r>
+              <a:rPr lang="en-GB" dirty="0" err="1"/>
+              <a:t>økonomi</a:t>
+            </a:r>
+            <a:r>
+              <a:rPr lang="en-GB" dirty="0"/>
+              <a:t> &gt;&lt; </a:t>
+            </a:r>
+            <a:r>
+              <a:rPr lang="en-GB" dirty="0" err="1"/>
+              <a:t>sundhed</a:t>
+            </a:r>
+            <a:r>
+              <a:rPr lang="en-GB" dirty="0"/>
+              <a:t>. </a:t>
+            </a:r>
+            <a:r>
+              <a:rPr lang="en-GB" dirty="0" err="1"/>
+              <a:t>Forklar</a:t>
+            </a:r>
+            <a:r>
+              <a:rPr lang="en-GB" dirty="0"/>
+              <a:t>: </a:t>
+            </a:r>
+            <a:r>
+              <a:rPr lang="en-GB" dirty="0" err="1"/>
+              <a:t>hvorfor</a:t>
+            </a:r>
+            <a:r>
+              <a:rPr lang="en-GB" dirty="0"/>
+              <a:t> er det </a:t>
+            </a:r>
+            <a:r>
+              <a:rPr lang="en-GB" dirty="0" err="1"/>
+              <a:t>en</a:t>
+            </a:r>
+            <a:r>
+              <a:rPr lang="en-GB" dirty="0"/>
+              <a:t> </a:t>
+            </a:r>
+            <a:r>
+              <a:rPr lang="en-GB" dirty="0" err="1"/>
+              <a:t>spændende</a:t>
+            </a:r>
+            <a:r>
+              <a:rPr lang="en-GB" dirty="0"/>
+              <a:t> </a:t>
+            </a:r>
+            <a:r>
+              <a:rPr lang="en-GB" dirty="0" err="1"/>
+              <a:t>kontrast</a:t>
+            </a:r>
+            <a:r>
+              <a:rPr lang="en-GB" dirty="0"/>
+              <a:t>?</a:t>
+            </a:r>
+          </a:p>
+          <a:p>
+            <a:pPr marL="457200" indent="-457200">
+              <a:buFont typeface="+mj-lt"/>
+              <a:buAutoNum type="arabicPeriod"/>
+            </a:pPr>
+            <a:r>
+              <a:rPr lang="en-GB" dirty="0"/>
+              <a:t>"Download to try it out for yourself!"</a:t>
+            </a:r>
+          </a:p>
+          <a:p>
+            <a:pPr>
+              <a:buNone/>
+            </a:pPr>
+            <a:endParaRPr lang="da-DK" dirty="0"/>
+          </a:p>
+        </p:txBody>
+      </p:sp>
+    </p:spTree>
+    <p:custDataLst>
+      <p:tags r:id="rId1"/>
+    </p:custDataLst>
+    <p:extLst>
+      <p:ext uri="{BB962C8B-B14F-4D97-AF65-F5344CB8AC3E}">
+        <p14:creationId xmlns:p14="http://schemas.microsoft.com/office/powerpoint/2010/main" val="409741556"/>
+      </p:ext>
+    </p:extLst>
+  </p:cSld>
+  <p:clrMapOvr>
+    <a:masterClrMapping/>
+  </p:clrMapOvr>
+</p:sld>
+</file>
+
+<file path=ppt/slides/slide6.xml><?xml version="1.0" encoding="utf-8"?>
+<p:sld xmlns:a="http://schemas.openxmlformats.org/drawingml/2006/main" xmlns:r="http://schemas.openxmlformats.org/officeDocument/2006/relationships" xmlns:p="http://schemas.openxmlformats.org/presentationml/2006/main">
+  <p:cSld>
+    <p:spTree>
+      <p:nvGrpSpPr>
+        <p:cNvPr id="1" name=""/>
+        <p:cNvGrpSpPr/>
+        <p:nvPr/>
+      </p:nvGrpSpPr>
+      <p:grpSpPr>
+        <a:xfrm>
+          <a:off x="0" y="0"/>
+          <a:ext cx="0" cy="0"/>
+          <a:chOff x="0" y="0"/>
+          <a:chExt cx="0" cy="0"/>
+        </a:xfrm>
+      </p:grpSpPr>
+      <p:sp>
+        <p:nvSpPr>
+          <p:cNvPr id="4" name="Title 3"/>
+          <p:cNvSpPr>
+            <a:spLocks noGrp="1"/>
+          </p:cNvSpPr>
+          <p:nvPr>
+            <p:ph type="title"/>
+          </p:nvPr>
+        </p:nvSpPr>
+        <p:spPr/>
+        <p:txBody>
+          <a:bodyPr/>
+          <a:lstStyle/>
+          <a:p>
+            <a:endParaRPr lang="da-DK" dirty="0"/>
+          </a:p>
+        </p:txBody>
+      </p:sp>
+      <p:sp>
+        <p:nvSpPr>
+          <p:cNvPr id="5" name="Content Placeholder 4"/>
+          <p:cNvSpPr>
+            <a:spLocks noGrp="1"/>
+          </p:cNvSpPr>
+          <p:nvPr>
+            <p:ph idx="1"/>
+          </p:nvPr>
+        </p:nvSpPr>
+        <p:spPr/>
+        <p:txBody>
+          <a:bodyPr/>
+          <a:lstStyle/>
+          <a:p>
+            <a:endParaRPr lang="da-DK" dirty="0"/>
+          </a:p>
+        </p:txBody>
+      </p:sp>
+    </p:spTree>
+    <p:custDataLst>
+      <p:tags r:id="rId1"/>
+    </p:custDataLst>
+    <p:extLst>
+      <p:ext uri="{BB962C8B-B14F-4D97-AF65-F5344CB8AC3E}">
+        <p14:creationId xmlns:p14="http://schemas.microsoft.com/office/powerpoint/2010/main" val="3535925220"/>
+      </p:ext>
+    </p:extLst>
+  </p:cSld>
+  <p:clrMapOvr>
+    <a:masterClrMapping/>
+  </p:clrMapOvr>
+</p:sld>
+</file>
+
+<file path=ppt/slides/slide7.xml><?xml version="1.0" encoding="utf-8"?>
+<p:sld xmlns:a="http://schemas.openxmlformats.org/drawingml/2006/main" xmlns:r="http://schemas.openxmlformats.org/officeDocument/2006/relationships" xmlns:p="http://schemas.openxmlformats.org/presentationml/2006/main">
+  <p:cSld>
+    <p:spTree>
+      <p:nvGrpSpPr>
+        <p:cNvPr id="1" name=""/>
+        <p:cNvGrpSpPr/>
+        <p:nvPr/>
+      </p:nvGrpSpPr>
+      <p:grpSpPr>
+        <a:xfrm>
+          <a:off x="0" y="0"/>
+          <a:ext cx="0" cy="0"/>
+          <a:chOff x="0" y="0"/>
+          <a:chExt cx="0" cy="0"/>
+        </a:xfrm>
+      </p:grpSpPr>
+      <p:sp>
+        <p:nvSpPr>
           <p:cNvPr id="2" name="Date Placeholder 1"/>
           <p:cNvSpPr>
             <a:spLocks noGrp="1"/>
@@ -10079,7 +10478,7 @@
 </p:sld>
 </file>
 
-<file path=ppt/slides/slide6.xml><?xml version="1.0" encoding="utf-8"?>
+<file path=ppt/slides/slide8.xml><?xml version="1.0" encoding="utf-8"?>
 <p:sld xmlns:a="http://schemas.openxmlformats.org/drawingml/2006/main" xmlns:r="http://schemas.openxmlformats.org/officeDocument/2006/relationships" xmlns:p="http://schemas.openxmlformats.org/presentationml/2006/main">
   <p:cSld>
     <p:spTree>
@@ -10120,7 +10519,7 @@
 
 <file path=ppt/tags/tag2.xml><?xml version="1.0" encoding="utf-8"?>
 <p:tagLst xmlns:a="http://schemas.openxmlformats.org/drawingml/2006/main" xmlns:r="http://schemas.openxmlformats.org/officeDocument/2006/relationships" xmlns:p="http://schemas.openxmlformats.org/presentationml/2006/main">
-  <p:tag name="TEMPLAFYSLIDEID" val="636235437374902238"/>
+  <p:tag name="TEMPLAFYSLIDEID" val="636235437375089291"/>
 </p:tagLst>
 </file>
 
@@ -10131,12 +10530,6 @@
 </file>
 
 <file path=ppt/tags/tag4.xml><?xml version="1.0" encoding="utf-8"?>
-<p:tagLst xmlns:a="http://schemas.openxmlformats.org/drawingml/2006/main" xmlns:r="http://schemas.openxmlformats.org/officeDocument/2006/relationships" xmlns:p="http://schemas.openxmlformats.org/presentationml/2006/main">
-  <p:tag name="TEMPLAFYSLIDEID" val="636235437375089291"/>
-</p:tagLst>
-</file>
-
-<file path=ppt/tags/tag5.xml><?xml version="1.0" encoding="utf-8"?>
 <p:tagLst xmlns:a="http://schemas.openxmlformats.org/drawingml/2006/main" xmlns:r="http://schemas.openxmlformats.org/officeDocument/2006/relationships" xmlns:p="http://schemas.openxmlformats.org/presentationml/2006/main">
   <p:tag name="TEMPLAFYSLIDEID" val="636235437375566864"/>
 </p:tagLst>

--- a/StThomas-PowerPoint-AU.pptx
+++ b/StThomas-PowerPoint-AU.pptx
@@ -5,56 +5,55 @@
     <p:sldMasterId id="2147483648" r:id="rId1"/>
   </p:sldMasterIdLst>
   <p:notesMasterIdLst>
-    <p:notesMasterId r:id="rId10"/>
+    <p:notesMasterId r:id="rId9"/>
   </p:notesMasterIdLst>
   <p:handoutMasterIdLst>
-    <p:handoutMasterId r:id="rId11"/>
+    <p:handoutMasterId r:id="rId10"/>
   </p:handoutMasterIdLst>
   <p:sldIdLst>
     <p:sldId id="261" r:id="rId2"/>
-    <p:sldId id="266" r:id="rId3"/>
-    <p:sldId id="267" r:id="rId4"/>
-    <p:sldId id="268" r:id="rId5"/>
-    <p:sldId id="265" r:id="rId6"/>
-    <p:sldId id="258" r:id="rId7"/>
-    <p:sldId id="264" r:id="rId8"/>
-    <p:sldId id="260" r:id="rId9"/>
+    <p:sldId id="267" r:id="rId3"/>
+    <p:sldId id="269" r:id="rId4"/>
+    <p:sldId id="271" r:id="rId5"/>
+    <p:sldId id="268" r:id="rId6"/>
+    <p:sldId id="265" r:id="rId7"/>
+    <p:sldId id="260" r:id="rId8"/>
   </p:sldIdLst>
   <p:sldSz cx="12188825" cy="6858000"/>
   <p:notesSz cx="6797675" cy="9926638"/>
   <p:embeddedFontLst>
     <p:embeddedFont>
       <p:font typeface="AU Passata" panose="020B0604020202020204" charset="0"/>
-      <p:regular r:id="rId12"/>
-      <p:bold r:id="rId13"/>
+      <p:regular r:id="rId11"/>
+      <p:bold r:id="rId12"/>
     </p:embeddedFont>
     <p:embeddedFont>
       <p:font typeface="AU Passata Light" panose="020B0604020202020204" charset="0"/>
-      <p:regular r:id="rId14"/>
-      <p:bold r:id="rId15"/>
+      <p:regular r:id="rId13"/>
+      <p:bold r:id="rId14"/>
     </p:embeddedFont>
     <p:embeddedFont>
       <p:font typeface="AU Peto" panose="020B0604020202020204" charset="0"/>
-      <p:regular r:id="rId16"/>
-      <p:bold r:id="rId17"/>
+      <p:regular r:id="rId15"/>
+      <p:bold r:id="rId16"/>
     </p:embeddedFont>
     <p:embeddedFont>
       <p:font typeface="Calibri" panose="020F0502020204030204" pitchFamily="34" charset="0"/>
-      <p:regular r:id="rId18"/>
-      <p:bold r:id="rId19"/>
-      <p:italic r:id="rId20"/>
-      <p:boldItalic r:id="rId21"/>
+      <p:regular r:id="rId17"/>
+      <p:bold r:id="rId18"/>
+      <p:italic r:id="rId19"/>
+      <p:boldItalic r:id="rId20"/>
     </p:embeddedFont>
     <p:embeddedFont>
       <p:font typeface="Georgia" panose="02040502050405020303" pitchFamily="18" charset="0"/>
-      <p:regular r:id="rId22"/>
-      <p:bold r:id="rId23"/>
-      <p:italic r:id="rId24"/>
-      <p:boldItalic r:id="rId25"/>
+      <p:regular r:id="rId21"/>
+      <p:bold r:id="rId22"/>
+      <p:italic r:id="rId23"/>
+      <p:boldItalic r:id="rId24"/>
     </p:embeddedFont>
     <p:embeddedFont>
       <p:font typeface="Wingdings 3" panose="05040102010807070707" pitchFamily="18" charset="2"/>
-      <p:regular r:id="rId26"/>
+      <p:regular r:id="rId25"/>
     </p:embeddedFont>
   </p:embeddedFontLst>
   <p:defaultTextStyle>
@@ -224,6 +223,14 @@
 </p:presentation>
 </file>
 
+<file path=ppt/revisionInfo.xml><?xml version="1.0" encoding="utf-8"?>
+<p1510:revInfo xmlns:a="http://schemas.openxmlformats.org/drawingml/2006/main" xmlns:r="http://schemas.openxmlformats.org/officeDocument/2006/relationships" xmlns:p1510="http://schemas.microsoft.com/office/powerpoint/2015/10/main">
+  <p1510:revLst>
+    <p1510:client id="{5D2B8CC3-2D24-4F14-BCCB-558C028A5855}" v="2" dt="2021-05-05T12:18:52.629"/>
+  </p1510:revLst>
+</p1510:revInfo>
+</file>
+
 <file path=ppt/handoutMasters/handoutMaster1.xml><?xml version="1.0" encoding="utf-8"?>
 <p:handoutMaster xmlns:a="http://schemas.openxmlformats.org/drawingml/2006/main" xmlns:r="http://schemas.openxmlformats.org/officeDocument/2006/relationships" xmlns:p="http://schemas.openxmlformats.org/presentationml/2006/main">
   <p:cSld>
@@ -984,7 +991,10 @@
           <a:bodyPr/>
           <a:lstStyle/>
           <a:p>
-            <a:endParaRPr lang="en-GB"/>
+            <a:r>
+              <a:rPr lang="en-GB" dirty="0"/>
+              <a:t>slide</a:t>
+            </a:r>
           </a:p>
         </p:txBody>
       </p:sp>
@@ -995,7 +1005,7 @@
             <a:spLocks noGrp="1"/>
           </p:cNvSpPr>
           <p:nvPr>
-            <p:ph type="sldNum" sz="quarter" idx="10"/>
+            <p:ph type="sldNum" sz="quarter" idx="5"/>
           </p:nvPr>
         </p:nvSpPr>
         <p:spPr/>
@@ -1007,11 +1017,11 @@
               <a:defRPr/>
             </a:pPr>
             <a:fld id="{72C160C3-3AB6-49C1-8001-AFDAD271EB5B}" type="slidenum">
-              <a:rPr lang="en-GB"/>
+              <a:rPr lang="en-GB" smtClean="0"/>
               <a:pPr>
                 <a:defRPr/>
               </a:pPr>
-              <a:t>5</a:t>
+              <a:t>3</a:t>
             </a:fld>
             <a:endParaRPr lang="en-GB" dirty="0"/>
           </a:p>
@@ -1020,7 +1030,7 @@
     </p:spTree>
     <p:extLst>
       <p:ext uri="{BB962C8B-B14F-4D97-AF65-F5344CB8AC3E}">
-        <p14:creationId xmlns:p14="http://schemas.microsoft.com/office/powerpoint/2010/main" val="3028619454"/>
+        <p14:creationId xmlns:p14="http://schemas.microsoft.com/office/powerpoint/2010/main" val="937378439"/>
       </p:ext>
     </p:extLst>
   </p:cSld>
@@ -1110,7 +1120,7 @@
     </p:spTree>
     <p:extLst>
       <p:ext uri="{BB962C8B-B14F-4D97-AF65-F5344CB8AC3E}">
-        <p14:creationId xmlns:p14="http://schemas.microsoft.com/office/powerpoint/2010/main" val="2432168804"/>
+        <p14:creationId xmlns:p14="http://schemas.microsoft.com/office/powerpoint/2010/main" val="3028619454"/>
       </p:ext>
     </p:extLst>
   </p:cSld>
@@ -1191,7 +1201,7 @@
               <a:pPr>
                 <a:defRPr/>
               </a:pPr>
-              <a:t>8</a:t>
+              <a:t>7</a:t>
             </a:fld>
             <a:endParaRPr lang="en-GB" dirty="0"/>
           </a:p>
@@ -1819,7 +1829,7 @@
             <a:fld id="{78417F83-4CBA-48F2-BAD0-783AE3701E32}" type="datetimeFigureOut">
               <a:rPr lang="da-DK" smtClean="0"/>
               <a:pPr/>
-              <a:t>26-04-2021</a:t>
+              <a:t>04-05-2021</a:t>
             </a:fld>
             <a:r>
               <a:rPr lang="da-DK" dirty="0"/>
@@ -2029,7 +2039,7 @@
             <a:fld id="{78417F83-4CBA-48F2-BAD0-783AE3701E32}" type="datetimeFigureOut">
               <a:rPr lang="da-DK" smtClean="0"/>
               <a:pPr/>
-              <a:t>26-04-2021</a:t>
+              <a:t>04-05-2021</a:t>
             </a:fld>
             <a:r>
               <a:rPr lang="da-DK" dirty="0"/>
@@ -2270,7 +2280,7 @@
             <a:fld id="{78417F83-4CBA-48F2-BAD0-783AE3701E32}" type="datetimeFigureOut">
               <a:rPr lang="da-DK" smtClean="0"/>
               <a:pPr/>
-              <a:t>26-04-2021</a:t>
+              <a:t>04-05-2021</a:t>
             </a:fld>
             <a:r>
               <a:rPr lang="da-DK" dirty="0"/>
@@ -2440,7 +2450,7 @@
             <a:fld id="{78417F83-4CBA-48F2-BAD0-783AE3701E32}" type="datetimeFigureOut">
               <a:rPr lang="da-DK" smtClean="0"/>
               <a:pPr/>
-              <a:t>26-04-2021</a:t>
+              <a:t>04-05-2021</a:t>
             </a:fld>
             <a:r>
               <a:rPr lang="da-DK" dirty="0"/>
@@ -2614,7 +2624,7 @@
             <a:fld id="{78417F83-4CBA-48F2-BAD0-783AE3701E32}" type="datetimeFigureOut">
               <a:rPr lang="da-DK" smtClean="0"/>
               <a:pPr/>
-              <a:t>26-04-2021</a:t>
+              <a:t>04-05-2021</a:t>
             </a:fld>
             <a:r>
               <a:rPr lang="da-DK" dirty="0"/>
@@ -2951,7 +2961,7 @@
             <a:fld id="{78417F83-4CBA-48F2-BAD0-783AE3701E32}" type="datetimeFigureOut">
               <a:rPr lang="da-DK" smtClean="0"/>
               <a:pPr/>
-              <a:t>26-04-2021</a:t>
+              <a:t>04-05-2021</a:t>
             </a:fld>
             <a:r>
               <a:rPr lang="da-DK" dirty="0"/>
@@ -3122,7 +3132,7 @@
             <a:fld id="{78417F83-4CBA-48F2-BAD0-783AE3701E32}" type="datetimeFigureOut">
               <a:rPr lang="da-DK" smtClean="0"/>
               <a:pPr/>
-              <a:t>26-04-2021</a:t>
+              <a:t>04-05-2021</a:t>
             </a:fld>
             <a:r>
               <a:rPr lang="da-DK" dirty="0"/>
@@ -3318,7 +3328,7 @@
             <a:fld id="{78417F83-4CBA-48F2-BAD0-783AE3701E32}" type="datetimeFigureOut">
               <a:rPr lang="da-DK" smtClean="0"/>
               <a:pPr/>
-              <a:t>26-04-2021</a:t>
+              <a:t>04-05-2021</a:t>
             </a:fld>
             <a:r>
               <a:rPr lang="da-DK" dirty="0"/>
@@ -3487,7 +3497,7 @@
             <a:fld id="{78417F83-4CBA-48F2-BAD0-783AE3701E32}" type="datetimeFigureOut">
               <a:rPr lang="da-DK" smtClean="0"/>
               <a:pPr/>
-              <a:t>26-04-2021</a:t>
+              <a:t>04-05-2021</a:t>
             </a:fld>
             <a:r>
               <a:rPr lang="da-DK" dirty="0"/>
@@ -3641,7 +3651,7 @@
             <a:fld id="{78417F83-4CBA-48F2-BAD0-783AE3701E32}" type="datetimeFigureOut">
               <a:rPr lang="da-DK" smtClean="0"/>
               <a:pPr/>
-              <a:t>26-04-2021</a:t>
+              <a:t>04-05-2021</a:t>
             </a:fld>
             <a:r>
               <a:rPr lang="da-DK" dirty="0"/>
@@ -4530,7 +4540,7 @@
             <a:fld id="{78417F83-4CBA-48F2-BAD0-783AE3701E32}" type="datetimeFigureOut">
               <a:rPr lang="da-DK" smtClean="0"/>
               <a:pPr/>
-              <a:t>26-04-2021</a:t>
+              <a:t>04-05-2021</a:t>
             </a:fld>
             <a:r>
               <a:rPr lang="da-DK" dirty="0"/>
@@ -5347,7 +5357,7 @@
             <a:fld id="{78417F83-4CBA-48F2-BAD0-783AE3701E32}" type="datetimeFigureOut">
               <a:rPr lang="da-DK" smtClean="0"/>
               <a:pPr/>
-              <a:t>26-04-2021</a:t>
+              <a:t>04-05-2021</a:t>
             </a:fld>
             <a:r>
               <a:rPr lang="da-DK" dirty="0"/>
@@ -5577,7 +5587,7 @@
             <a:fld id="{78417F83-4CBA-48F2-BAD0-783AE3701E32}" type="datetimeFigureOut">
               <a:rPr lang="da-DK" smtClean="0"/>
               <a:pPr/>
-              <a:t>26-04-2021</a:t>
+              <a:t>04-05-2021</a:t>
             </a:fld>
             <a:r>
               <a:rPr lang="da-DK" dirty="0"/>
@@ -6284,7 +6294,7 @@
             <a:fld id="{78417F83-4CBA-48F2-BAD0-783AE3701E32}" type="datetimeFigureOut">
               <a:rPr lang="da-DK" smtClean="0"/>
               <a:pPr/>
-              <a:t>26-04-2021</a:t>
+              <a:t>04-05-2021</a:t>
             </a:fld>
             <a:r>
               <a:rPr lang="da-DK" dirty="0"/>
@@ -6575,7 +6585,7 @@
             <a:fld id="{78417F83-4CBA-48F2-BAD0-783AE3701E32}" type="datetimeFigureOut">
               <a:rPr lang="da-DK" smtClean="0"/>
               <a:pPr/>
-              <a:t>26-04-2021</a:t>
+              <a:t>04-05-2021</a:t>
             </a:fld>
             <a:r>
               <a:rPr lang="da-DK" dirty="0"/>
@@ -6949,7 +6959,7 @@
             <a:fld id="{78417F83-4CBA-48F2-BAD0-783AE3701E32}" type="datetimeFigureOut">
               <a:rPr lang="da-DK" smtClean="0"/>
               <a:pPr/>
-              <a:t>26-04-2021</a:t>
+              <a:t>04-05-2021</a:t>
             </a:fld>
             <a:r>
               <a:rPr lang="da-DK" dirty="0"/>
@@ -7376,7 +7386,7 @@
             <a:fld id="{78417F83-4CBA-48F2-BAD0-783AE3701E32}" type="datetimeFigureOut">
               <a:rPr lang="da-DK" smtClean="0"/>
               <a:pPr/>
-              <a:t>26-04-2021</a:t>
+              <a:t>04-05-2021</a:t>
             </a:fld>
             <a:r>
               <a:rPr lang="da-DK" dirty="0"/>
@@ -7816,7 +7826,7 @@
             <a:fld id="{78417F83-4CBA-48F2-BAD0-783AE3701E32}" type="datetimeFigureOut">
               <a:rPr lang="da-DK" smtClean="0"/>
               <a:pPr/>
-              <a:t>26-04-2021</a:t>
+              <a:t>04-05-2021</a:t>
             </a:fld>
             <a:r>
               <a:rPr lang="da-DK" dirty="0"/>
@@ -7984,7 +7994,7 @@
             <a:fld id="{78417F83-4CBA-48F2-BAD0-783AE3701E32}" type="datetimeFigureOut">
               <a:rPr lang="da-DK" smtClean="0"/>
               <a:pPr/>
-              <a:t>26-04-2021</a:t>
+              <a:t>04-05-2021</a:t>
             </a:fld>
             <a:r>
               <a:rPr lang="da-DK" dirty="0"/>
@@ -8165,7 +8175,7 @@
             <a:fld id="{78417F83-4CBA-48F2-BAD0-783AE3701E32}" type="datetimeFigureOut">
               <a:rPr lang="da-DK" smtClean="0"/>
               <a:pPr/>
-              <a:t>26-04-2021</a:t>
+              <a:t>04-05-2021</a:t>
             </a:fld>
             <a:r>
               <a:rPr lang="da-DK" dirty="0"/>
@@ -8938,7 +8948,7 @@
             <a:fld id="{78417F83-4CBA-48F2-BAD0-783AE3701E32}" type="datetimeFigureOut">
               <a:rPr lang="da-DK" smtClean="0"/>
               <a:pPr/>
-              <a:t>26-04-2021</a:t>
+              <a:t>04-05-2021</a:t>
             </a:fld>
             <a:r>
               <a:rPr lang="da-DK"/>
@@ -9545,8 +9555,8 @@
         </p:nvSpPr>
         <p:spPr>
           <a:xfrm>
-            <a:off x="985838" y="2482343"/>
-            <a:ext cx="10220325" cy="1661993"/>
+            <a:off x="1008408" y="1412776"/>
+            <a:ext cx="10220325" cy="1828193"/>
           </a:xfrm>
         </p:spPr>
         <p:txBody>
@@ -9555,25 +9565,135 @@
           <a:p>
             <a:pPr algn="ctr"/>
             <a:r>
-              <a:rPr lang="da-DK" dirty="0"/>
-              <a:t>Language </a:t>
-            </a:r>
-            <a:r>
-              <a:rPr lang="da-DK" dirty="0" err="1"/>
+              <a:rPr lang="da-DK" sz="4400" dirty="0"/>
+              <a:t>Agent </a:t>
+            </a:r>
+            <a:r>
+              <a:rPr lang="da-DK" sz="4400" dirty="0" err="1"/>
+              <a:t>based</a:t>
+            </a:r>
+            <a:r>
+              <a:rPr lang="da-DK" sz="4400" dirty="0"/>
+              <a:t> </a:t>
+            </a:r>
+            <a:r>
+              <a:rPr lang="da-DK" sz="4400" dirty="0" err="1"/>
+              <a:t>modelling</a:t>
+            </a:r>
+            <a:r>
+              <a:rPr lang="da-DK" sz="4400" dirty="0"/>
+              <a:t> of Language </a:t>
+            </a:r>
+            <a:r>
+              <a:rPr lang="da-DK" sz="4400" dirty="0" err="1"/>
               <a:t>development</a:t>
             </a:r>
             <a:r>
-              <a:rPr lang="da-DK" dirty="0"/>
+              <a:rPr lang="da-DK" sz="4400" dirty="0"/>
               <a:t> on </a:t>
             </a:r>
             <a:r>
-              <a:rPr lang="da-DK" dirty="0" err="1"/>
+              <a:rPr lang="da-DK" sz="4400" dirty="0" err="1"/>
               <a:t>SktThomas</a:t>
             </a:r>
-            <a:endParaRPr lang="da-DK" dirty="0"/>
-          </a:p>
-        </p:txBody>
-      </p:sp>
+            <a:endParaRPr lang="da-DK" sz="4400" dirty="0"/>
+          </a:p>
+        </p:txBody>
+      </p:sp>
+      <p:pic>
+        <p:nvPicPr>
+          <p:cNvPr id="3" name="Picture 2">
+            <a:extLst>
+              <a:ext uri="{FF2B5EF4-FFF2-40B4-BE49-F238E27FC236}">
+                <a16:creationId xmlns:a16="http://schemas.microsoft.com/office/drawing/2014/main" id="{1BE240DF-8DD7-483B-8C1F-E596FCAB5A66}"/>
+              </a:ext>
+            </a:extLst>
+          </p:cNvPr>
+          <p:cNvPicPr>
+            <a:picLocks noChangeAspect="1" noChangeArrowheads="1"/>
+          </p:cNvPicPr>
+          <p:nvPr/>
+        </p:nvPicPr>
+        <p:blipFill>
+          <a:blip r:embed="rId3">
+            <a:extLst>
+              <a:ext uri="{28A0092B-C50C-407E-A947-70E740481C1C}">
+                <a14:useLocalDpi xmlns:a14="http://schemas.microsoft.com/office/drawing/2010/main" val="0"/>
+              </a:ext>
+            </a:extLst>
+          </a:blip>
+          <a:srcRect/>
+          <a:stretch>
+            <a:fillRect/>
+          </a:stretch>
+        </p:blipFill>
+        <p:spPr bwMode="auto">
+          <a:xfrm>
+            <a:off x="7059249" y="4215311"/>
+            <a:ext cx="1478657" cy="1478657"/>
+          </a:xfrm>
+          <a:prstGeom prst="rect">
+            <a:avLst/>
+          </a:prstGeom>
+          <a:noFill/>
+          <a:extLst>
+            <a:ext uri="{909E8E84-426E-40DD-AFC4-6F175D3DCCD1}">
+              <a14:hiddenFill xmlns:a14="http://schemas.microsoft.com/office/drawing/2010/main">
+                <a:solidFill>
+                  <a:srgbClr val="FFFFFF"/>
+                </a:solidFill>
+              </a14:hiddenFill>
+            </a:ext>
+          </a:extLst>
+        </p:spPr>
+      </p:pic>
+      <p:pic>
+        <p:nvPicPr>
+          <p:cNvPr id="4" name="Picture 3" descr="logo">
+            <a:extLst>
+              <a:ext uri="{FF2B5EF4-FFF2-40B4-BE49-F238E27FC236}">
+                <a16:creationId xmlns:a16="http://schemas.microsoft.com/office/drawing/2014/main" id="{C020938F-F669-49C4-AA7E-2AF9DA13E0F6}"/>
+              </a:ext>
+            </a:extLst>
+          </p:cNvPr>
+          <p:cNvPicPr>
+            <a:picLocks noChangeAspect="1" noChangeArrowheads="1"/>
+          </p:cNvPicPr>
+          <p:nvPr/>
+        </p:nvPicPr>
+        <p:blipFill>
+          <a:blip r:embed="rId4">
+            <a:extLst>
+              <a:ext uri="{28A0092B-C50C-407E-A947-70E740481C1C}">
+                <a14:useLocalDpi xmlns:a14="http://schemas.microsoft.com/office/drawing/2010/main" val="0"/>
+              </a:ext>
+            </a:extLst>
+          </a:blip>
+          <a:srcRect/>
+          <a:stretch>
+            <a:fillRect/>
+          </a:stretch>
+        </p:blipFill>
+        <p:spPr bwMode="auto">
+          <a:xfrm>
+            <a:off x="9046740" y="4709722"/>
+            <a:ext cx="2816542" cy="489833"/>
+          </a:xfrm>
+          <a:prstGeom prst="rect">
+            <a:avLst/>
+          </a:prstGeom>
+          <a:noFill/>
+          <a:extLst>
+            <a:ext uri="{909E8E84-426E-40DD-AFC4-6F175D3DCCD1}">
+              <a14:hiddenFill xmlns:a14="http://schemas.microsoft.com/office/drawing/2010/main">
+                <a:solidFill>
+                  <a:srgbClr val="FFFFFF"/>
+                </a:solidFill>
+              </a14:hiddenFill>
+            </a:ext>
+          </a:extLst>
+        </p:spPr>
+      </p:pic>
     </p:spTree>
     <p:custDataLst>
       <p:tags r:id="rId1"/>
@@ -9612,7 +9732,7 @@
           <p:cNvPr id="2" name="Title 1">
             <a:extLst>
               <a:ext uri="{FF2B5EF4-FFF2-40B4-BE49-F238E27FC236}">
-                <a16:creationId xmlns:a16="http://schemas.microsoft.com/office/drawing/2014/main" id="{B0B05D0D-054D-437D-A29A-B9A30FA10FDB}"/>
+                <a16:creationId xmlns:a16="http://schemas.microsoft.com/office/drawing/2014/main" id="{7C54031D-B90E-4538-9217-358114AB1F30}"/>
               </a:ext>
             </a:extLst>
           </p:cNvPr>
@@ -9630,8 +9750,16 @@
           <a:p>
             <a:pPr algn="ctr"/>
             <a:r>
-              <a:rPr lang="en-GB" dirty="0"/>
-              <a:t>Outcome of the class</a:t>
+              <a:rPr lang="da-DK" dirty="0"/>
+              <a:t>The University </a:t>
+            </a:r>
+            <a:r>
+              <a:rPr lang="da-DK" dirty="0" err="1"/>
+              <a:t>curricular</a:t>
+            </a:r>
+            <a:r>
+              <a:rPr lang="da-DK" dirty="0"/>
+              <a:t> unit</a:t>
             </a:r>
             <a:endParaRPr lang="en-DK" dirty="0"/>
           </a:p>
@@ -9642,7 +9770,7 @@
           <p:cNvPr id="3" name="Content Placeholder 2">
             <a:extLst>
               <a:ext uri="{FF2B5EF4-FFF2-40B4-BE49-F238E27FC236}">
-                <a16:creationId xmlns:a16="http://schemas.microsoft.com/office/drawing/2014/main" id="{F01897E7-99BE-42EE-ABAA-95D55AD9B027}"/>
+                <a16:creationId xmlns:a16="http://schemas.microsoft.com/office/drawing/2014/main" id="{4989B015-9128-402D-A158-350F5B3B4A9E}"/>
               </a:ext>
             </a:extLst>
           </p:cNvPr>
@@ -9658,110 +9786,36 @@
           <a:bodyPr/>
           <a:lstStyle/>
           <a:p>
-            <a:endParaRPr lang="en-GB" dirty="0"/>
-          </a:p>
-          <a:p>
             <a:pPr>
               <a:buNone/>
             </a:pPr>
-            <a:endParaRPr lang="en-GB" dirty="0"/>
-          </a:p>
-          <a:p>
+            <a:r>
+              <a:rPr lang="en-GB" b="1" dirty="0"/>
+              <a:t>Linguistics, BA and MA (2-hour lecture &amp; workshop)</a:t>
+            </a:r>
+          </a:p>
+          <a:p>
+            <a:pPr marL="342900" indent="-342900">
+              <a:buFont typeface="Arial" panose="020B0604020202020204" pitchFamily="34" charset="0"/>
+              <a:buChar char="•"/>
+            </a:pPr>
             <a:r>
               <a:rPr lang="en-GB" dirty="0"/>
-              <a:t>- Get acquainted with the use of computational models in research</a:t>
-            </a:r>
-          </a:p>
-          <a:p>
-            <a:endParaRPr lang="en-GB" dirty="0"/>
-          </a:p>
-          <a:p>
-            <a:endParaRPr lang="en-GB" dirty="0"/>
-          </a:p>
-          <a:p>
+              <a:t>What are models, and how do they embody ‘theory’?</a:t>
+            </a:r>
+          </a:p>
+          <a:p>
+            <a:pPr marL="342900" indent="-342900">
+              <a:buFont typeface="Arial" panose="020B0604020202020204" pitchFamily="34" charset="0"/>
+              <a:buChar char="•"/>
+            </a:pPr>
             <a:r>
               <a:rPr lang="en-GB" dirty="0"/>
-              <a:t>- </a:t>
-            </a:r>
-            <a:r>
-              <a:rPr lang="da-DK" dirty="0"/>
-              <a:t>Agent </a:t>
-            </a:r>
-            <a:r>
-              <a:rPr lang="da-DK" dirty="0" err="1"/>
-              <a:t>Based</a:t>
-            </a:r>
-            <a:r>
-              <a:rPr lang="da-DK" dirty="0"/>
-              <a:t> Models as a </a:t>
-            </a:r>
-            <a:r>
-              <a:rPr lang="da-DK" dirty="0" err="1"/>
-              <a:t>tool</a:t>
-            </a:r>
-            <a:r>
-              <a:rPr lang="da-DK" dirty="0"/>
-              <a:t> to understand the </a:t>
-            </a:r>
-            <a:r>
-              <a:rPr lang="da-DK" dirty="0" err="1"/>
-              <a:t>dynamics</a:t>
-            </a:r>
-            <a:r>
-              <a:rPr lang="da-DK" dirty="0"/>
-              <a:t> of </a:t>
-            </a:r>
-            <a:r>
-              <a:rPr lang="da-DK" dirty="0" err="1"/>
-              <a:t>complex</a:t>
-            </a:r>
-            <a:r>
-              <a:rPr lang="da-DK" dirty="0"/>
-              <a:t> systems (</a:t>
-            </a:r>
-            <a:r>
-              <a:rPr lang="da-DK" dirty="0" err="1"/>
-              <a:t>language</a:t>
-            </a:r>
-            <a:r>
-              <a:rPr lang="da-DK" dirty="0"/>
-              <a:t> </a:t>
-            </a:r>
-            <a:r>
-              <a:rPr lang="da-DK" dirty="0" err="1"/>
-              <a:t>development</a:t>
-            </a:r>
-            <a:r>
-              <a:rPr lang="da-DK" dirty="0"/>
-              <a:t> on </a:t>
-            </a:r>
-            <a:r>
-              <a:rPr lang="da-DK" dirty="0" err="1"/>
-              <a:t>SktThomas</a:t>
-            </a:r>
-            <a:r>
-              <a:rPr lang="da-DK" dirty="0"/>
-              <a:t> in </a:t>
-            </a:r>
-            <a:r>
-              <a:rPr lang="da-DK" dirty="0" err="1"/>
-              <a:t>this</a:t>
-            </a:r>
-            <a:r>
-              <a:rPr lang="da-DK" dirty="0"/>
-              <a:t> </a:t>
-            </a:r>
-            <a:r>
-              <a:rPr lang="da-DK" dirty="0" err="1"/>
-              <a:t>instance</a:t>
-            </a:r>
-            <a:r>
-              <a:rPr lang="da-DK" dirty="0"/>
-              <a:t>)</a:t>
-            </a:r>
-          </a:p>
-          <a:p>
-            <a:endParaRPr lang="da-DK" dirty="0"/>
+              <a:t>What are the limitations of models, and how does that affect what we can know with a model?</a:t>
+            </a:r>
+          </a:p>
+          <a:p>
+            <a:endParaRPr lang="en-US" dirty="0"/>
           </a:p>
           <a:p>
             <a:endParaRPr lang="en-DK" dirty="0"/>
@@ -9773,7 +9827,7 @@
           <p:cNvPr id="4" name="Date Placeholder 3">
             <a:extLst>
               <a:ext uri="{FF2B5EF4-FFF2-40B4-BE49-F238E27FC236}">
-                <a16:creationId xmlns:a16="http://schemas.microsoft.com/office/drawing/2014/main" id="{E3387D70-7B00-44DD-A139-298D76293441}"/>
+                <a16:creationId xmlns:a16="http://schemas.microsoft.com/office/drawing/2014/main" id="{D8E35336-EB6F-4D24-806E-DD471296C113}"/>
               </a:ext>
             </a:extLst>
           </p:cNvPr>
@@ -9789,9 +9843,9 @@
           <a:bodyPr/>
           <a:lstStyle/>
           <a:p>
-            <a:fld id="{08FC4984-4D2F-4D18-8CCC-C258B92EB11B}" type="datetime1">
+            <a:fld id="{6A738EED-D014-4517-9F81-EEA0CA3BE1DD}" type="datetime1">
               <a:rPr lang="da-DK" smtClean="0"/>
-              <a:t>26-04-2021</a:t>
+              <a:t>04-05-2021</a:t>
             </a:fld>
             <a:r>
               <a:rPr lang="da-DK"/>
@@ -9801,10 +9855,40 @@
           </a:p>
         </p:txBody>
       </p:sp>
+      <p:pic>
+        <p:nvPicPr>
+          <p:cNvPr id="6" name="Picture 5">
+            <a:extLst>
+              <a:ext uri="{FF2B5EF4-FFF2-40B4-BE49-F238E27FC236}">
+                <a16:creationId xmlns:a16="http://schemas.microsoft.com/office/drawing/2014/main" id="{2A7BB63C-9678-4127-B306-D73052121A05}"/>
+              </a:ext>
+            </a:extLst>
+          </p:cNvPr>
+          <p:cNvPicPr>
+            <a:picLocks noChangeAspect="1"/>
+          </p:cNvPicPr>
+          <p:nvPr/>
+        </p:nvPicPr>
+        <p:blipFill>
+          <a:blip r:embed="rId2"/>
+          <a:stretch>
+            <a:fillRect/>
+          </a:stretch>
+        </p:blipFill>
+        <p:spPr>
+          <a:xfrm>
+            <a:off x="3718148" y="3645024"/>
+            <a:ext cx="5089961" cy="2393627"/>
+          </a:xfrm>
+          <a:prstGeom prst="rect">
+            <a:avLst/>
+          </a:prstGeom>
+        </p:spPr>
+      </p:pic>
     </p:spTree>
     <p:extLst>
       <p:ext uri="{BB962C8B-B14F-4D97-AF65-F5344CB8AC3E}">
-        <p14:creationId xmlns:p14="http://schemas.microsoft.com/office/powerpoint/2010/main" val="3857496078"/>
+        <p14:creationId xmlns:p14="http://schemas.microsoft.com/office/powerpoint/2010/main" val="2514723404"/>
       </p:ext>
     </p:extLst>
   </p:cSld>
@@ -9833,13 +9917,7 @@
       </p:grpSpPr>
       <p:sp>
         <p:nvSpPr>
-          <p:cNvPr id="2" name="Title 1">
-            <a:extLst>
-              <a:ext uri="{FF2B5EF4-FFF2-40B4-BE49-F238E27FC236}">
-                <a16:creationId xmlns:a16="http://schemas.microsoft.com/office/drawing/2014/main" id="{7C54031D-B90E-4538-9217-358114AB1F30}"/>
-              </a:ext>
-            </a:extLst>
-          </p:cNvPr>
+          <p:cNvPr id="3" name="Title 2"/>
           <p:cNvSpPr>
             <a:spLocks noGrp="1"/>
           </p:cNvSpPr>
@@ -9852,20 +9930,16 @@
           <a:bodyPr/>
           <a:lstStyle/>
           <a:p>
-            <a:pPr algn="ctr"/>
-            <a:endParaRPr lang="en-DK" dirty="0"/>
-          </a:p>
-        </p:txBody>
-      </p:sp>
-      <p:sp>
-        <p:nvSpPr>
-          <p:cNvPr id="3" name="Content Placeholder 2">
-            <a:extLst>
-              <a:ext uri="{FF2B5EF4-FFF2-40B4-BE49-F238E27FC236}">
-                <a16:creationId xmlns:a16="http://schemas.microsoft.com/office/drawing/2014/main" id="{4989B015-9128-402D-A158-350F5B3B4A9E}"/>
-              </a:ext>
-            </a:extLst>
-          </p:cNvPr>
+            <a:r>
+              <a:rPr lang="en-US" dirty="0"/>
+              <a:t>What big question does the model answer?</a:t>
+            </a:r>
+          </a:p>
+        </p:txBody>
+      </p:sp>
+      <p:sp>
+        <p:nvSpPr>
+          <p:cNvPr id="5" name="Content Placeholder 4"/>
           <p:cNvSpPr>
             <a:spLocks noGrp="1"/>
           </p:cNvSpPr>
@@ -9878,47 +9952,58 @@
           <a:bodyPr/>
           <a:lstStyle/>
           <a:p>
-            <a:endParaRPr lang="en-DK"/>
-          </a:p>
-        </p:txBody>
-      </p:sp>
-      <p:sp>
-        <p:nvSpPr>
-          <p:cNvPr id="4" name="Date Placeholder 3">
-            <a:extLst>
-              <a:ext uri="{FF2B5EF4-FFF2-40B4-BE49-F238E27FC236}">
-                <a16:creationId xmlns:a16="http://schemas.microsoft.com/office/drawing/2014/main" id="{D8E35336-EB6F-4D24-806E-DD471296C113}"/>
-              </a:ext>
-            </a:extLst>
-          </p:cNvPr>
-          <p:cNvSpPr>
-            <a:spLocks noGrp="1"/>
-          </p:cNvSpPr>
-          <p:nvPr>
-            <p:ph type="dt" sz="half" idx="10"/>
-          </p:nvPr>
-        </p:nvSpPr>
-        <p:spPr/>
-        <p:txBody>
-          <a:bodyPr/>
-          <a:lstStyle/>
-          <a:p>
-            <a:fld id="{6A738EED-D014-4517-9F81-EEA0CA3BE1DD}" type="datetime1">
-              <a:rPr lang="da-DK" smtClean="0"/>
-              <a:t>26-04-2021</a:t>
-            </a:fld>
-            <a:r>
-              <a:rPr lang="da-DK"/>
-              <a:t>26-04-2021</a:t>
-            </a:r>
-            <a:endParaRPr lang="da-DK" dirty="0"/>
+            <a:pPr>
+              <a:buNone/>
+            </a:pPr>
+            <a:endParaRPr lang="en-US" sz="2200" b="1" dirty="0"/>
+          </a:p>
+          <a:p>
+            <a:pPr>
+              <a:buNone/>
+            </a:pPr>
+            <a:r>
+              <a:rPr lang="en-US" sz="2200" b="1" dirty="0"/>
+              <a:t>What model assumptions must be there for the simulation to result in convergence on a common language?</a:t>
+            </a:r>
+          </a:p>
+          <a:p>
+            <a:pPr>
+              <a:buNone/>
+            </a:pPr>
+            <a:endParaRPr lang="en-US" sz="2200" b="1" dirty="0"/>
+          </a:p>
+          <a:p>
+            <a:pPr marL="342900" indent="-342900">
+              <a:buFont typeface="Arial" panose="020B0604020202020204" pitchFamily="34" charset="0"/>
+              <a:buChar char="•"/>
+            </a:pPr>
+            <a:endParaRPr lang="en-US" dirty="0"/>
+          </a:p>
+          <a:p>
+            <a:pPr marL="342900" indent="-342900">
+              <a:buFont typeface="Arial" panose="020B0604020202020204" pitchFamily="34" charset="0"/>
+              <a:buChar char="•"/>
+            </a:pPr>
+            <a:r>
+              <a:rPr lang="en-US" dirty="0"/>
+              <a:t>The model / simulation is a virtual lab</a:t>
+            </a:r>
+          </a:p>
+          <a:p>
+            <a:pPr>
+              <a:buNone/>
+            </a:pPr>
+            <a:endParaRPr lang="en-US" dirty="0"/>
           </a:p>
         </p:txBody>
       </p:sp>
     </p:spTree>
+    <p:custDataLst>
+      <p:tags r:id="rId1"/>
+    </p:custDataLst>
     <p:extLst>
       <p:ext uri="{BB962C8B-B14F-4D97-AF65-F5344CB8AC3E}">
-        <p14:creationId xmlns:p14="http://schemas.microsoft.com/office/powerpoint/2010/main" val="2514723404"/>
+        <p14:creationId xmlns:p14="http://schemas.microsoft.com/office/powerpoint/2010/main" val="1530734200"/>
       </p:ext>
     </p:extLst>
   </p:cSld>
@@ -9966,7 +10051,11 @@
           <a:bodyPr/>
           <a:lstStyle/>
           <a:p>
-            <a:endParaRPr lang="en-DK"/>
+            <a:r>
+              <a:rPr lang="en-US" dirty="0"/>
+              <a:t>Limitations</a:t>
+            </a:r>
+            <a:endParaRPr lang="en-DK" dirty="0"/>
           </a:p>
         </p:txBody>
       </p:sp>
@@ -9991,7 +10080,85 @@
           <a:bodyPr/>
           <a:lstStyle/>
           <a:p>
-            <a:endParaRPr lang="en-DK"/>
+            <a:pPr marL="342900" indent="-342900"/>
+            <a:endParaRPr lang="en-US" dirty="0"/>
+          </a:p>
+          <a:p>
+            <a:pPr>
+              <a:buNone/>
+            </a:pPr>
+            <a:endParaRPr lang="en-US" dirty="0"/>
+          </a:p>
+          <a:p>
+            <a:pPr marL="342900" indent="-342900">
+              <a:buFont typeface="Arial" panose="020B0604020202020204" pitchFamily="34" charset="0"/>
+              <a:buChar char="•"/>
+            </a:pPr>
+            <a:r>
+              <a:rPr lang="en-US" sz="2000" dirty="0"/>
+              <a:t>Remember: the model is a simplification of reality</a:t>
+            </a:r>
+          </a:p>
+          <a:p>
+            <a:pPr marL="342900" indent="-342900">
+              <a:buFont typeface="Arial" panose="020B0604020202020204" pitchFamily="34" charset="0"/>
+              <a:buChar char="•"/>
+            </a:pPr>
+            <a:endParaRPr lang="en-US" dirty="0"/>
+          </a:p>
+          <a:p>
+            <a:pPr marL="342900" indent="-342900">
+              <a:buFont typeface="Arial" panose="020B0604020202020204" pitchFamily="34" charset="0"/>
+              <a:buChar char="•"/>
+            </a:pPr>
+            <a:r>
+              <a:rPr lang="en-US" sz="2000" dirty="0"/>
+              <a:t>What does it NOT include?</a:t>
+            </a:r>
+          </a:p>
+          <a:p>
+            <a:pPr marL="774900" lvl="1" indent="-342900"/>
+            <a:r>
+              <a:rPr lang="en-US" sz="1400" dirty="0"/>
+              <a:t>The lexical development of the population</a:t>
+            </a:r>
+          </a:p>
+          <a:p>
+            <a:pPr marL="342900" indent="-342900">
+              <a:buFont typeface="Arial" panose="020B0604020202020204" pitchFamily="34" charset="0"/>
+              <a:buChar char="•"/>
+            </a:pPr>
+            <a:endParaRPr lang="en-US" dirty="0"/>
+          </a:p>
+          <a:p>
+            <a:pPr marL="342900" indent="-342900">
+              <a:buFont typeface="Arial" panose="020B0604020202020204" pitchFamily="34" charset="0"/>
+              <a:buChar char="•"/>
+            </a:pPr>
+            <a:endParaRPr lang="en-US" sz="2000" dirty="0"/>
+          </a:p>
+          <a:p>
+            <a:pPr marL="342900" indent="-342900">
+              <a:buFont typeface="Arial" panose="020B0604020202020204" pitchFamily="34" charset="0"/>
+              <a:buChar char="•"/>
+            </a:pPr>
+            <a:endParaRPr lang="en-US" dirty="0"/>
+          </a:p>
+          <a:p>
+            <a:pPr marL="342900" indent="-342900"/>
+            <a:endParaRPr lang="en-US" dirty="0"/>
+          </a:p>
+          <a:p>
+            <a:pPr marL="342900" indent="-342900"/>
+            <a:endParaRPr lang="en-US" dirty="0"/>
+          </a:p>
+          <a:p>
+            <a:pPr marL="342900" indent="-342900"/>
+            <a:endParaRPr lang="en-US" dirty="0"/>
+          </a:p>
+          <a:p>
+            <a:pPr marL="342900" indent="-342900"/>
+            <a:endParaRPr lang="en-US" dirty="0"/>
           </a:p>
         </p:txBody>
       </p:sp>
@@ -10018,7 +10185,7 @@
           <a:p>
             <a:fld id="{8187665F-DB8B-4FE9-A720-86C04E6E45E4}" type="datetime1">
               <a:rPr lang="da-DK" smtClean="0"/>
-              <a:t>26-04-2021</a:t>
+              <a:t>05-05-2021</a:t>
             </a:fld>
             <a:r>
               <a:rPr lang="da-DK"/>
@@ -10031,7 +10198,7 @@
     </p:spTree>
     <p:extLst>
       <p:ext uri="{BB962C8B-B14F-4D97-AF65-F5344CB8AC3E}">
-        <p14:creationId xmlns:p14="http://schemas.microsoft.com/office/powerpoint/2010/main" val="2664871700"/>
+        <p14:creationId xmlns:p14="http://schemas.microsoft.com/office/powerpoint/2010/main" val="570356776"/>
       </p:ext>
     </p:extLst>
   </p:cSld>
@@ -10060,7 +10227,13 @@
       </p:grpSpPr>
       <p:sp>
         <p:nvSpPr>
-          <p:cNvPr id="4" name="Title 3"/>
+          <p:cNvPr id="2" name="Title 1">
+            <a:extLst>
+              <a:ext uri="{FF2B5EF4-FFF2-40B4-BE49-F238E27FC236}">
+                <a16:creationId xmlns:a16="http://schemas.microsoft.com/office/drawing/2014/main" id="{80B52791-91D2-4A40-A255-9DE3C3775730}"/>
+              </a:ext>
+            </a:extLst>
+          </p:cNvPr>
           <p:cNvSpPr>
             <a:spLocks noGrp="1"/>
           </p:cNvSpPr>
@@ -10074,15 +10247,22 @@
           <a:lstStyle/>
           <a:p>
             <a:r>
-              <a:rPr lang="da-DK" dirty="0"/>
-              <a:t>Overordnet indhold (note-slide)</a:t>
-            </a:r>
-          </a:p>
-        </p:txBody>
-      </p:sp>
-      <p:sp>
-        <p:nvSpPr>
-          <p:cNvPr id="5" name="Content Placeholder 4"/>
+              <a:rPr lang="en-US" dirty="0"/>
+              <a:t>Development of language</a:t>
+            </a:r>
+            <a:endParaRPr lang="en-DK" dirty="0"/>
+          </a:p>
+        </p:txBody>
+      </p:sp>
+      <p:sp>
+        <p:nvSpPr>
+          <p:cNvPr id="3" name="Content Placeholder 2">
+            <a:extLst>
+              <a:ext uri="{FF2B5EF4-FFF2-40B4-BE49-F238E27FC236}">
+                <a16:creationId xmlns:a16="http://schemas.microsoft.com/office/drawing/2014/main" id="{7500B101-62D7-4D25-AE2A-6B99F00B0A9D}"/>
+              </a:ext>
+            </a:extLst>
+          </p:cNvPr>
           <p:cNvSpPr>
             <a:spLocks noGrp="1"/>
           </p:cNvSpPr>
@@ -10095,221 +10275,227 @@
           <a:bodyPr/>
           <a:lstStyle/>
           <a:p>
-            <a:r>
-              <a:rPr lang="en-GB" dirty="0" err="1"/>
-              <a:t>Overordnet</a:t>
-            </a:r>
-            <a:r>
-              <a:rPr lang="en-GB" dirty="0"/>
-              <a:t> </a:t>
-            </a:r>
-            <a:r>
-              <a:rPr lang="en-GB" dirty="0" err="1"/>
-              <a:t>indhold</a:t>
-            </a:r>
-            <a:r>
-              <a:rPr lang="en-GB" dirty="0"/>
-              <a:t>:</a:t>
-            </a:r>
-            <a:br>
-              <a:rPr lang="en-GB" dirty="0"/>
-            </a:br>
-            <a:endParaRPr lang="en-GB" dirty="0"/>
-          </a:p>
-          <a:p>
-            <a:pPr marL="457200" indent="-457200">
-              <a:buFont typeface="+mj-lt"/>
-              <a:buAutoNum type="arabicPeriod"/>
+            <a:pPr marL="342900" indent="-342900"/>
+            <a:endParaRPr lang="en-US" dirty="0"/>
+          </a:p>
+          <a:p>
+            <a:pPr marL="342900" indent="-342900">
+              <a:buFont typeface="Arial" panose="020B0604020202020204" pitchFamily="34" charset="0"/>
+              <a:buChar char="•"/>
             </a:pPr>
-            <a:r>
-              <a:rPr lang="en-GB" dirty="0" err="1"/>
-              <a:t>Undervisningskontekst</a:t>
-            </a:r>
-            <a:endParaRPr lang="en-GB" dirty="0"/>
-          </a:p>
-          <a:p>
-            <a:pPr marL="457200" indent="-457200">
-              <a:buFont typeface="+mj-lt"/>
-              <a:buAutoNum type="arabicPeriod"/>
+            <a:endParaRPr lang="en-US" dirty="0"/>
+          </a:p>
+          <a:p>
+            <a:pPr marL="342900" indent="-342900">
+              <a:buFont typeface="Arial" panose="020B0604020202020204" pitchFamily="34" charset="0"/>
+              <a:buChar char="•"/>
             </a:pPr>
-            <a:r>
-              <a:rPr lang="en-GB" dirty="0" err="1"/>
-              <a:t>Agentadfærd</a:t>
-            </a:r>
-            <a:endParaRPr lang="en-GB" dirty="0"/>
-          </a:p>
-          <a:p>
-            <a:pPr marL="457200" indent="-457200">
-              <a:buFont typeface="+mj-lt"/>
-              <a:buAutoNum type="arabicPeriod"/>
+            <a:endParaRPr lang="en-US" dirty="0"/>
+          </a:p>
+          <a:p>
+            <a:pPr marL="342900" indent="-342900">
+              <a:buFont typeface="Arial" panose="020B0604020202020204" pitchFamily="34" charset="0"/>
+              <a:buChar char="•"/>
             </a:pPr>
             <a:r>
-              <a:rPr lang="en-GB" dirty="0"/>
-              <a:t>Widgets &amp; interface</a:t>
-            </a:r>
-          </a:p>
-          <a:p>
-            <a:pPr marL="457200" indent="-457200">
-              <a:buFont typeface="+mj-lt"/>
-              <a:buAutoNum type="arabicPeriod"/>
-            </a:pPr>
-            <a:r>
-              <a:rPr lang="en-GB" dirty="0"/>
-              <a:t>Det store </a:t>
-            </a:r>
-            <a:r>
-              <a:rPr lang="en-GB" dirty="0" err="1"/>
-              <a:t>spørgsmål</a:t>
-            </a:r>
-            <a:r>
-              <a:rPr lang="en-GB" dirty="0"/>
-              <a:t>, </a:t>
-            </a:r>
-            <a:r>
-              <a:rPr lang="en-GB" dirty="0" err="1"/>
-              <a:t>modellen</a:t>
-            </a:r>
-            <a:r>
-              <a:rPr lang="en-GB" dirty="0"/>
-              <a:t> </a:t>
-            </a:r>
-            <a:r>
-              <a:rPr lang="en-GB" dirty="0" err="1"/>
-              <a:t>besvarer</a:t>
-            </a:r>
-            <a:endParaRPr lang="en-GB" dirty="0"/>
-          </a:p>
-          <a:p>
-            <a:pPr marL="457200" indent="-457200">
-              <a:buFont typeface="+mj-lt"/>
-              <a:buAutoNum type="arabicPeriod"/>
-            </a:pPr>
-            <a:r>
-              <a:rPr lang="en-GB" dirty="0"/>
-              <a:t>Mere </a:t>
-            </a:r>
-            <a:r>
-              <a:rPr lang="en-GB" dirty="0" err="1"/>
-              <a:t>specifikke</a:t>
-            </a:r>
-            <a:r>
-              <a:rPr lang="en-GB" dirty="0"/>
-              <a:t> </a:t>
-            </a:r>
-            <a:r>
-              <a:rPr lang="en-GB" dirty="0" err="1"/>
-              <a:t>eksempler</a:t>
-            </a:r>
-            <a:r>
-              <a:rPr lang="en-GB" dirty="0"/>
-              <a:t> </a:t>
-            </a:r>
-            <a:r>
-              <a:rPr lang="en-GB" dirty="0" err="1"/>
-              <a:t>og</a:t>
-            </a:r>
-            <a:r>
-              <a:rPr lang="en-GB" dirty="0"/>
-              <a:t> </a:t>
-            </a:r>
-            <a:r>
-              <a:rPr lang="en-GB" dirty="0" err="1"/>
-              <a:t>sammenligning</a:t>
-            </a:r>
-            <a:r>
-              <a:rPr lang="en-GB" dirty="0"/>
-              <a:t>. </a:t>
-            </a:r>
-            <a:r>
-              <a:rPr lang="en-GB" dirty="0" err="1"/>
-              <a:t>F.eks</a:t>
-            </a:r>
-            <a:r>
-              <a:rPr lang="en-GB" dirty="0"/>
-              <a:t>. </a:t>
-            </a:r>
-            <a:r>
-              <a:rPr lang="en-GB" dirty="0" err="1"/>
-              <a:t>økonomi</a:t>
-            </a:r>
-            <a:r>
-              <a:rPr lang="en-GB" dirty="0"/>
-              <a:t> &gt;&lt; </a:t>
-            </a:r>
-            <a:r>
-              <a:rPr lang="en-GB" dirty="0" err="1"/>
-              <a:t>sundhed</a:t>
-            </a:r>
-            <a:r>
-              <a:rPr lang="en-GB" dirty="0"/>
-              <a:t>. </a:t>
-            </a:r>
-            <a:r>
-              <a:rPr lang="en-GB" dirty="0" err="1"/>
-              <a:t>Forklar</a:t>
-            </a:r>
-            <a:r>
-              <a:rPr lang="en-GB" dirty="0"/>
-              <a:t>: </a:t>
-            </a:r>
-            <a:r>
-              <a:rPr lang="en-GB" dirty="0" err="1"/>
-              <a:t>hvorfor</a:t>
-            </a:r>
-            <a:r>
-              <a:rPr lang="en-GB" dirty="0"/>
-              <a:t> er det </a:t>
-            </a:r>
-            <a:r>
-              <a:rPr lang="en-GB" dirty="0" err="1"/>
-              <a:t>en</a:t>
-            </a:r>
-            <a:r>
-              <a:rPr lang="en-GB" dirty="0"/>
-              <a:t> </a:t>
-            </a:r>
-            <a:r>
-              <a:rPr lang="en-GB" dirty="0" err="1"/>
-              <a:t>spændende</a:t>
-            </a:r>
-            <a:r>
-              <a:rPr lang="en-GB" dirty="0"/>
-              <a:t> </a:t>
-            </a:r>
-            <a:r>
-              <a:rPr lang="en-GB" dirty="0" err="1"/>
-              <a:t>kontrast</a:t>
-            </a:r>
-            <a:r>
-              <a:rPr lang="en-GB" dirty="0"/>
-              <a:t>?</a:t>
-            </a:r>
-          </a:p>
-          <a:p>
-            <a:pPr marL="457200" indent="-457200">
-              <a:buFont typeface="+mj-lt"/>
-              <a:buAutoNum type="arabicPeriod"/>
-            </a:pPr>
-            <a:r>
-              <a:rPr lang="en-GB" dirty="0"/>
-              <a:t>"Download to try it out for yourself!"</a:t>
+              <a:rPr lang="en-US" dirty="0"/>
+              <a:t>How their language is represented</a:t>
             </a:r>
           </a:p>
           <a:p>
             <a:pPr>
               <a:buNone/>
             </a:pPr>
+            <a:endParaRPr lang="en-US" dirty="0"/>
+          </a:p>
+          <a:p>
+            <a:pPr marL="342900" indent="-342900">
+              <a:buFont typeface="Arial" panose="020B0604020202020204" pitchFamily="34" charset="0"/>
+              <a:buChar char="•"/>
+            </a:pPr>
+            <a:r>
+              <a:rPr lang="en-US" dirty="0"/>
+              <a:t>WALS-Features </a:t>
+            </a:r>
+          </a:p>
+          <a:p>
+            <a:pPr marL="342900" indent="-342900">
+              <a:buFont typeface="Arial" panose="020B0604020202020204" pitchFamily="34" charset="0"/>
+              <a:buChar char="•"/>
+            </a:pPr>
+            <a:endParaRPr lang="en-US" dirty="0"/>
+          </a:p>
+          <a:p>
+            <a:pPr marL="342900" indent="-342900">
+              <a:buFont typeface="Arial" panose="020B0604020202020204" pitchFamily="34" charset="0"/>
+              <a:buChar char="•"/>
+            </a:pPr>
+            <a:r>
+              <a:rPr lang="en-US" dirty="0"/>
+              <a:t>Phonetic and Grammatical</a:t>
+            </a:r>
+          </a:p>
+          <a:p>
+            <a:pPr marL="342900" indent="-342900"/>
+            <a:endParaRPr lang="en-US" dirty="0"/>
+          </a:p>
+          <a:p>
+            <a:pPr marL="342900" indent="-342900"/>
+            <a:endParaRPr lang="en-US" dirty="0"/>
+          </a:p>
+          <a:p>
+            <a:pPr marL="342900" indent="-342900"/>
+            <a:endParaRPr lang="en-US" dirty="0"/>
+          </a:p>
+          <a:p>
+            <a:pPr marL="342900" indent="-342900"/>
+            <a:endParaRPr lang="en-US" dirty="0"/>
+          </a:p>
+          <a:p>
+            <a:pPr marL="342900" indent="-342900"/>
+            <a:endParaRPr lang="en-US" dirty="0"/>
+          </a:p>
+        </p:txBody>
+      </p:sp>
+      <p:sp>
+        <p:nvSpPr>
+          <p:cNvPr id="4" name="Date Placeholder 3">
+            <a:extLst>
+              <a:ext uri="{FF2B5EF4-FFF2-40B4-BE49-F238E27FC236}">
+                <a16:creationId xmlns:a16="http://schemas.microsoft.com/office/drawing/2014/main" id="{696BCBD1-E5ED-4B98-B472-4981EDA29936}"/>
+              </a:ext>
+            </a:extLst>
+          </p:cNvPr>
+          <p:cNvSpPr>
+            <a:spLocks noGrp="1"/>
+          </p:cNvSpPr>
+          <p:nvPr>
+            <p:ph type="dt" sz="half" idx="10"/>
+          </p:nvPr>
+        </p:nvSpPr>
+        <p:spPr/>
+        <p:txBody>
+          <a:bodyPr/>
+          <a:lstStyle/>
+          <a:p>
+            <a:fld id="{8187665F-DB8B-4FE9-A720-86C04E6E45E4}" type="datetime1">
+              <a:rPr lang="da-DK" smtClean="0"/>
+              <a:t>04-05-2021</a:t>
+            </a:fld>
+            <a:r>
+              <a:rPr lang="da-DK"/>
+              <a:t>26-04-2021</a:t>
+            </a:r>
             <a:endParaRPr lang="da-DK" dirty="0"/>
           </a:p>
         </p:txBody>
       </p:sp>
+      <p:pic>
+        <p:nvPicPr>
+          <p:cNvPr id="8" name="Picture 7">
+            <a:extLst>
+              <a:ext uri="{FF2B5EF4-FFF2-40B4-BE49-F238E27FC236}">
+                <a16:creationId xmlns:a16="http://schemas.microsoft.com/office/drawing/2014/main" id="{3D8F2A41-5F6A-49BD-8F4F-ACF0D55090A3}"/>
+              </a:ext>
+            </a:extLst>
+          </p:cNvPr>
+          <p:cNvPicPr>
+            <a:picLocks noChangeAspect="1"/>
+          </p:cNvPicPr>
+          <p:nvPr/>
+        </p:nvPicPr>
+        <p:blipFill>
+          <a:blip r:embed="rId2"/>
+          <a:stretch>
+            <a:fillRect/>
+          </a:stretch>
+        </p:blipFill>
+        <p:spPr>
+          <a:xfrm>
+            <a:off x="5333748" y="2129879"/>
+            <a:ext cx="6487988" cy="3597884"/>
+          </a:xfrm>
+          <a:prstGeom prst="rect">
+            <a:avLst/>
+          </a:prstGeom>
+        </p:spPr>
+      </p:pic>
+      <p:sp>
+        <p:nvSpPr>
+          <p:cNvPr id="9" name="Arrow: Right 8">
+            <a:extLst>
+              <a:ext uri="{FF2B5EF4-FFF2-40B4-BE49-F238E27FC236}">
+                <a16:creationId xmlns:a16="http://schemas.microsoft.com/office/drawing/2014/main" id="{C46B42DB-3152-434F-B6F2-144F5743F0CB}"/>
+              </a:ext>
+            </a:extLst>
+          </p:cNvPr>
+          <p:cNvSpPr/>
+          <p:nvPr/>
+        </p:nvSpPr>
+        <p:spPr bwMode="auto">
+          <a:xfrm>
+            <a:off x="5014292" y="2420888"/>
+            <a:ext cx="288032" cy="144016"/>
+          </a:xfrm>
+          <a:prstGeom prst="rightArrow">
+            <a:avLst/>
+          </a:prstGeom>
+          <a:solidFill>
+            <a:schemeClr val="accent2"/>
+          </a:solidFill>
+          <a:ln w="1778" cap="flat" cmpd="sng" algn="ctr">
+            <a:solidFill>
+              <a:schemeClr val="accent2"/>
+            </a:solidFill>
+            <a:prstDash val="solid"/>
+            <a:round/>
+            <a:headEnd type="none" w="med" len="med"/>
+            <a:tailEnd type="none" w="med" len="med"/>
+          </a:ln>
+          <a:effectLst/>
+        </p:spPr>
+        <p:txBody>
+          <a:bodyPr vert="horz" wrap="square" lIns="91440" tIns="45720" rIns="91440" bIns="45720" numCol="1" rtlCol="0" anchor="t" anchorCtr="0" compatLnSpc="1">
+            <a:prstTxWarp prst="textNoShape">
+              <a:avLst/>
+            </a:prstTxWarp>
+            <a:noAutofit/>
+          </a:bodyPr>
+          <a:lstStyle/>
+          <a:p>
+            <a:pPr marL="0" marR="0" indent="0" algn="l" defTabSz="914400" rtl="0" eaLnBrk="1" fontAlgn="base" latinLnBrk="0" hangingPunct="1">
+              <a:lnSpc>
+                <a:spcPct val="95000"/>
+              </a:lnSpc>
+              <a:spcBef>
+                <a:spcPct val="0"/>
+              </a:spcBef>
+              <a:spcAft>
+                <a:spcPct val="0"/>
+              </a:spcAft>
+              <a:buClrTx/>
+              <a:buSzTx/>
+              <a:buFont typeface="AU Passata" pitchFamily="34" charset="0"/>
+              <a:buNone/>
+              <a:tabLst/>
+            </a:pPr>
+            <a:endParaRPr kumimoji="0" lang="en-DK" sz="1600" b="0" i="0" u="none" strike="noStrike" cap="none" normalizeH="0" baseline="0" dirty="0" err="1">
+              <a:ln>
+                <a:noFill/>
+              </a:ln>
+              <a:solidFill>
+                <a:schemeClr val="bg1"/>
+              </a:solidFill>
+              <a:effectLst/>
+              <a:latin typeface="AU Passata" pitchFamily="34" charset="0"/>
+            </a:endParaRPr>
+          </a:p>
+        </p:txBody>
+      </p:sp>
     </p:spTree>
-    <p:custDataLst>
-      <p:tags r:id="rId1"/>
-    </p:custDataLst>
     <p:extLst>
       <p:ext uri="{BB962C8B-B14F-4D97-AF65-F5344CB8AC3E}">
-        <p14:creationId xmlns:p14="http://schemas.microsoft.com/office/powerpoint/2010/main" val="409741556"/>
+        <p14:creationId xmlns:p14="http://schemas.microsoft.com/office/powerpoint/2010/main" val="2664871700"/>
       </p:ext>
     </p:extLst>
   </p:cSld>
@@ -10351,7 +10537,10 @@
           <a:bodyPr/>
           <a:lstStyle/>
           <a:p>
-            <a:endParaRPr lang="da-DK" dirty="0"/>
+            <a:r>
+              <a:rPr lang="da-DK" dirty="0"/>
+              <a:t>Overordnet indhold (note-slide)</a:t>
+            </a:r>
           </a:p>
         </p:txBody>
       </p:sp>
@@ -10370,6 +10559,210 @@
           <a:bodyPr/>
           <a:lstStyle/>
           <a:p>
+            <a:r>
+              <a:rPr lang="en-GB" dirty="0" err="1"/>
+              <a:t>Overordnet</a:t>
+            </a:r>
+            <a:r>
+              <a:rPr lang="en-GB" dirty="0"/>
+              <a:t> </a:t>
+            </a:r>
+            <a:r>
+              <a:rPr lang="en-GB" dirty="0" err="1"/>
+              <a:t>indhold</a:t>
+            </a:r>
+            <a:r>
+              <a:rPr lang="en-GB" dirty="0"/>
+              <a:t>:</a:t>
+            </a:r>
+            <a:br>
+              <a:rPr lang="en-GB" dirty="0"/>
+            </a:br>
+            <a:endParaRPr lang="en-GB" dirty="0"/>
+          </a:p>
+          <a:p>
+            <a:pPr marL="457200" indent="-457200">
+              <a:buFont typeface="+mj-lt"/>
+              <a:buAutoNum type="arabicPeriod"/>
+            </a:pPr>
+            <a:r>
+              <a:rPr lang="en-GB" dirty="0" err="1"/>
+              <a:t>Undervisningskontekst</a:t>
+            </a:r>
+            <a:endParaRPr lang="en-GB" dirty="0"/>
+          </a:p>
+          <a:p>
+            <a:pPr marL="457200" indent="-457200">
+              <a:buFont typeface="+mj-lt"/>
+              <a:buAutoNum type="arabicPeriod"/>
+            </a:pPr>
+            <a:r>
+              <a:rPr lang="en-GB" dirty="0" err="1"/>
+              <a:t>Agentadfærd</a:t>
+            </a:r>
+            <a:endParaRPr lang="en-GB" dirty="0"/>
+          </a:p>
+          <a:p>
+            <a:pPr marL="457200" indent="-457200">
+              <a:buFont typeface="+mj-lt"/>
+              <a:buAutoNum type="arabicPeriod"/>
+            </a:pPr>
+            <a:r>
+              <a:rPr lang="en-GB" dirty="0"/>
+              <a:t>Widgets &amp; interface</a:t>
+            </a:r>
+          </a:p>
+          <a:p>
+            <a:pPr marL="457200" indent="-457200">
+              <a:buFont typeface="+mj-lt"/>
+              <a:buAutoNum type="arabicPeriod"/>
+            </a:pPr>
+            <a:r>
+              <a:rPr lang="en-GB" dirty="0"/>
+              <a:t>Det store </a:t>
+            </a:r>
+            <a:r>
+              <a:rPr lang="en-GB" dirty="0" err="1"/>
+              <a:t>spørgsmål</a:t>
+            </a:r>
+            <a:r>
+              <a:rPr lang="en-GB" dirty="0"/>
+              <a:t>, </a:t>
+            </a:r>
+            <a:r>
+              <a:rPr lang="en-GB" dirty="0" err="1"/>
+              <a:t>modellen</a:t>
+            </a:r>
+            <a:r>
+              <a:rPr lang="en-GB" dirty="0"/>
+              <a:t> </a:t>
+            </a:r>
+            <a:r>
+              <a:rPr lang="en-GB" dirty="0" err="1"/>
+              <a:t>besvarer</a:t>
+            </a:r>
+            <a:endParaRPr lang="en-GB" dirty="0"/>
+          </a:p>
+          <a:p>
+            <a:pPr marL="457200" indent="-457200">
+              <a:buFont typeface="+mj-lt"/>
+              <a:buAutoNum type="arabicPeriod"/>
+            </a:pPr>
+            <a:r>
+              <a:rPr lang="en-GB" dirty="0"/>
+              <a:t>Mere </a:t>
+            </a:r>
+            <a:r>
+              <a:rPr lang="en-GB" dirty="0" err="1"/>
+              <a:t>specifikke</a:t>
+            </a:r>
+            <a:r>
+              <a:rPr lang="en-GB" dirty="0"/>
+              <a:t> </a:t>
+            </a:r>
+            <a:r>
+              <a:rPr lang="en-GB" dirty="0" err="1"/>
+              <a:t>eksempler</a:t>
+            </a:r>
+            <a:r>
+              <a:rPr lang="en-GB" dirty="0"/>
+              <a:t> </a:t>
+            </a:r>
+            <a:r>
+              <a:rPr lang="en-GB" dirty="0" err="1"/>
+              <a:t>og</a:t>
+            </a:r>
+            <a:r>
+              <a:rPr lang="en-GB" dirty="0"/>
+              <a:t> </a:t>
+            </a:r>
+            <a:r>
+              <a:rPr lang="en-GB" dirty="0" err="1"/>
+              <a:t>sammenligning</a:t>
+            </a:r>
+            <a:r>
+              <a:rPr lang="en-GB" dirty="0"/>
+              <a:t>. </a:t>
+            </a:r>
+            <a:r>
+              <a:rPr lang="en-GB" dirty="0" err="1"/>
+              <a:t>F.eks</a:t>
+            </a:r>
+            <a:r>
+              <a:rPr lang="en-GB" dirty="0"/>
+              <a:t>. </a:t>
+            </a:r>
+            <a:r>
+              <a:rPr lang="en-GB" dirty="0" err="1"/>
+              <a:t>økonomi</a:t>
+            </a:r>
+            <a:r>
+              <a:rPr lang="en-GB" dirty="0"/>
+              <a:t> &gt;&lt; </a:t>
+            </a:r>
+            <a:r>
+              <a:rPr lang="en-GB" dirty="0" err="1"/>
+              <a:t>sundhed</a:t>
+            </a:r>
+            <a:r>
+              <a:rPr lang="en-GB" dirty="0"/>
+              <a:t>. </a:t>
+            </a:r>
+            <a:r>
+              <a:rPr lang="en-GB" dirty="0" err="1"/>
+              <a:t>Forklar</a:t>
+            </a:r>
+            <a:r>
+              <a:rPr lang="en-GB" dirty="0"/>
+              <a:t>: </a:t>
+            </a:r>
+            <a:r>
+              <a:rPr lang="en-GB" dirty="0" err="1"/>
+              <a:t>hvorfor</a:t>
+            </a:r>
+            <a:r>
+              <a:rPr lang="en-GB" dirty="0"/>
+              <a:t> er det </a:t>
+            </a:r>
+            <a:r>
+              <a:rPr lang="en-GB" dirty="0" err="1"/>
+              <a:t>en</a:t>
+            </a:r>
+            <a:r>
+              <a:rPr lang="en-GB" dirty="0"/>
+              <a:t> </a:t>
+            </a:r>
+            <a:r>
+              <a:rPr lang="en-GB" dirty="0" err="1"/>
+              <a:t>spændende</a:t>
+            </a:r>
+            <a:r>
+              <a:rPr lang="en-GB" dirty="0"/>
+              <a:t> </a:t>
+            </a:r>
+            <a:r>
+              <a:rPr lang="en-GB" dirty="0" err="1"/>
+              <a:t>kontrast</a:t>
+            </a:r>
+            <a:r>
+              <a:rPr lang="en-GB" dirty="0"/>
+              <a:t>?</a:t>
+            </a:r>
+          </a:p>
+          <a:p>
+            <a:pPr marL="457200" indent="-457200">
+              <a:buFont typeface="+mj-lt"/>
+              <a:buAutoNum type="arabicPeriod"/>
+            </a:pPr>
+            <a:r>
+              <a:rPr lang="en-GB" dirty="0"/>
+              <a:t>"Download to try it out for yourself!"</a:t>
+            </a:r>
+          </a:p>
+          <a:p>
+            <a:pPr>
+              <a:buNone/>
+            </a:pPr>
             <a:endParaRPr lang="da-DK" dirty="0"/>
           </a:p>
         </p:txBody>
@@ -10380,7 +10773,7 @@
     </p:custDataLst>
     <p:extLst>
       <p:ext uri="{BB962C8B-B14F-4D97-AF65-F5344CB8AC3E}">
-        <p14:creationId xmlns:p14="http://schemas.microsoft.com/office/powerpoint/2010/main" val="3535925220"/>
+        <p14:creationId xmlns:p14="http://schemas.microsoft.com/office/powerpoint/2010/main" val="409741556"/>
       </p:ext>
     </p:extLst>
   </p:cSld>
@@ -10391,94 +10784,6 @@
 </file>
 
 <file path=ppt/slides/slide7.xml><?xml version="1.0" encoding="utf-8"?>
-<p:sld xmlns:a="http://schemas.openxmlformats.org/drawingml/2006/main" xmlns:r="http://schemas.openxmlformats.org/officeDocument/2006/relationships" xmlns:p="http://schemas.openxmlformats.org/presentationml/2006/main">
-  <p:cSld>
-    <p:spTree>
-      <p:nvGrpSpPr>
-        <p:cNvPr id="1" name=""/>
-        <p:cNvGrpSpPr/>
-        <p:nvPr/>
-      </p:nvGrpSpPr>
-      <p:grpSpPr>
-        <a:xfrm>
-          <a:off x="0" y="0"/>
-          <a:ext cx="0" cy="0"/>
-          <a:chOff x="0" y="0"/>
-          <a:chExt cx="0" cy="0"/>
-        </a:xfrm>
-      </p:grpSpPr>
-      <p:sp>
-        <p:nvSpPr>
-          <p:cNvPr id="2" name="Date Placeholder 1"/>
-          <p:cNvSpPr>
-            <a:spLocks noGrp="1"/>
-          </p:cNvSpPr>
-          <p:nvPr>
-            <p:ph type="dt" sz="half" idx="13"/>
-          </p:nvPr>
-        </p:nvSpPr>
-        <p:spPr/>
-        <p:txBody>
-          <a:bodyPr/>
-          <a:lstStyle/>
-          <a:p>
-            <a:fld id="{EBD85B7D-E9A5-49E0-8ACF-AF93CE3E556F}" type="datetime1">
-              <a:rPr lang="da-DK" smtClean="0"/>
-              <a:t>26-04-2021</a:t>
-            </a:fld>
-            <a:r>
-              <a:rPr lang="da-DK" dirty="0"/>
-              <a:t>26-04-2021</a:t>
-            </a:r>
-          </a:p>
-        </p:txBody>
-      </p:sp>
-      <p:sp>
-        <p:nvSpPr>
-          <p:cNvPr id="3" name="Text Placeholder 2"/>
-          <p:cNvSpPr>
-            <a:spLocks noGrp="1"/>
-          </p:cNvSpPr>
-          <p:nvPr>
-            <p:ph type="body" sz="quarter" idx="16"/>
-          </p:nvPr>
-        </p:nvSpPr>
-        <p:spPr/>
-        <p:txBody>
-          <a:bodyPr/>
-          <a:lstStyle/>
-          <a:p>
-            <a:pPr lvl="0"/>
-            <a:r>
-              <a:rPr lang="da-DK" dirty="0"/>
-              <a:t>Insert Quote text, for next level ENTER and TAB</a:t>
-            </a:r>
-            <a:endParaRPr lang="da-DK"/>
-          </a:p>
-          <a:p>
-            <a:pPr lvl="1"/>
-            <a:r>
-              <a:rPr lang="da-DK" dirty="0"/>
-              <a:t>Insert Name</a:t>
-            </a:r>
-            <a:endParaRPr lang="da-DK"/>
-          </a:p>
-        </p:txBody>
-      </p:sp>
-    </p:spTree>
-    <p:extLst>
-      <p:ext uri="{BB962C8B-B14F-4D97-AF65-F5344CB8AC3E}">
-        <p14:creationId xmlns:p14="http://schemas.microsoft.com/office/powerpoint/2010/main" val="1186159921"/>
-      </p:ext>
-    </p:extLst>
-  </p:cSld>
-  <p:clrMapOvr>
-    <a:masterClrMapping/>
-  </p:clrMapOvr>
-</p:sld>
-</file>
-
-<file path=ppt/slides/slide8.xml><?xml version="1.0" encoding="utf-8"?>
 <p:sld xmlns:a="http://schemas.openxmlformats.org/drawingml/2006/main" xmlns:r="http://schemas.openxmlformats.org/officeDocument/2006/relationships" xmlns:p="http://schemas.openxmlformats.org/presentationml/2006/main">
   <p:cSld>
     <p:spTree>
@@ -10519,7 +10824,7 @@
 
 <file path=ppt/tags/tag2.xml><?xml version="1.0" encoding="utf-8"?>
 <p:tagLst xmlns:a="http://schemas.openxmlformats.org/drawingml/2006/main" xmlns:r="http://schemas.openxmlformats.org/officeDocument/2006/relationships" xmlns:p="http://schemas.openxmlformats.org/presentationml/2006/main">
-  <p:tag name="TEMPLAFYSLIDEID" val="636235437375089291"/>
+  <p:tag name="TEMPLAFYSLIDEID" val="636240379814716092"/>
 </p:tagLst>
 </file>
 

--- a/StThomas-PowerPoint-AU.pptx
+++ b/StThomas-PowerPoint-AU.pptx
@@ -23,17 +23,17 @@
   <p:notesSz cx="6797675" cy="9926638"/>
   <p:embeddedFontLst>
     <p:embeddedFont>
-      <p:font typeface="AU Passata" panose="020B0604020202020204" charset="0"/>
+      <p:font typeface="AU Passata" panose="020B0503030502030804" pitchFamily="34" charset="77"/>
       <p:regular r:id="rId11"/>
       <p:bold r:id="rId12"/>
     </p:embeddedFont>
     <p:embeddedFont>
-      <p:font typeface="AU Passata Light" panose="020B0604020202020204" charset="0"/>
+      <p:font typeface="AU Passata Light" panose="020B0303030902030804" pitchFamily="34" charset="77"/>
       <p:regular r:id="rId13"/>
       <p:bold r:id="rId14"/>
     </p:embeddedFont>
     <p:embeddedFont>
-      <p:font typeface="AU Peto" panose="020B0604020202020204" charset="0"/>
+      <p:font typeface="AU Peto" pitchFamily="82" charset="77"/>
       <p:regular r:id="rId15"/>
       <p:bold r:id="rId16"/>
     </p:embeddedFont>
@@ -52,7 +52,7 @@
       <p:boldItalic r:id="rId24"/>
     </p:embeddedFont>
     <p:embeddedFont>
-      <p:font typeface="Wingdings 3" panose="05040102010807070707" pitchFamily="18" charset="2"/>
+      <p:font typeface="Wingdings 3" pitchFamily="2" charset="2"/>
       <p:regular r:id="rId25"/>
     </p:embeddedFont>
   </p:embeddedFontLst>
@@ -1467,7 +1467,7 @@
                 </a:solidFill>
                 <a:latin typeface="+mn-lt"/>
               </a:rPr>
-              <a:t>26. april 2021</a:t>
+              <a:t>May 2021</a:t>
             </a:r>
           </a:p>
         </p:txBody>
@@ -1516,48 +1516,17 @@
                 </a:solidFill>
                 <a:latin typeface="+mn-lt"/>
               </a:rPr>
-              <a:t>Læringsdesigner</a:t>
-            </a:r>
-          </a:p>
-        </p:txBody>
-      </p:sp>
-      <p:sp>
-        <p:nvSpPr>
-          <p:cNvPr id="35" name="FLD_Event"/>
-          <p:cNvSpPr txBox="1">
-            <a:spLocks noChangeArrowheads="1"/>
-          </p:cNvSpPr>
-          <p:nvPr userDrawn="1"/>
-        </p:nvSpPr>
-        <p:spPr bwMode="auto">
-          <a:xfrm>
-            <a:off x="3691333" y="5997600"/>
-            <a:ext cx="2271840" cy="447676"/>
-          </a:xfrm>
-          <a:prstGeom prst="rect">
-            <a:avLst/>
-          </a:prstGeom>
-          <a:noFill/>
-          <a:ln w="1778" algn="ctr">
-            <a:noFill/>
-            <a:miter lim="800000"/>
-            <a:headEnd/>
-            <a:tailEnd/>
-          </a:ln>
-          <a:effectLst/>
-        </p:spPr>
-        <p:txBody>
-          <a:bodyPr wrap="square" lIns="0" tIns="342000" rIns="0" bIns="0" anchor="t" anchorCtr="0">
-            <a:spAutoFit/>
-          </a:bodyPr>
-          <a:lstStyle/>
-          <a:p>
-            <a:pPr algn="r">
-              <a:lnSpc>
-                <a:spcPct val="95000"/>
-              </a:lnSpc>
-              <a:defRPr/>
-            </a:pPr>
+              <a:t>Center for hybrid </a:t>
+            </a:r>
+            <a:r>
+              <a:rPr lang="da-DK" sz="700" b="0" cap="all" baseline="0" dirty="0" err="1">
+                <a:solidFill>
+                  <a:schemeClr val="bg1"/>
+                </a:solidFill>
+                <a:latin typeface="+mn-lt"/>
+              </a:rPr>
+              <a:t>intelligence</a:t>
+            </a:r>
             <a:r>
               <a:rPr lang="da-DK" sz="700" b="0" cap="all" baseline="0" dirty="0">
                 <a:solidFill>
@@ -1565,56 +1534,7 @@
                 </a:solidFill>
                 <a:latin typeface="+mn-lt"/>
               </a:rPr>
-              <a:t>AU-skabelon</a:t>
-            </a:r>
-          </a:p>
-        </p:txBody>
-      </p:sp>
-      <p:sp>
-        <p:nvSpPr>
-          <p:cNvPr id="37" name="USR_Name"/>
-          <p:cNvSpPr txBox="1">
-            <a:spLocks noChangeArrowheads="1"/>
-          </p:cNvSpPr>
-          <p:nvPr userDrawn="1"/>
-        </p:nvSpPr>
-        <p:spPr bwMode="auto">
-          <a:xfrm>
-            <a:off x="6240044" y="5997600"/>
-            <a:ext cx="2982416" cy="444040"/>
-          </a:xfrm>
-          <a:prstGeom prst="rect">
-            <a:avLst/>
-          </a:prstGeom>
-          <a:noFill/>
-          <a:ln w="1778" algn="ctr">
-            <a:noFill/>
-            <a:miter lim="800000"/>
-            <a:headEnd/>
-            <a:tailEnd/>
-          </a:ln>
-          <a:effectLst/>
-        </p:spPr>
-        <p:txBody>
-          <a:bodyPr lIns="0" tIns="342000" rIns="0" bIns="0" anchor="t" anchorCtr="0">
-            <a:spAutoFit/>
-          </a:bodyPr>
-          <a:lstStyle/>
-          <a:p>
-            <a:pPr algn="l">
-              <a:lnSpc>
-                <a:spcPct val="95000"/>
-              </a:lnSpc>
-              <a:defRPr/>
-            </a:pPr>
-            <a:r>
-              <a:rPr lang="da-DK" sz="700" b="0" cap="all" baseline="0" dirty="0">
-                <a:solidFill>
-                  <a:schemeClr val="bg1"/>
-                </a:solidFill>
-                <a:latin typeface="+mn-lt"/>
-              </a:rPr>
-              <a:t>Lisa Victoria Schütten Søndergaard</a:t>
+              <a:t> </a:t>
             </a:r>
           </a:p>
         </p:txBody>
@@ -1829,7 +1749,7 @@
             <a:fld id="{78417F83-4CBA-48F2-BAD0-783AE3701E32}" type="datetimeFigureOut">
               <a:rPr lang="da-DK" smtClean="0"/>
               <a:pPr/>
-              <a:t>04-05-2021</a:t>
+              <a:t>06.05.2021</a:t>
             </a:fld>
             <a:r>
               <a:rPr lang="da-DK" dirty="0"/>
@@ -2039,7 +1959,7 @@
             <a:fld id="{78417F83-4CBA-48F2-BAD0-783AE3701E32}" type="datetimeFigureOut">
               <a:rPr lang="da-DK" smtClean="0"/>
               <a:pPr/>
-              <a:t>04-05-2021</a:t>
+              <a:t>06.05.2021</a:t>
             </a:fld>
             <a:r>
               <a:rPr lang="da-DK" dirty="0"/>
@@ -2280,7 +2200,7 @@
             <a:fld id="{78417F83-4CBA-48F2-BAD0-783AE3701E32}" type="datetimeFigureOut">
               <a:rPr lang="da-DK" smtClean="0"/>
               <a:pPr/>
-              <a:t>04-05-2021</a:t>
+              <a:t>06.05.2021</a:t>
             </a:fld>
             <a:r>
               <a:rPr lang="da-DK" dirty="0"/>
@@ -2450,7 +2370,7 @@
             <a:fld id="{78417F83-4CBA-48F2-BAD0-783AE3701E32}" type="datetimeFigureOut">
               <a:rPr lang="da-DK" smtClean="0"/>
               <a:pPr/>
-              <a:t>04-05-2021</a:t>
+              <a:t>06.05.2021</a:t>
             </a:fld>
             <a:r>
               <a:rPr lang="da-DK" dirty="0"/>
@@ -2624,7 +2544,7 @@
             <a:fld id="{78417F83-4CBA-48F2-BAD0-783AE3701E32}" type="datetimeFigureOut">
               <a:rPr lang="da-DK" smtClean="0"/>
               <a:pPr/>
-              <a:t>04-05-2021</a:t>
+              <a:t>06.05.2021</a:t>
             </a:fld>
             <a:r>
               <a:rPr lang="da-DK" dirty="0"/>
@@ -2961,7 +2881,7 @@
             <a:fld id="{78417F83-4CBA-48F2-BAD0-783AE3701E32}" type="datetimeFigureOut">
               <a:rPr lang="da-DK" smtClean="0"/>
               <a:pPr/>
-              <a:t>04-05-2021</a:t>
+              <a:t>06.05.2021</a:t>
             </a:fld>
             <a:r>
               <a:rPr lang="da-DK" dirty="0"/>
@@ -3132,7 +3052,7 @@
             <a:fld id="{78417F83-4CBA-48F2-BAD0-783AE3701E32}" type="datetimeFigureOut">
               <a:rPr lang="da-DK" smtClean="0"/>
               <a:pPr/>
-              <a:t>04-05-2021</a:t>
+              <a:t>06.05.2021</a:t>
             </a:fld>
             <a:r>
               <a:rPr lang="da-DK" dirty="0"/>
@@ -3328,7 +3248,7 @@
             <a:fld id="{78417F83-4CBA-48F2-BAD0-783AE3701E32}" type="datetimeFigureOut">
               <a:rPr lang="da-DK" smtClean="0"/>
               <a:pPr/>
-              <a:t>04-05-2021</a:t>
+              <a:t>06.05.2021</a:t>
             </a:fld>
             <a:r>
               <a:rPr lang="da-DK" dirty="0"/>
@@ -3497,7 +3417,7 @@
             <a:fld id="{78417F83-4CBA-48F2-BAD0-783AE3701E32}" type="datetimeFigureOut">
               <a:rPr lang="da-DK" smtClean="0"/>
               <a:pPr/>
-              <a:t>04-05-2021</a:t>
+              <a:t>06.05.2021</a:t>
             </a:fld>
             <a:r>
               <a:rPr lang="da-DK" dirty="0"/>
@@ -3651,7 +3571,7 @@
             <a:fld id="{78417F83-4CBA-48F2-BAD0-783AE3701E32}" type="datetimeFigureOut">
               <a:rPr lang="da-DK" smtClean="0"/>
               <a:pPr/>
-              <a:t>04-05-2021</a:t>
+              <a:t>06.05.2021</a:t>
             </a:fld>
             <a:r>
               <a:rPr lang="da-DK" dirty="0"/>
@@ -4540,7 +4460,7 @@
             <a:fld id="{78417F83-4CBA-48F2-BAD0-783AE3701E32}" type="datetimeFigureOut">
               <a:rPr lang="da-DK" smtClean="0"/>
               <a:pPr/>
-              <a:t>04-05-2021</a:t>
+              <a:t>06.05.2021</a:t>
             </a:fld>
             <a:r>
               <a:rPr lang="da-DK" dirty="0"/>
@@ -5357,7 +5277,7 @@
             <a:fld id="{78417F83-4CBA-48F2-BAD0-783AE3701E32}" type="datetimeFigureOut">
               <a:rPr lang="da-DK" smtClean="0"/>
               <a:pPr/>
-              <a:t>04-05-2021</a:t>
+              <a:t>06.05.2021</a:t>
             </a:fld>
             <a:r>
               <a:rPr lang="da-DK" dirty="0"/>
@@ -5587,7 +5507,7 @@
             <a:fld id="{78417F83-4CBA-48F2-BAD0-783AE3701E32}" type="datetimeFigureOut">
               <a:rPr lang="da-DK" smtClean="0"/>
               <a:pPr/>
-              <a:t>04-05-2021</a:t>
+              <a:t>06.05.2021</a:t>
             </a:fld>
             <a:r>
               <a:rPr lang="da-DK" dirty="0"/>
@@ -6294,7 +6214,7 @@
             <a:fld id="{78417F83-4CBA-48F2-BAD0-783AE3701E32}" type="datetimeFigureOut">
               <a:rPr lang="da-DK" smtClean="0"/>
               <a:pPr/>
-              <a:t>04-05-2021</a:t>
+              <a:t>06.05.2021</a:t>
             </a:fld>
             <a:r>
               <a:rPr lang="da-DK" dirty="0"/>
@@ -6585,7 +6505,7 @@
             <a:fld id="{78417F83-4CBA-48F2-BAD0-783AE3701E32}" type="datetimeFigureOut">
               <a:rPr lang="da-DK" smtClean="0"/>
               <a:pPr/>
-              <a:t>04-05-2021</a:t>
+              <a:t>06.05.2021</a:t>
             </a:fld>
             <a:r>
               <a:rPr lang="da-DK" dirty="0"/>
@@ -6959,7 +6879,7 @@
             <a:fld id="{78417F83-4CBA-48F2-BAD0-783AE3701E32}" type="datetimeFigureOut">
               <a:rPr lang="da-DK" smtClean="0"/>
               <a:pPr/>
-              <a:t>04-05-2021</a:t>
+              <a:t>06.05.2021</a:t>
             </a:fld>
             <a:r>
               <a:rPr lang="da-DK" dirty="0"/>
@@ -7386,7 +7306,7 @@
             <a:fld id="{78417F83-4CBA-48F2-BAD0-783AE3701E32}" type="datetimeFigureOut">
               <a:rPr lang="da-DK" smtClean="0"/>
               <a:pPr/>
-              <a:t>04-05-2021</a:t>
+              <a:t>06.05.2021</a:t>
             </a:fld>
             <a:r>
               <a:rPr lang="da-DK" dirty="0"/>
@@ -7826,7 +7746,7 @@
             <a:fld id="{78417F83-4CBA-48F2-BAD0-783AE3701E32}" type="datetimeFigureOut">
               <a:rPr lang="da-DK" smtClean="0"/>
               <a:pPr/>
-              <a:t>04-05-2021</a:t>
+              <a:t>06.05.2021</a:t>
             </a:fld>
             <a:r>
               <a:rPr lang="da-DK" dirty="0"/>
@@ -7994,7 +7914,7 @@
             <a:fld id="{78417F83-4CBA-48F2-BAD0-783AE3701E32}" type="datetimeFigureOut">
               <a:rPr lang="da-DK" smtClean="0"/>
               <a:pPr/>
-              <a:t>04-05-2021</a:t>
+              <a:t>06.05.2021</a:t>
             </a:fld>
             <a:r>
               <a:rPr lang="da-DK" dirty="0"/>
@@ -8175,7 +8095,7 @@
             <a:fld id="{78417F83-4CBA-48F2-BAD0-783AE3701E32}" type="datetimeFigureOut">
               <a:rPr lang="da-DK" smtClean="0"/>
               <a:pPr/>
-              <a:t>04-05-2021</a:t>
+              <a:t>06.05.2021</a:t>
             </a:fld>
             <a:r>
               <a:rPr lang="da-DK" dirty="0"/>
@@ -8482,7 +8402,7 @@
       </p:sp>
       <p:sp>
         <p:nvSpPr>
-          <p:cNvPr id="19" name="FLD_Event"/>
+          <p:cNvPr id="27" name="Date_DateCustomA"/>
           <p:cNvSpPr txBox="1">
             <a:spLocks noChangeArrowheads="1"/>
           </p:cNvSpPr>
@@ -8490,8 +8410,8 @@
         </p:nvSpPr>
         <p:spPr bwMode="auto">
           <a:xfrm>
-            <a:off x="3691333" y="5997600"/>
-            <a:ext cx="2271840" cy="447676"/>
+            <a:off x="3673701" y="5997600"/>
+            <a:ext cx="2271840" cy="582176"/>
           </a:xfrm>
           <a:prstGeom prst="rect">
             <a:avLst/>
@@ -8506,7 +8426,7 @@
           <a:effectLst/>
         </p:spPr>
         <p:txBody>
-          <a:bodyPr wrap="square" lIns="0" tIns="342000" rIns="0" bIns="0" anchor="t" anchorCtr="0">
+          <a:bodyPr wrap="square" lIns="0" tIns="475200" rIns="0" bIns="0" anchor="t" anchorCtr="0">
             <a:spAutoFit/>
           </a:bodyPr>
           <a:lstStyle/>
@@ -8518,20 +8438,29 @@
               <a:defRPr/>
             </a:pPr>
             <a:r>
+              <a:rPr lang="da-DK" sz="700" b="0" cap="all" baseline="0" dirty="0" err="1">
+                <a:solidFill>
+                  <a:schemeClr val="tx1"/>
+                </a:solidFill>
+                <a:latin typeface="+mn-lt"/>
+              </a:rPr>
+              <a:t>may</a:t>
+            </a:r>
+            <a:r>
               <a:rPr lang="da-DK" sz="700" b="0" cap="all" baseline="0" dirty="0">
                 <a:solidFill>
                   <a:schemeClr val="tx1"/>
                 </a:solidFill>
                 <a:latin typeface="+mn-lt"/>
               </a:rPr>
-              <a:t>AU-skabelon</a:t>
-            </a:r>
-          </a:p>
-        </p:txBody>
-      </p:sp>
-      <p:sp>
-        <p:nvSpPr>
-          <p:cNvPr id="21" name="USR_Name"/>
+              <a:t> 2021</a:t>
+            </a:r>
+          </a:p>
+        </p:txBody>
+      </p:sp>
+      <p:sp>
+        <p:nvSpPr>
+          <p:cNvPr id="28" name="USR_Title"/>
           <p:cNvSpPr txBox="1">
             <a:spLocks noChangeArrowheads="1"/>
           </p:cNvSpPr>
@@ -8539,8 +8468,8 @@
         </p:nvSpPr>
         <p:spPr bwMode="auto">
           <a:xfrm>
-            <a:off x="6240044" y="5997600"/>
-            <a:ext cx="2982416" cy="444040"/>
+            <a:off x="6243284" y="6006159"/>
+            <a:ext cx="2982416" cy="582176"/>
           </a:xfrm>
           <a:prstGeom prst="rect">
             <a:avLst/>
@@ -8555,7 +8484,7 @@
           <a:effectLst/>
         </p:spPr>
         <p:txBody>
-          <a:bodyPr lIns="0" tIns="342000" rIns="0" bIns="0" anchor="t" anchorCtr="0">
+          <a:bodyPr lIns="0" tIns="475200" rIns="0" bIns="0" anchor="t" anchorCtr="0">
             <a:spAutoFit/>
           </a:bodyPr>
           <a:lstStyle/>
@@ -8567,112 +8496,35 @@
               <a:defRPr/>
             </a:pPr>
             <a:r>
-              <a:rPr lang="da-DK" sz="700" b="0" cap="all" baseline="0" dirty="0">
+              <a:rPr lang="da-DK" sz="700" b="0" kern="1200" cap="all" baseline="0" dirty="0">
                 <a:solidFill>
                   <a:schemeClr val="tx1"/>
                 </a:solidFill>
-                <a:latin typeface="+mn-lt"/>
+                <a:latin typeface="AU Passata" pitchFamily="34" charset="0"/>
+                <a:ea typeface="+mn-ea"/>
+                <a:cs typeface="+mn-cs"/>
               </a:rPr>
-              <a:t>Lisa Victoria Schütten Søndergaard</a:t>
-            </a:r>
-          </a:p>
-        </p:txBody>
-      </p:sp>
-      <p:sp>
-        <p:nvSpPr>
-          <p:cNvPr id="27" name="Date_DateCustomA"/>
-          <p:cNvSpPr txBox="1">
-            <a:spLocks noChangeArrowheads="1"/>
-          </p:cNvSpPr>
-          <p:nvPr userDrawn="1"/>
-        </p:nvSpPr>
-        <p:spPr bwMode="auto">
-          <a:xfrm>
-            <a:off x="3691333" y="5997600"/>
-            <a:ext cx="2271840" cy="582176"/>
-          </a:xfrm>
-          <a:prstGeom prst="rect">
-            <a:avLst/>
-          </a:prstGeom>
-          <a:noFill/>
-          <a:ln w="1778" algn="ctr">
-            <a:noFill/>
-            <a:miter lim="800000"/>
-            <a:headEnd/>
-            <a:tailEnd/>
-          </a:ln>
-          <a:effectLst/>
-        </p:spPr>
-        <p:txBody>
-          <a:bodyPr wrap="square" lIns="0" tIns="475200" rIns="0" bIns="0" anchor="t" anchorCtr="0">
-            <a:spAutoFit/>
-          </a:bodyPr>
-          <a:lstStyle/>
-          <a:p>
-            <a:pPr algn="r">
-              <a:lnSpc>
-                <a:spcPct val="95000"/>
-              </a:lnSpc>
-              <a:defRPr/>
-            </a:pPr>
-            <a:r>
-              <a:rPr lang="da-DK" sz="700" b="0" cap="all" baseline="0" dirty="0">
+              <a:t>Center for hybrid </a:t>
+            </a:r>
+            <a:r>
+              <a:rPr lang="da-DK" sz="700" b="0" kern="1200" cap="all" baseline="0" dirty="0" err="1">
                 <a:solidFill>
                   <a:schemeClr val="tx1"/>
                 </a:solidFill>
-                <a:latin typeface="+mn-lt"/>
+                <a:latin typeface="AU Passata" pitchFamily="34" charset="0"/>
+                <a:ea typeface="+mn-ea"/>
+                <a:cs typeface="+mn-cs"/>
               </a:rPr>
-              <a:t>26. april 2021</a:t>
-            </a:r>
-          </a:p>
-        </p:txBody>
-      </p:sp>
-      <p:sp>
-        <p:nvSpPr>
-          <p:cNvPr id="28" name="USR_Title"/>
-          <p:cNvSpPr txBox="1">
-            <a:spLocks noChangeArrowheads="1"/>
-          </p:cNvSpPr>
-          <p:nvPr userDrawn="1"/>
-        </p:nvSpPr>
-        <p:spPr bwMode="auto">
-          <a:xfrm>
-            <a:off x="6240044" y="5997600"/>
-            <a:ext cx="2982416" cy="582176"/>
-          </a:xfrm>
-          <a:prstGeom prst="rect">
-            <a:avLst/>
-          </a:prstGeom>
-          <a:noFill/>
-          <a:ln w="1778" algn="ctr">
-            <a:noFill/>
-            <a:miter lim="800000"/>
-            <a:headEnd/>
-            <a:tailEnd/>
-          </a:ln>
-          <a:effectLst/>
-        </p:spPr>
-        <p:txBody>
-          <a:bodyPr lIns="0" tIns="475200" rIns="0" bIns="0" anchor="t" anchorCtr="0">
-            <a:spAutoFit/>
-          </a:bodyPr>
-          <a:lstStyle/>
-          <a:p>
-            <a:pPr algn="l">
-              <a:lnSpc>
-                <a:spcPct val="95000"/>
-              </a:lnSpc>
-              <a:defRPr/>
-            </a:pPr>
-            <a:r>
-              <a:rPr lang="da-DK" sz="700" b="0" cap="all" baseline="0" dirty="0">
-                <a:solidFill>
-                  <a:schemeClr val="tx1"/>
-                </a:solidFill>
-                <a:latin typeface="+mn-lt"/>
-              </a:rPr>
-              <a:t>Læringsdesigner</a:t>
-            </a:r>
+              <a:t>intelligence</a:t>
+            </a:r>
+            <a:endParaRPr lang="da-DK" sz="700" b="0" kern="1200" cap="all" baseline="0" dirty="0">
+              <a:solidFill>
+                <a:schemeClr val="tx1"/>
+              </a:solidFill>
+              <a:latin typeface="AU Passata" pitchFamily="34" charset="0"/>
+              <a:ea typeface="+mn-ea"/>
+              <a:cs typeface="+mn-cs"/>
+            </a:endParaRPr>
           </a:p>
         </p:txBody>
       </p:sp>
@@ -8948,7 +8800,7 @@
             <a:fld id="{78417F83-4CBA-48F2-BAD0-783AE3701E32}" type="datetimeFigureOut">
               <a:rPr lang="da-DK" smtClean="0"/>
               <a:pPr/>
-              <a:t>04-05-2021</a:t>
+              <a:t>06.05.2021</a:t>
             </a:fld>
             <a:r>
               <a:rPr lang="da-DK"/>
@@ -9602,53 +9454,6 @@
       </p:sp>
       <p:pic>
         <p:nvPicPr>
-          <p:cNvPr id="3" name="Picture 2">
-            <a:extLst>
-              <a:ext uri="{FF2B5EF4-FFF2-40B4-BE49-F238E27FC236}">
-                <a16:creationId xmlns:a16="http://schemas.microsoft.com/office/drawing/2014/main" id="{1BE240DF-8DD7-483B-8C1F-E596FCAB5A66}"/>
-              </a:ext>
-            </a:extLst>
-          </p:cNvPr>
-          <p:cNvPicPr>
-            <a:picLocks noChangeAspect="1" noChangeArrowheads="1"/>
-          </p:cNvPicPr>
-          <p:nvPr/>
-        </p:nvPicPr>
-        <p:blipFill>
-          <a:blip r:embed="rId3">
-            <a:extLst>
-              <a:ext uri="{28A0092B-C50C-407E-A947-70E740481C1C}">
-                <a14:useLocalDpi xmlns:a14="http://schemas.microsoft.com/office/drawing/2010/main" val="0"/>
-              </a:ext>
-            </a:extLst>
-          </a:blip>
-          <a:srcRect/>
-          <a:stretch>
-            <a:fillRect/>
-          </a:stretch>
-        </p:blipFill>
-        <p:spPr bwMode="auto">
-          <a:xfrm>
-            <a:off x="7059249" y="4215311"/>
-            <a:ext cx="1478657" cy="1478657"/>
-          </a:xfrm>
-          <a:prstGeom prst="rect">
-            <a:avLst/>
-          </a:prstGeom>
-          <a:noFill/>
-          <a:extLst>
-            <a:ext uri="{909E8E84-426E-40DD-AFC4-6F175D3DCCD1}">
-              <a14:hiddenFill xmlns:a14="http://schemas.microsoft.com/office/drawing/2010/main">
-                <a:solidFill>
-                  <a:srgbClr val="FFFFFF"/>
-                </a:solidFill>
-              </a14:hiddenFill>
-            </a:ext>
-          </a:extLst>
-        </p:spPr>
-      </p:pic>
-      <p:pic>
-        <p:nvPicPr>
           <p:cNvPr id="4" name="Picture 3" descr="logo">
             <a:extLst>
               <a:ext uri="{FF2B5EF4-FFF2-40B4-BE49-F238E27FC236}">
@@ -9662,7 +9467,7 @@
           <p:nvPr/>
         </p:nvPicPr>
         <p:blipFill>
-          <a:blip r:embed="rId4">
+          <a:blip r:embed="rId3">
             <a:extLst>
               <a:ext uri="{28A0092B-C50C-407E-A947-70E740481C1C}">
                 <a14:useLocalDpi xmlns:a14="http://schemas.microsoft.com/office/drawing/2010/main" val="0"/>
@@ -9845,7 +9650,7 @@
           <a:p>
             <a:fld id="{6A738EED-D014-4517-9F81-EEA0CA3BE1DD}" type="datetime1">
               <a:rPr lang="da-DK" smtClean="0"/>
-              <a:t>04-05-2021</a:t>
+              <a:t>06.05.2021</a:t>
             </a:fld>
             <a:r>
               <a:rPr lang="da-DK"/>
@@ -10185,7 +9990,7 @@
           <a:p>
             <a:fld id="{8187665F-DB8B-4FE9-A720-86C04E6E45E4}" type="datetime1">
               <a:rPr lang="da-DK" smtClean="0"/>
-              <a:t>05-05-2021</a:t>
+              <a:t>06.05.2021</a:t>
             </a:fld>
             <a:r>
               <a:rPr lang="da-DK"/>
@@ -10380,7 +10185,7 @@
           <a:p>
             <a:fld id="{8187665F-DB8B-4FE9-A720-86C04E6E45E4}" type="datetime1">
               <a:rPr lang="da-DK" smtClean="0"/>
-              <a:t>04-05-2021</a:t>
+              <a:t>06.05.2021</a:t>
             </a:fld>
             <a:r>
               <a:rPr lang="da-DK"/>
@@ -10800,6 +10605,53 @@
           <a:chExt cx="0" cy="0"/>
         </a:xfrm>
       </p:grpSpPr>
+      <p:pic>
+        <p:nvPicPr>
+          <p:cNvPr id="2" name="Picture 1" descr="logo">
+            <a:extLst>
+              <a:ext uri="{FF2B5EF4-FFF2-40B4-BE49-F238E27FC236}">
+                <a16:creationId xmlns:a16="http://schemas.microsoft.com/office/drawing/2014/main" id="{0B9658EE-0438-394D-B344-B52409752434}"/>
+              </a:ext>
+            </a:extLst>
+          </p:cNvPr>
+          <p:cNvPicPr>
+            <a:picLocks noChangeAspect="1" noChangeArrowheads="1"/>
+          </p:cNvPicPr>
+          <p:nvPr/>
+        </p:nvPicPr>
+        <p:blipFill>
+          <a:blip r:embed="rId4">
+            <a:extLst>
+              <a:ext uri="{28A0092B-C50C-407E-A947-70E740481C1C}">
+                <a14:useLocalDpi xmlns:a14="http://schemas.microsoft.com/office/drawing/2010/main" val="0"/>
+              </a:ext>
+            </a:extLst>
+          </a:blip>
+          <a:srcRect/>
+          <a:stretch>
+            <a:fillRect/>
+          </a:stretch>
+        </p:blipFill>
+        <p:spPr bwMode="auto">
+          <a:xfrm>
+            <a:off x="9046740" y="4709722"/>
+            <a:ext cx="2816542" cy="489833"/>
+          </a:xfrm>
+          <a:prstGeom prst="rect">
+            <a:avLst/>
+          </a:prstGeom>
+          <a:noFill/>
+          <a:extLst>
+            <a:ext uri="{909E8E84-426E-40DD-AFC4-6F175D3DCCD1}">
+              <a14:hiddenFill xmlns:a14="http://schemas.microsoft.com/office/drawing/2010/main">
+                <a:solidFill>
+                  <a:srgbClr val="FFFFFF"/>
+                </a:solidFill>
+              </a14:hiddenFill>
+            </a:ext>
+          </a:extLst>
+        </p:spPr>
+      </p:pic>
     </p:spTree>
     <p:custDataLst>
       <p:tags r:id="rId1"/>

--- a/StThomas-PowerPoint-AU.pptx
+++ b/StThomas-PowerPoint-AU.pptx
@@ -1777,6 +1777,69 @@
           </a:p>
         </p:txBody>
       </p:sp>
+      <p:sp>
+        <p:nvSpPr>
+          <p:cNvPr id="20" name="Rectangle 19">
+            <a:extLst>
+              <a:ext uri="{FF2B5EF4-FFF2-40B4-BE49-F238E27FC236}">
+                <a16:creationId xmlns:a16="http://schemas.microsoft.com/office/drawing/2014/main" id="{EA480B83-ECFC-184B-A822-6B75302F15B3}"/>
+              </a:ext>
+            </a:extLst>
+          </p:cNvPr>
+          <p:cNvSpPr/>
+          <p:nvPr userDrawn="1"/>
+        </p:nvSpPr>
+        <p:spPr>
+          <a:xfrm>
+            <a:off x="8558245" y="6293644"/>
+            <a:ext cx="2016224" cy="384721"/>
+          </a:xfrm>
+          <a:prstGeom prst="rect">
+            <a:avLst/>
+          </a:prstGeom>
+        </p:spPr>
+        <p:txBody>
+          <a:bodyPr wrap="square">
+            <a:spAutoFit/>
+          </a:bodyPr>
+          <a:lstStyle/>
+          <a:p>
+            <a:pPr>
+              <a:lnSpc>
+                <a:spcPct val="100000"/>
+              </a:lnSpc>
+            </a:pPr>
+            <a:r>
+              <a:rPr lang="en-AU" sz="1000" dirty="0">
+                <a:solidFill>
+                  <a:schemeClr val="bg1"/>
+                </a:solidFill>
+              </a:rPr>
+              <a:t>Centre for</a:t>
+            </a:r>
+            <a:br>
+              <a:rPr lang="en-AU" sz="1000" dirty="0">
+                <a:solidFill>
+                  <a:schemeClr val="bg1"/>
+                </a:solidFill>
+              </a:rPr>
+            </a:br>
+            <a:r>
+              <a:rPr lang="en-AU" sz="900" dirty="0">
+                <a:solidFill>
+                  <a:schemeClr val="bg1"/>
+                </a:solidFill>
+              </a:rPr>
+              <a:t>Educational Development</a:t>
+            </a:r>
+            <a:endParaRPr lang="en-AU" sz="1000" dirty="0">
+              <a:solidFill>
+                <a:schemeClr val="bg1"/>
+              </a:solidFill>
+            </a:endParaRPr>
+          </a:p>
+        </p:txBody>
+      </p:sp>
     </p:spTree>
   </p:cSld>
   <p:clrMapOvr>
@@ -8839,6 +8902,53 @@
           </a:lstStyle>
           <a:p>
             <a:endParaRPr lang="da-DK" dirty="0"/>
+          </a:p>
+        </p:txBody>
+      </p:sp>
+      <p:sp>
+        <p:nvSpPr>
+          <p:cNvPr id="15" name="Rectangle 14">
+            <a:extLst>
+              <a:ext uri="{FF2B5EF4-FFF2-40B4-BE49-F238E27FC236}">
+                <a16:creationId xmlns:a16="http://schemas.microsoft.com/office/drawing/2014/main" id="{7F8C7070-03DE-4C4C-9850-4EE9C410BD8F}"/>
+              </a:ext>
+            </a:extLst>
+          </p:cNvPr>
+          <p:cNvSpPr/>
+          <p:nvPr userDrawn="1"/>
+        </p:nvSpPr>
+        <p:spPr>
+          <a:xfrm>
+            <a:off x="8558245" y="6293644"/>
+            <a:ext cx="2016224" cy="384721"/>
+          </a:xfrm>
+          <a:prstGeom prst="rect">
+            <a:avLst/>
+          </a:prstGeom>
+        </p:spPr>
+        <p:txBody>
+          <a:bodyPr wrap="square">
+            <a:spAutoFit/>
+          </a:bodyPr>
+          <a:lstStyle/>
+          <a:p>
+            <a:pPr>
+              <a:lnSpc>
+                <a:spcPct val="100000"/>
+              </a:lnSpc>
+            </a:pPr>
+            <a:r>
+              <a:rPr lang="en-AU" sz="1000" dirty="0"/>
+              <a:t>Centre for</a:t>
+            </a:r>
+            <a:br>
+              <a:rPr lang="en-AU" sz="1000" dirty="0"/>
+            </a:br>
+            <a:r>
+              <a:rPr lang="en-AU" sz="900" dirty="0"/>
+              <a:t>Educational Development</a:t>
+            </a:r>
+            <a:endParaRPr lang="en-AU" sz="1000" dirty="0"/>
           </a:p>
         </p:txBody>
       </p:sp>
@@ -9395,69 +9505,12 @@
           <a:chExt cx="0" cy="0"/>
         </a:xfrm>
       </p:grpSpPr>
-      <p:sp>
-        <p:nvSpPr>
-          <p:cNvPr id="2" name="Titel 1"/>
-          <p:cNvSpPr>
-            <a:spLocks noGrp="1"/>
-          </p:cNvSpPr>
-          <p:nvPr>
-            <p:ph type="ctrTitle"/>
-          </p:nvPr>
-        </p:nvSpPr>
-        <p:spPr>
-          <a:xfrm>
-            <a:off x="1008408" y="1412776"/>
-            <a:ext cx="10220325" cy="1828193"/>
-          </a:xfrm>
-        </p:spPr>
-        <p:txBody>
-          <a:bodyPr/>
-          <a:lstStyle/>
-          <a:p>
-            <a:pPr algn="ctr"/>
-            <a:r>
-              <a:rPr lang="da-DK" sz="4400" dirty="0"/>
-              <a:t>Agent </a:t>
-            </a:r>
-            <a:r>
-              <a:rPr lang="da-DK" sz="4400" dirty="0" err="1"/>
-              <a:t>based</a:t>
-            </a:r>
-            <a:r>
-              <a:rPr lang="da-DK" sz="4400" dirty="0"/>
-              <a:t> </a:t>
-            </a:r>
-            <a:r>
-              <a:rPr lang="da-DK" sz="4400" dirty="0" err="1"/>
-              <a:t>modelling</a:t>
-            </a:r>
-            <a:r>
-              <a:rPr lang="da-DK" sz="4400" dirty="0"/>
-              <a:t> of Language </a:t>
-            </a:r>
-            <a:r>
-              <a:rPr lang="da-DK" sz="4400" dirty="0" err="1"/>
-              <a:t>development</a:t>
-            </a:r>
-            <a:r>
-              <a:rPr lang="da-DK" sz="4400" dirty="0"/>
-              <a:t> on </a:t>
-            </a:r>
-            <a:r>
-              <a:rPr lang="da-DK" sz="4400" dirty="0" err="1"/>
-              <a:t>SktThomas</a:t>
-            </a:r>
-            <a:endParaRPr lang="da-DK" sz="4400" dirty="0"/>
-          </a:p>
-        </p:txBody>
-      </p:sp>
       <p:pic>
         <p:nvPicPr>
-          <p:cNvPr id="4" name="Picture 3" descr="logo">
+          <p:cNvPr id="5" name="Picture 4" descr="logo">
             <a:extLst>
               <a:ext uri="{FF2B5EF4-FFF2-40B4-BE49-F238E27FC236}">
-                <a16:creationId xmlns:a16="http://schemas.microsoft.com/office/drawing/2014/main" id="{C020938F-F669-49C4-AA7E-2AF9DA13E0F6}"/>
+                <a16:creationId xmlns:a16="http://schemas.microsoft.com/office/drawing/2014/main" id="{FD302CDF-B0CB-524B-84A0-D1D1C05947D7}"/>
               </a:ext>
             </a:extLst>
           </p:cNvPr>
@@ -9469,6 +9522,15 @@
         <p:blipFill>
           <a:blip r:embed="rId3">
             <a:extLst>
+              <a:ext uri="{BEBA8EAE-BF5A-486C-A8C5-ECC9F3942E4B}">
+                <a14:imgProps xmlns:a14="http://schemas.microsoft.com/office/drawing/2010/main">
+                  <a14:imgLayer r:embed="rId4">
+                    <a14:imgEffect>
+                      <a14:sharpenSoften amount="100000"/>
+                    </a14:imgEffect>
+                  </a14:imgLayer>
+                </a14:imgProps>
+              </a:ext>
               <a:ext uri="{28A0092B-C50C-407E-A947-70E740481C1C}">
                 <a14:useLocalDpi xmlns:a14="http://schemas.microsoft.com/office/drawing/2010/main" val="0"/>
               </a:ext>
@@ -9481,8 +9543,8 @@
         </p:blipFill>
         <p:spPr bwMode="auto">
           <a:xfrm>
-            <a:off x="9046740" y="4709722"/>
-            <a:ext cx="2816542" cy="489833"/>
+            <a:off x="765820" y="4725144"/>
+            <a:ext cx="4346714" cy="755950"/>
           </a:xfrm>
           <a:prstGeom prst="rect">
             <a:avLst/>
@@ -9499,6 +9561,300 @@
           </a:extLst>
         </p:spPr>
       </p:pic>
+      <p:sp>
+        <p:nvSpPr>
+          <p:cNvPr id="6" name="Rectangle 5">
+            <a:extLst>
+              <a:ext uri="{FF2B5EF4-FFF2-40B4-BE49-F238E27FC236}">
+                <a16:creationId xmlns:a16="http://schemas.microsoft.com/office/drawing/2014/main" id="{EE24CD50-F098-1945-A178-E69CD705CBBD}"/>
+              </a:ext>
+            </a:extLst>
+          </p:cNvPr>
+          <p:cNvSpPr/>
+          <p:nvPr/>
+        </p:nvSpPr>
+        <p:spPr>
+          <a:xfrm>
+            <a:off x="7338055" y="4637273"/>
+            <a:ext cx="4562738" cy="843821"/>
+          </a:xfrm>
+          <a:prstGeom prst="rect">
+            <a:avLst/>
+          </a:prstGeom>
+        </p:spPr>
+        <p:txBody>
+          <a:bodyPr wrap="square">
+            <a:spAutoFit/>
+          </a:bodyPr>
+          <a:lstStyle/>
+          <a:p>
+            <a:pPr>
+              <a:lnSpc>
+                <a:spcPct val="100000"/>
+              </a:lnSpc>
+              <a:spcBef>
+                <a:spcPts val="115"/>
+              </a:spcBef>
+            </a:pPr>
+            <a:r>
+              <a:rPr lang="en-GB" sz="2400" b="1" dirty="0">
+                <a:solidFill>
+                  <a:schemeClr val="bg1"/>
+                </a:solidFill>
+              </a:rPr>
+              <a:t>Centre for</a:t>
+            </a:r>
+          </a:p>
+          <a:p>
+            <a:pPr>
+              <a:lnSpc>
+                <a:spcPct val="100000"/>
+              </a:lnSpc>
+              <a:spcBef>
+                <a:spcPts val="115"/>
+              </a:spcBef>
+            </a:pPr>
+            <a:r>
+              <a:rPr lang="en-GB" sz="2400" b="1" dirty="0">
+                <a:solidFill>
+                  <a:schemeClr val="bg1"/>
+                </a:solidFill>
+              </a:rPr>
+              <a:t>Educational Development </a:t>
+            </a:r>
+          </a:p>
+        </p:txBody>
+      </p:sp>
+      <p:sp>
+        <p:nvSpPr>
+          <p:cNvPr id="7" name="Titel 1">
+            <a:extLst>
+              <a:ext uri="{FF2B5EF4-FFF2-40B4-BE49-F238E27FC236}">
+                <a16:creationId xmlns:a16="http://schemas.microsoft.com/office/drawing/2014/main" id="{2BD7BE38-B1B0-BF4C-8118-0A22EC8E5141}"/>
+              </a:ext>
+            </a:extLst>
+          </p:cNvPr>
+          <p:cNvSpPr txBox="1">
+            <a:spLocks/>
+          </p:cNvSpPr>
+          <p:nvPr/>
+        </p:nvSpPr>
+        <p:spPr bwMode="auto">
+          <a:xfrm>
+            <a:off x="985838" y="2759340"/>
+            <a:ext cx="10220325" cy="1107996"/>
+          </a:xfrm>
+          <a:prstGeom prst="rect">
+            <a:avLst/>
+          </a:prstGeom>
+          <a:noFill/>
+          <a:ln w="9525">
+            <a:noFill/>
+            <a:miter lim="800000"/>
+            <a:headEnd/>
+            <a:tailEnd/>
+          </a:ln>
+        </p:spPr>
+        <p:txBody>
+          <a:bodyPr vert="horz" wrap="square" lIns="0" tIns="0" rIns="0" bIns="0" numCol="1" anchor="ctr" anchorCtr="0" compatLnSpc="1">
+            <a:prstTxWarp prst="textNoShape">
+              <a:avLst/>
+            </a:prstTxWarp>
+            <a:spAutoFit/>
+          </a:bodyPr>
+          <a:lstStyle>
+            <a:lvl1pPr algn="l" rtl="0" eaLnBrk="1" fontAlgn="base" hangingPunct="1">
+              <a:lnSpc>
+                <a:spcPct val="90000"/>
+              </a:lnSpc>
+              <a:spcBef>
+                <a:spcPct val="0"/>
+              </a:spcBef>
+              <a:spcAft>
+                <a:spcPct val="0"/>
+              </a:spcAft>
+              <a:defRPr sz="6000" b="1" cap="all" baseline="0">
+                <a:solidFill>
+                  <a:schemeClr val="bg1"/>
+                </a:solidFill>
+                <a:latin typeface="AU Passata Light" panose="020B0303030902030804" pitchFamily="34" charset="0"/>
+                <a:ea typeface="+mj-ea"/>
+                <a:cs typeface="+mj-cs"/>
+              </a:defRPr>
+            </a:lvl1pPr>
+            <a:lvl2pPr algn="l" rtl="0" eaLnBrk="1" fontAlgn="base" hangingPunct="1">
+              <a:lnSpc>
+                <a:spcPct val="83000"/>
+              </a:lnSpc>
+              <a:spcBef>
+                <a:spcPct val="0"/>
+              </a:spcBef>
+              <a:spcAft>
+                <a:spcPct val="0"/>
+              </a:spcAft>
+              <a:defRPr sz="4000">
+                <a:solidFill>
+                  <a:schemeClr val="bg2"/>
+                </a:solidFill>
+                <a:latin typeface="AU Passata" pitchFamily="34" charset="0"/>
+              </a:defRPr>
+            </a:lvl2pPr>
+            <a:lvl3pPr algn="l" rtl="0" eaLnBrk="1" fontAlgn="base" hangingPunct="1">
+              <a:lnSpc>
+                <a:spcPct val="83000"/>
+              </a:lnSpc>
+              <a:spcBef>
+                <a:spcPct val="0"/>
+              </a:spcBef>
+              <a:spcAft>
+                <a:spcPct val="0"/>
+              </a:spcAft>
+              <a:defRPr sz="4000">
+                <a:solidFill>
+                  <a:schemeClr val="bg2"/>
+                </a:solidFill>
+                <a:latin typeface="AU Passata" pitchFamily="34" charset="0"/>
+              </a:defRPr>
+            </a:lvl3pPr>
+            <a:lvl4pPr algn="l" rtl="0" eaLnBrk="1" fontAlgn="base" hangingPunct="1">
+              <a:lnSpc>
+                <a:spcPct val="83000"/>
+              </a:lnSpc>
+              <a:spcBef>
+                <a:spcPct val="0"/>
+              </a:spcBef>
+              <a:spcAft>
+                <a:spcPct val="0"/>
+              </a:spcAft>
+              <a:defRPr sz="4000">
+                <a:solidFill>
+                  <a:schemeClr val="bg2"/>
+                </a:solidFill>
+                <a:latin typeface="AU Passata" pitchFamily="34" charset="0"/>
+              </a:defRPr>
+            </a:lvl4pPr>
+            <a:lvl5pPr algn="l" rtl="0" eaLnBrk="1" fontAlgn="base" hangingPunct="1">
+              <a:lnSpc>
+                <a:spcPct val="83000"/>
+              </a:lnSpc>
+              <a:spcBef>
+                <a:spcPct val="0"/>
+              </a:spcBef>
+              <a:spcAft>
+                <a:spcPct val="0"/>
+              </a:spcAft>
+              <a:defRPr sz="4000">
+                <a:solidFill>
+                  <a:schemeClr val="bg2"/>
+                </a:solidFill>
+                <a:latin typeface="AU Passata" pitchFamily="34" charset="0"/>
+              </a:defRPr>
+            </a:lvl5pPr>
+            <a:lvl6pPr marL="457200" algn="l" rtl="0" eaLnBrk="1" fontAlgn="base" hangingPunct="1">
+              <a:lnSpc>
+                <a:spcPct val="83000"/>
+              </a:lnSpc>
+              <a:spcBef>
+                <a:spcPct val="0"/>
+              </a:spcBef>
+              <a:spcAft>
+                <a:spcPct val="0"/>
+              </a:spcAft>
+              <a:defRPr sz="4000">
+                <a:solidFill>
+                  <a:schemeClr val="bg2"/>
+                </a:solidFill>
+                <a:latin typeface="AU Passata" pitchFamily="34" charset="0"/>
+              </a:defRPr>
+            </a:lvl6pPr>
+            <a:lvl7pPr marL="914400" algn="l" rtl="0" eaLnBrk="1" fontAlgn="base" hangingPunct="1">
+              <a:lnSpc>
+                <a:spcPct val="83000"/>
+              </a:lnSpc>
+              <a:spcBef>
+                <a:spcPct val="0"/>
+              </a:spcBef>
+              <a:spcAft>
+                <a:spcPct val="0"/>
+              </a:spcAft>
+              <a:defRPr sz="4000">
+                <a:solidFill>
+                  <a:schemeClr val="bg2"/>
+                </a:solidFill>
+                <a:latin typeface="AU Passata" pitchFamily="34" charset="0"/>
+              </a:defRPr>
+            </a:lvl7pPr>
+            <a:lvl8pPr marL="1371600" algn="l" rtl="0" eaLnBrk="1" fontAlgn="base" hangingPunct="1">
+              <a:lnSpc>
+                <a:spcPct val="83000"/>
+              </a:lnSpc>
+              <a:spcBef>
+                <a:spcPct val="0"/>
+              </a:spcBef>
+              <a:spcAft>
+                <a:spcPct val="0"/>
+              </a:spcAft>
+              <a:defRPr sz="4000">
+                <a:solidFill>
+                  <a:schemeClr val="bg2"/>
+                </a:solidFill>
+                <a:latin typeface="AU Passata" pitchFamily="34" charset="0"/>
+              </a:defRPr>
+            </a:lvl8pPr>
+            <a:lvl9pPr marL="1828800" algn="l" rtl="0" eaLnBrk="1" fontAlgn="base" hangingPunct="1">
+              <a:lnSpc>
+                <a:spcPct val="83000"/>
+              </a:lnSpc>
+              <a:spcBef>
+                <a:spcPct val="0"/>
+              </a:spcBef>
+              <a:spcAft>
+                <a:spcPct val="0"/>
+              </a:spcAft>
+              <a:defRPr sz="4000">
+                <a:solidFill>
+                  <a:schemeClr val="bg2"/>
+                </a:solidFill>
+                <a:latin typeface="AU Passata" pitchFamily="34" charset="0"/>
+              </a:defRPr>
+            </a:lvl9pPr>
+          </a:lstStyle>
+          <a:p>
+            <a:pPr>
+              <a:buFontTx/>
+            </a:pPr>
+            <a:r>
+              <a:rPr lang="da-DK" sz="4000" b="0" dirty="0"/>
+              <a:t>Agent-</a:t>
+            </a:r>
+            <a:r>
+              <a:rPr lang="da-DK" sz="4000" b="0" dirty="0" err="1"/>
+              <a:t>based</a:t>
+            </a:r>
+            <a:r>
+              <a:rPr lang="da-DK" sz="4000" b="0" dirty="0"/>
+              <a:t> </a:t>
+            </a:r>
+            <a:r>
+              <a:rPr lang="da-DK" sz="4000" b="0" dirty="0" err="1"/>
+              <a:t>modelling</a:t>
+            </a:r>
+            <a:r>
+              <a:rPr lang="da-DK" sz="4000" b="0" dirty="0"/>
+              <a:t> of Language </a:t>
+            </a:r>
+            <a:r>
+              <a:rPr lang="da-DK" sz="4000" dirty="0" err="1"/>
+              <a:t>development</a:t>
+            </a:r>
+            <a:r>
+              <a:rPr lang="da-DK" sz="4000" dirty="0"/>
+              <a:t> on St. Thomas</a:t>
+            </a:r>
+            <a:endParaRPr lang="en-AU" sz="2800" kern="0" dirty="0"/>
+          </a:p>
+        </p:txBody>
+      </p:sp>
     </p:spTree>
     <p:custDataLst>
       <p:tags r:id="rId1"/>
@@ -10607,10 +10963,10 @@
       </p:grpSpPr>
       <p:pic>
         <p:nvPicPr>
-          <p:cNvPr id="2" name="Picture 1" descr="logo">
+          <p:cNvPr id="3" name="Picture 2" descr="logo">
             <a:extLst>
               <a:ext uri="{FF2B5EF4-FFF2-40B4-BE49-F238E27FC236}">
-                <a16:creationId xmlns:a16="http://schemas.microsoft.com/office/drawing/2014/main" id="{0B9658EE-0438-394D-B344-B52409752434}"/>
+                <a16:creationId xmlns:a16="http://schemas.microsoft.com/office/drawing/2014/main" id="{D1CD82A6-EAD7-2F46-B8E3-D0872FCFDFF0}"/>
               </a:ext>
             </a:extLst>
           </p:cNvPr>
@@ -10619,23 +10975,30 @@
           </p:cNvPicPr>
           <p:nvPr/>
         </p:nvPicPr>
-        <p:blipFill>
+        <p:blipFill rotWithShape="1">
           <a:blip r:embed="rId4">
             <a:extLst>
+              <a:ext uri="{BEBA8EAE-BF5A-486C-A8C5-ECC9F3942E4B}">
+                <a14:imgProps xmlns:a14="http://schemas.microsoft.com/office/drawing/2010/main">
+                  <a14:imgLayer r:embed="rId5">
+                    <a14:imgEffect>
+                      <a14:sharpenSoften amount="100000"/>
+                    </a14:imgEffect>
+                  </a14:imgLayer>
+                </a14:imgProps>
+              </a:ext>
               <a:ext uri="{28A0092B-C50C-407E-A947-70E740481C1C}">
                 <a14:useLocalDpi xmlns:a14="http://schemas.microsoft.com/office/drawing/2010/main" val="0"/>
               </a:ext>
             </a:extLst>
           </a:blip>
           <a:srcRect/>
-          <a:stretch>
-            <a:fillRect/>
-          </a:stretch>
+          <a:stretch/>
         </p:blipFill>
         <p:spPr bwMode="auto">
           <a:xfrm>
-            <a:off x="9046740" y="4709722"/>
-            <a:ext cx="2816542" cy="489833"/>
+            <a:off x="765819" y="4725144"/>
+            <a:ext cx="4346714" cy="755950"/>
           </a:xfrm>
           <a:prstGeom prst="rect">
             <a:avLst/>
@@ -10652,6 +11015,70 @@
           </a:extLst>
         </p:spPr>
       </p:pic>
+      <p:sp>
+        <p:nvSpPr>
+          <p:cNvPr id="4" name="Rectangle 3">
+            <a:extLst>
+              <a:ext uri="{FF2B5EF4-FFF2-40B4-BE49-F238E27FC236}">
+                <a16:creationId xmlns:a16="http://schemas.microsoft.com/office/drawing/2014/main" id="{8C3FEA56-1209-1049-9849-3DDF9A589AF3}"/>
+              </a:ext>
+            </a:extLst>
+          </p:cNvPr>
+          <p:cNvSpPr/>
+          <p:nvPr/>
+        </p:nvSpPr>
+        <p:spPr>
+          <a:xfrm>
+            <a:off x="7338055" y="4637273"/>
+            <a:ext cx="4562738" cy="843821"/>
+          </a:xfrm>
+          <a:prstGeom prst="rect">
+            <a:avLst/>
+          </a:prstGeom>
+        </p:spPr>
+        <p:txBody>
+          <a:bodyPr wrap="square">
+            <a:spAutoFit/>
+          </a:bodyPr>
+          <a:lstStyle/>
+          <a:p>
+            <a:pPr>
+              <a:lnSpc>
+                <a:spcPct val="100000"/>
+              </a:lnSpc>
+              <a:spcBef>
+                <a:spcPts val="115"/>
+              </a:spcBef>
+            </a:pPr>
+            <a:r>
+              <a:rPr lang="en-GB" sz="2400" b="1" dirty="0">
+                <a:solidFill>
+                  <a:schemeClr val="bg1"/>
+                </a:solidFill>
+              </a:rPr>
+              <a:t>Centre for</a:t>
+            </a:r>
+          </a:p>
+          <a:p>
+            <a:pPr>
+              <a:lnSpc>
+                <a:spcPct val="100000"/>
+              </a:lnSpc>
+              <a:spcBef>
+                <a:spcPts val="115"/>
+              </a:spcBef>
+            </a:pPr>
+            <a:r>
+              <a:rPr lang="en-GB" sz="2400" b="1" dirty="0">
+                <a:solidFill>
+                  <a:schemeClr val="bg1"/>
+                </a:solidFill>
+              </a:rPr>
+              <a:t>Educational Development </a:t>
+            </a:r>
+          </a:p>
+        </p:txBody>
+      </p:sp>
     </p:spTree>
     <p:custDataLst>
       <p:tags r:id="rId1"/>
